--- a/JEDI/Jedi Novembre 2022.pptx
+++ b/JEDI/Jedi Novembre 2022.pptx
@@ -5,26 +5,25 @@
     <p:sldMasterId id="2147483648" r:id="rId1"/>
   </p:sldMasterIdLst>
   <p:notesMasterIdLst>
-    <p:notesMasterId r:id="rId19"/>
+    <p:notesMasterId r:id="rId18"/>
   </p:notesMasterIdLst>
   <p:sldIdLst>
     <p:sldId id="256" r:id="rId2"/>
-    <p:sldId id="328" r:id="rId3"/>
-    <p:sldId id="284" r:id="rId4"/>
-    <p:sldId id="325" r:id="rId5"/>
-    <p:sldId id="326" r:id="rId6"/>
-    <p:sldId id="329" r:id="rId7"/>
-    <p:sldId id="334" r:id="rId8"/>
-    <p:sldId id="330" r:id="rId9"/>
-    <p:sldId id="331" r:id="rId10"/>
-    <p:sldId id="335" r:id="rId11"/>
-    <p:sldId id="336" r:id="rId12"/>
-    <p:sldId id="337" r:id="rId13"/>
-    <p:sldId id="332" r:id="rId14"/>
-    <p:sldId id="287" r:id="rId15"/>
-    <p:sldId id="317" r:id="rId16"/>
-    <p:sldId id="309" r:id="rId17"/>
-    <p:sldId id="324" r:id="rId18"/>
+    <p:sldId id="284" r:id="rId3"/>
+    <p:sldId id="325" r:id="rId4"/>
+    <p:sldId id="326" r:id="rId5"/>
+    <p:sldId id="329" r:id="rId6"/>
+    <p:sldId id="334" r:id="rId7"/>
+    <p:sldId id="330" r:id="rId8"/>
+    <p:sldId id="331" r:id="rId9"/>
+    <p:sldId id="335" r:id="rId10"/>
+    <p:sldId id="336" r:id="rId11"/>
+    <p:sldId id="337" r:id="rId12"/>
+    <p:sldId id="332" r:id="rId13"/>
+    <p:sldId id="287" r:id="rId14"/>
+    <p:sldId id="317" r:id="rId15"/>
+    <p:sldId id="309" r:id="rId16"/>
+    <p:sldId id="324" r:id="rId17"/>
   </p:sldIdLst>
   <p:sldSz cx="12192000" cy="6858000"/>
   <p:notesSz cx="6808788" cy="9940925"/>
@@ -219,7 +218,7 @@
           <a:p>
             <a:fld id="{B010B2E1-EA60-4D65-A5BC-194309A1D877}" type="datetimeFigureOut">
               <a:rPr lang="fr-FR" smtClean="0"/>
-              <a:t>28/10/2022</a:t>
+              <a:t>03/11/2022</a:t>
             </a:fld>
             <a:endParaRPr lang="fr-FR"/>
           </a:p>
@@ -668,7 +667,7 @@
           <a:p>
             <a:fld id="{4598F146-7604-4A0A-9163-4165E53DBBD7}" type="slidenum">
               <a:rPr lang="fr-FR" smtClean="0"/>
-              <a:t>3</a:t>
+              <a:t>2</a:t>
             </a:fld>
             <a:endParaRPr lang="fr-FR"/>
           </a:p>
@@ -752,7 +751,7 @@
           <a:p>
             <a:fld id="{4598F146-7604-4A0A-9163-4165E53DBBD7}" type="slidenum">
               <a:rPr lang="fr-FR" smtClean="0"/>
-              <a:t>15</a:t>
+              <a:t>14</a:t>
             </a:fld>
             <a:endParaRPr lang="fr-FR"/>
           </a:p>
@@ -1424,7 +1423,7 @@
           <a:p>
             <a:fld id="{4598F146-7604-4A0A-9163-4165E53DBBD7}" type="slidenum">
               <a:rPr lang="fr-FR" smtClean="0"/>
-              <a:t>4</a:t>
+              <a:t>3</a:t>
             </a:fld>
             <a:endParaRPr lang="fr-FR"/>
           </a:p>
@@ -1643,7 +1642,7 @@
           <a:p>
             <a:fld id="{4598F146-7604-4A0A-9163-4165E53DBBD7}" type="slidenum">
               <a:rPr lang="fr-FR" smtClean="0"/>
-              <a:t>5</a:t>
+              <a:t>4</a:t>
             </a:fld>
             <a:endParaRPr lang="fr-FR"/>
           </a:p>
@@ -2268,7 +2267,7 @@
           <a:p>
             <a:fld id="{4598F146-7604-4A0A-9163-4165E53DBBD7}" type="slidenum">
               <a:rPr lang="fr-FR" smtClean="0"/>
-              <a:t>6</a:t>
+              <a:t>5</a:t>
             </a:fld>
             <a:endParaRPr lang="fr-FR"/>
           </a:p>
@@ -2756,7 +2755,7 @@
           <a:p>
             <a:fld id="{4598F146-7604-4A0A-9163-4165E53DBBD7}" type="slidenum">
               <a:rPr lang="fr-FR" smtClean="0"/>
-              <a:t>7</a:t>
+              <a:t>6</a:t>
             </a:fld>
             <a:endParaRPr lang="fr-FR"/>
           </a:p>
@@ -4467,7 +4466,7 @@
           <a:p>
             <a:fld id="{4598F146-7604-4A0A-9163-4165E53DBBD7}" type="slidenum">
               <a:rPr lang="fr-FR" smtClean="0"/>
-              <a:t>8</a:t>
+              <a:t>7</a:t>
             </a:fld>
             <a:endParaRPr lang="fr-FR"/>
           </a:p>
@@ -4734,7 +4733,7 @@
           <a:p>
             <a:fld id="{4598F146-7604-4A0A-9163-4165E53DBBD7}" type="slidenum">
               <a:rPr lang="fr-FR" smtClean="0"/>
-              <a:t>10</a:t>
+              <a:t>9</a:t>
             </a:fld>
             <a:endParaRPr lang="fr-FR"/>
           </a:p>
@@ -4891,7 +4890,7 @@
           <a:p>
             <a:fld id="{4598F146-7604-4A0A-9163-4165E53DBBD7}" type="slidenum">
               <a:rPr lang="fr-FR" smtClean="0"/>
-              <a:t>11</a:t>
+              <a:t>10</a:t>
             </a:fld>
             <a:endParaRPr lang="fr-FR"/>
           </a:p>
@@ -5642,7 +5641,7 @@
           <a:p>
             <a:fld id="{4598F146-7604-4A0A-9163-4165E53DBBD7}" type="slidenum">
               <a:rPr lang="fr-FR" smtClean="0"/>
-              <a:t>13</a:t>
+              <a:t>12</a:t>
             </a:fld>
             <a:endParaRPr lang="fr-FR"/>
           </a:p>
@@ -6725,42 +6724,6 @@
           </a:prstGeom>
         </p:spPr>
       </p:pic>
-      <p:pic>
-        <p:nvPicPr>
-          <p:cNvPr id="12" name="Picture 11" descr="Logo, company name&#10;&#10;Description automatically generated">
-            <a:extLst>
-              <a:ext uri="{FF2B5EF4-FFF2-40B4-BE49-F238E27FC236}">
-                <a16:creationId xmlns:a16="http://schemas.microsoft.com/office/drawing/2014/main" id="{3E028A31-92C1-4A5D-07D6-ADF9B43A3B48}"/>
-              </a:ext>
-            </a:extLst>
-          </p:cNvPr>
-          <p:cNvPicPr>
-            <a:picLocks noChangeAspect="1"/>
-          </p:cNvPicPr>
-          <p:nvPr/>
-        </p:nvPicPr>
-        <p:blipFill>
-          <a:blip r:embed="rId3">
-            <a:extLst>
-              <a:ext uri="{28A0092B-C50C-407E-A947-70E740481C1C}">
-                <a14:useLocalDpi xmlns:a14="http://schemas.microsoft.com/office/drawing/2010/main" val="0"/>
-              </a:ext>
-            </a:extLst>
-          </a:blip>
-          <a:stretch>
-            <a:fillRect/>
-          </a:stretch>
-        </p:blipFill>
-        <p:spPr>
-          <a:xfrm>
-            <a:off x="11016487" y="1"/>
-            <a:ext cx="1175513" cy="879676"/>
-          </a:xfrm>
-          <a:prstGeom prst="rect">
-            <a:avLst/>
-          </a:prstGeom>
-        </p:spPr>
-      </p:pic>
     </p:spTree>
     <p:extLst>
       <p:ext uri="{BB962C8B-B14F-4D97-AF65-F5344CB8AC3E}">
@@ -6814,11 +6777,19 @@
           <a:p>
             <a:r>
               <a:rPr lang="fr-FR" dirty="0"/>
-              <a:t>Extensions - Write custom </a:t>
+              <a:t>Extensions - </a:t>
             </a:r>
             <a:r>
               <a:rPr lang="fr-FR" dirty="0" err="1"/>
-              <a:t>addins</a:t>
+              <a:t>Importing</a:t>
+            </a:r>
+            <a:r>
+              <a:rPr lang="fr-FR" dirty="0"/>
+              <a:t> </a:t>
+            </a:r>
+            <a:r>
+              <a:rPr lang="fr-FR" dirty="0" err="1"/>
+              <a:t>Namespaces</a:t>
             </a:r>
             <a:endParaRPr lang="fr-FR" dirty="0"/>
           </a:p>
@@ -6840,77 +6811,27 @@
             <p:ph idx="1"/>
           </p:nvPr>
         </p:nvSpPr>
-        <p:spPr/>
+        <p:spPr>
+          <a:xfrm>
+            <a:off x="838200" y="2092325"/>
+            <a:ext cx="10515600" cy="4351338"/>
+          </a:xfrm>
+        </p:spPr>
         <p:txBody>
           <a:bodyPr/>
           <a:lstStyle/>
           <a:p>
             <a:r>
               <a:rPr lang="fr-FR" dirty="0"/>
-              <a:t>Écrire des compléments personnalisés</a:t>
+              <a:t>Importation d'espaces de noms</a:t>
             </a:r>
           </a:p>
           <a:p>
             <a:pPr lvl="1"/>
             <a:r>
               <a:rPr lang="fr-FR" dirty="0"/>
-              <a:t>Créer un nouveau projet de bibliothèque de classes et ajoutez une référence au package </a:t>
-            </a:r>
-            <a:r>
-              <a:rPr lang="fr-FR" dirty="0" err="1"/>
-              <a:t>Cake.Core</a:t>
-            </a:r>
-            <a:r>
-              <a:rPr lang="fr-FR" dirty="0"/>
-              <a:t> </a:t>
-            </a:r>
-            <a:r>
-              <a:rPr lang="fr-FR" dirty="0" err="1"/>
-              <a:t>NuGet</a:t>
-            </a:r>
-            <a:r>
-              <a:rPr lang="fr-FR" dirty="0"/>
-              <a:t> via le gestionnaire de packages : </a:t>
-            </a:r>
-            <a:r>
-              <a:rPr lang="fr-FR" b="0" dirty="0">
-                <a:solidFill>
-                  <a:srgbClr val="000000"/>
-                </a:solidFill>
-                <a:effectLst/>
-                <a:latin typeface="Consolas" panose="020B0609020204030204" pitchFamily="49" charset="0"/>
-              </a:rPr>
-              <a:t>Install-Package </a:t>
-            </a:r>
-            <a:r>
-              <a:rPr lang="fr-FR" b="0" dirty="0" err="1">
-                <a:solidFill>
-                  <a:srgbClr val="000000"/>
-                </a:solidFill>
-                <a:effectLst/>
-                <a:latin typeface="Consolas" panose="020B0609020204030204" pitchFamily="49" charset="0"/>
-              </a:rPr>
-              <a:t>Cake.Core</a:t>
-            </a:r>
-            <a:endParaRPr lang="fr-FR" b="0" dirty="0">
-              <a:solidFill>
-                <a:srgbClr val="000000"/>
-              </a:solidFill>
-              <a:effectLst/>
-              <a:latin typeface="Consolas" panose="020B0609020204030204" pitchFamily="49" charset="0"/>
-            </a:endParaRPr>
-          </a:p>
-          <a:p>
-            <a:pPr lvl="1"/>
-            <a:r>
-              <a:rPr lang="fr-FR" dirty="0"/>
-              <a:t>Ajoutez la méthode d'alias que vous souhaitez exposer à votre script Cake. Doit être marquée avec l’attribut </a:t>
-            </a:r>
-            <a:r>
-              <a:rPr lang="fr-FR" dirty="0" err="1"/>
-              <a:t>CakeMethodAlias</a:t>
-            </a:r>
-            <a:endParaRPr lang="fr-FR" dirty="0"/>
+              <a:t>Cake prend en charge l’importation automatique d’espaces de noms avec des attributs</a:t>
+            </a:r>
           </a:p>
           <a:p>
             <a:pPr marL="0" indent="0">
@@ -6919,32 +6840,32 @@
             <a:r>
               <a:rPr lang="en-US" sz="2000" b="0" dirty="0">
                 <a:solidFill>
-                  <a:srgbClr val="222222"/>
-                </a:solidFill>
-                <a:effectLst/>
-                <a:latin typeface="Consolas" panose="020B0609020204030204" pitchFamily="49" charset="0"/>
-              </a:rPr>
-              <a:t>[</a:t>
+                  <a:srgbClr val="008000"/>
+                </a:solidFill>
+                <a:effectLst/>
+                <a:latin typeface="Consolas" panose="020B0609020204030204" pitchFamily="49" charset="0"/>
+              </a:rPr>
+              <a:t>// Imports the </a:t>
             </a:r>
             <a:r>
               <a:rPr lang="en-US" sz="2000" b="0" dirty="0" err="1">
                 <a:solidFill>
-                  <a:srgbClr val="267F99"/>
-                </a:solidFill>
-                <a:effectLst/>
-                <a:latin typeface="Consolas" panose="020B0609020204030204" pitchFamily="49" charset="0"/>
-              </a:rPr>
-              <a:t>CakePropertyAlias</a:t>
+                  <a:srgbClr val="008000"/>
+                </a:solidFill>
+                <a:effectLst/>
+                <a:latin typeface="Consolas" panose="020B0609020204030204" pitchFamily="49" charset="0"/>
+              </a:rPr>
+              <a:t>Cake.Common.IO.Paths</a:t>
             </a:r>
             <a:r>
               <a:rPr lang="en-US" sz="2000" b="0" dirty="0">
                 <a:solidFill>
-                  <a:srgbClr val="222222"/>
-                </a:solidFill>
-                <a:effectLst/>
-                <a:latin typeface="Consolas" panose="020B0609020204030204" pitchFamily="49" charset="0"/>
-              </a:rPr>
-              <a:t>]</a:t>
+                  <a:srgbClr val="008000"/>
+                </a:solidFill>
+                <a:effectLst/>
+                <a:latin typeface="Consolas" panose="020B0609020204030204" pitchFamily="49" charset="0"/>
+              </a:rPr>
+              <a:t> namespace into the Cake script for any alias method used in the class.</a:t>
             </a:r>
             <a:endParaRPr lang="en-US" sz="2000" b="0" dirty="0">
               <a:solidFill>
@@ -6961,142 +6882,72 @@
             <a:r>
               <a:rPr lang="en-US" sz="2000" b="0" dirty="0">
                 <a:solidFill>
-                  <a:srgbClr val="0000FF"/>
-                </a:solidFill>
-                <a:effectLst/>
-                <a:latin typeface="Consolas" panose="020B0609020204030204" pitchFamily="49" charset="0"/>
-              </a:rPr>
-              <a:t>public</a:t>
+                  <a:srgbClr val="222222"/>
+                </a:solidFill>
+                <a:effectLst/>
+                <a:latin typeface="Consolas" panose="020B0609020204030204" pitchFamily="49" charset="0"/>
+              </a:rPr>
+              <a:t>[</a:t>
+            </a:r>
+            <a:r>
+              <a:rPr lang="en-US" sz="2000" b="0" dirty="0" err="1">
+                <a:solidFill>
+                  <a:srgbClr val="267F99"/>
+                </a:solidFill>
+                <a:effectLst/>
+                <a:latin typeface="Consolas" panose="020B0609020204030204" pitchFamily="49" charset="0"/>
+              </a:rPr>
+              <a:t>CakeNamespaceImport</a:t>
             </a:r>
             <a:r>
               <a:rPr lang="en-US" sz="2000" b="0" dirty="0">
                 <a:solidFill>
-                  <a:srgbClr val="000000"/>
-                </a:solidFill>
-                <a:effectLst/>
-                <a:latin typeface="Consolas" panose="020B0609020204030204" pitchFamily="49" charset="0"/>
-              </a:rPr>
-              <a:t> </a:t>
+                  <a:srgbClr val="222222"/>
+                </a:solidFill>
+                <a:effectLst/>
+                <a:latin typeface="Consolas" panose="020B0609020204030204" pitchFamily="49" charset="0"/>
+              </a:rPr>
+              <a:t>(</a:t>
             </a:r>
             <a:r>
               <a:rPr lang="en-US" sz="2000" b="0" dirty="0">
                 <a:solidFill>
-                  <a:srgbClr val="0000FF"/>
-                </a:solidFill>
-                <a:effectLst/>
-                <a:latin typeface="Consolas" panose="020B0609020204030204" pitchFamily="49" charset="0"/>
-              </a:rPr>
-              <a:t>static</a:t>
+                  <a:srgbClr val="A31515"/>
+                </a:solidFill>
+                <a:effectLst/>
+                <a:latin typeface="Consolas" panose="020B0609020204030204" pitchFamily="49" charset="0"/>
+              </a:rPr>
+              <a:t>"</a:t>
+            </a:r>
+            <a:r>
+              <a:rPr lang="en-US" sz="2000" b="0" dirty="0" err="1">
+                <a:solidFill>
+                  <a:srgbClr val="A31515"/>
+                </a:solidFill>
+                <a:effectLst/>
+                <a:latin typeface="Consolas" panose="020B0609020204030204" pitchFamily="49" charset="0"/>
+              </a:rPr>
+              <a:t>Cake.Common.IO.Paths</a:t>
             </a:r>
             <a:r>
               <a:rPr lang="en-US" sz="2000" b="0" dirty="0">
                 <a:solidFill>
-                  <a:srgbClr val="000000"/>
-                </a:solidFill>
-                <a:effectLst/>
-                <a:latin typeface="Consolas" panose="020B0609020204030204" pitchFamily="49" charset="0"/>
-              </a:rPr>
-              <a:t> </a:t>
+                  <a:srgbClr val="A31515"/>
+                </a:solidFill>
+                <a:effectLst/>
+                <a:latin typeface="Consolas" panose="020B0609020204030204" pitchFamily="49" charset="0"/>
+              </a:rPr>
+              <a:t>"</a:t>
             </a:r>
             <a:r>
               <a:rPr lang="en-US" sz="2000" b="0" dirty="0">
                 <a:solidFill>
-                  <a:srgbClr val="0000FF"/>
-                </a:solidFill>
-                <a:effectLst/>
-                <a:latin typeface="Consolas" panose="020B0609020204030204" pitchFamily="49" charset="0"/>
-              </a:rPr>
-              <a:t>int</a:t>
-            </a:r>
-            <a:r>
-              <a:rPr lang="en-US" sz="2000" b="0" dirty="0">
-                <a:solidFill>
-                  <a:srgbClr val="000000"/>
-                </a:solidFill>
-                <a:effectLst/>
-                <a:latin typeface="Consolas" panose="020B0609020204030204" pitchFamily="49" charset="0"/>
-              </a:rPr>
-              <a:t> </a:t>
-            </a:r>
-            <a:r>
-              <a:rPr lang="en-US" sz="2000" b="0" dirty="0" err="1">
-                <a:solidFill>
-                  <a:srgbClr val="795E26"/>
-                </a:solidFill>
-                <a:effectLst/>
-                <a:latin typeface="Consolas" panose="020B0609020204030204" pitchFamily="49" charset="0"/>
-              </a:rPr>
-              <a:t>TheAnswerToLife</a:t>
-            </a:r>
-            <a:r>
-              <a:rPr lang="en-US" sz="2000" b="0" dirty="0">
-                <a:solidFill>
                   <a:srgbClr val="222222"/>
                 </a:solidFill>
                 <a:effectLst/>
                 <a:latin typeface="Consolas" panose="020B0609020204030204" pitchFamily="49" charset="0"/>
               </a:rPr>
-              <a:t>(</a:t>
-            </a:r>
-            <a:r>
-              <a:rPr lang="en-US" sz="2000" b="0" dirty="0">
-                <a:solidFill>
-                  <a:srgbClr val="0000FF"/>
-                </a:solidFill>
-                <a:effectLst/>
-                <a:latin typeface="Consolas" panose="020B0609020204030204" pitchFamily="49" charset="0"/>
-              </a:rPr>
-              <a:t>this</a:t>
-            </a:r>
-            <a:r>
-              <a:rPr lang="en-US" sz="2000" b="0" dirty="0">
-                <a:solidFill>
-                  <a:srgbClr val="000000"/>
-                </a:solidFill>
-                <a:effectLst/>
-                <a:latin typeface="Consolas" panose="020B0609020204030204" pitchFamily="49" charset="0"/>
-              </a:rPr>
-              <a:t> </a:t>
-            </a:r>
-            <a:r>
-              <a:rPr lang="en-US" sz="2000" b="0" dirty="0" err="1">
-                <a:solidFill>
-                  <a:srgbClr val="267F99"/>
-                </a:solidFill>
-                <a:effectLst/>
-                <a:latin typeface="Consolas" panose="020B0609020204030204" pitchFamily="49" charset="0"/>
-              </a:rPr>
-              <a:t>ICakeContext</a:t>
-            </a:r>
-            <a:r>
-              <a:rPr lang="en-US" sz="2000" b="0" dirty="0">
-                <a:solidFill>
-                  <a:srgbClr val="000000"/>
-                </a:solidFill>
-                <a:effectLst/>
-                <a:latin typeface="Consolas" panose="020B0609020204030204" pitchFamily="49" charset="0"/>
-              </a:rPr>
-              <a:t> </a:t>
-            </a:r>
-            <a:r>
-              <a:rPr lang="en-US" sz="2000" b="0" dirty="0">
-                <a:solidFill>
-                  <a:srgbClr val="001080"/>
-                </a:solidFill>
-                <a:effectLst/>
-                <a:latin typeface="Consolas" panose="020B0609020204030204" pitchFamily="49" charset="0"/>
-              </a:rPr>
-              <a:t>context</a:t>
-            </a:r>
-            <a:r>
-              <a:rPr lang="en-US" sz="2000" b="0" dirty="0">
-                <a:solidFill>
-                  <a:srgbClr val="222222"/>
-                </a:solidFill>
-                <a:effectLst/>
-                <a:latin typeface="Consolas" panose="020B0609020204030204" pitchFamily="49" charset="0"/>
-              </a:rPr>
-              <a:t>)</a:t>
+              <a:t>)]</a:t>
             </a:r>
             <a:endParaRPr lang="en-US" sz="2000" b="0" dirty="0">
               <a:solidFill>
@@ -7113,12 +6964,72 @@
             <a:r>
               <a:rPr lang="en-US" sz="2000" b="0" dirty="0">
                 <a:solidFill>
-                  <a:srgbClr val="222222"/>
-                </a:solidFill>
-                <a:effectLst/>
-                <a:latin typeface="Consolas" panose="020B0609020204030204" pitchFamily="49" charset="0"/>
-              </a:rPr>
-              <a:t>{</a:t>
+                  <a:srgbClr val="0000FF"/>
+                </a:solidFill>
+                <a:effectLst/>
+                <a:latin typeface="Consolas" panose="020B0609020204030204" pitchFamily="49" charset="0"/>
+              </a:rPr>
+              <a:t>public</a:t>
+            </a:r>
+            <a:r>
+              <a:rPr lang="en-US" sz="2000" b="0" dirty="0">
+                <a:solidFill>
+                  <a:srgbClr val="000000"/>
+                </a:solidFill>
+                <a:effectLst/>
+                <a:latin typeface="Consolas" panose="020B0609020204030204" pitchFamily="49" charset="0"/>
+              </a:rPr>
+              <a:t> </a:t>
+            </a:r>
+            <a:r>
+              <a:rPr lang="en-US" sz="2000" b="0" dirty="0">
+                <a:solidFill>
+                  <a:srgbClr val="0000FF"/>
+                </a:solidFill>
+                <a:effectLst/>
+                <a:latin typeface="Consolas" panose="020B0609020204030204" pitchFamily="49" charset="0"/>
+              </a:rPr>
+              <a:t>static</a:t>
+            </a:r>
+            <a:r>
+              <a:rPr lang="en-US" sz="2000" b="0" dirty="0">
+                <a:solidFill>
+                  <a:srgbClr val="000000"/>
+                </a:solidFill>
+                <a:effectLst/>
+                <a:latin typeface="Consolas" panose="020B0609020204030204" pitchFamily="49" charset="0"/>
+              </a:rPr>
+              <a:t> </a:t>
+            </a:r>
+            <a:r>
+              <a:rPr lang="en-US" sz="2000" b="0" dirty="0">
+                <a:solidFill>
+                  <a:srgbClr val="0000FF"/>
+                </a:solidFill>
+                <a:effectLst/>
+                <a:latin typeface="Consolas" panose="020B0609020204030204" pitchFamily="49" charset="0"/>
+              </a:rPr>
+              <a:t>class</a:t>
+            </a:r>
+            <a:r>
+              <a:rPr lang="en-US" sz="2000" b="0" dirty="0">
+                <a:solidFill>
+                  <a:srgbClr val="000000"/>
+                </a:solidFill>
+                <a:effectLst/>
+                <a:latin typeface="Consolas" panose="020B0609020204030204" pitchFamily="49" charset="0"/>
+              </a:rPr>
+              <a:t> </a:t>
+            </a:r>
+            <a:r>
+              <a:rPr lang="en-US" sz="2000" b="0" dirty="0" err="1">
+                <a:solidFill>
+                  <a:srgbClr val="267F99"/>
+                </a:solidFill>
+                <a:effectLst/>
+                <a:latin typeface="Consolas" panose="020B0609020204030204" pitchFamily="49" charset="0"/>
+              </a:rPr>
+              <a:t>DirectoryAliases</a:t>
             </a:r>
             <a:endParaRPr lang="en-US" sz="2000" b="0" dirty="0">
               <a:solidFill>
@@ -7135,52 +7046,32 @@
             <a:r>
               <a:rPr lang="en-US" sz="2000" b="0" dirty="0">
                 <a:solidFill>
-                  <a:srgbClr val="000000"/>
-                </a:solidFill>
-                <a:effectLst/>
-                <a:latin typeface="Consolas" panose="020B0609020204030204" pitchFamily="49" charset="0"/>
-              </a:rPr>
-              <a:t>    </a:t>
+                  <a:srgbClr val="222222"/>
+                </a:solidFill>
+                <a:effectLst/>
+                <a:latin typeface="Consolas" panose="020B0609020204030204" pitchFamily="49" charset="0"/>
+              </a:rPr>
+              <a:t>{</a:t>
             </a:r>
             <a:r>
               <a:rPr lang="en-US" sz="2000" b="0" dirty="0">
                 <a:solidFill>
-                  <a:srgbClr val="AF00DB"/>
-                </a:solidFill>
-                <a:effectLst/>
-                <a:latin typeface="Consolas" panose="020B0609020204030204" pitchFamily="49" charset="0"/>
-              </a:rPr>
-              <a:t>return</a:t>
+                  <a:srgbClr val="000000"/>
+                </a:solidFill>
+                <a:effectLst/>
+                <a:latin typeface="Consolas" panose="020B0609020204030204" pitchFamily="49" charset="0"/>
+              </a:rPr>
+              <a:t>...</a:t>
             </a:r>
             <a:r>
               <a:rPr lang="en-US" sz="2000" b="0" dirty="0">
                 <a:solidFill>
-                  <a:srgbClr val="000000"/>
-                </a:solidFill>
-                <a:effectLst/>
-                <a:latin typeface="Consolas" panose="020B0609020204030204" pitchFamily="49" charset="0"/>
-              </a:rPr>
-              <a:t> </a:t>
-            </a:r>
-            <a:r>
-              <a:rPr lang="en-US" sz="2000" b="0" dirty="0">
-                <a:solidFill>
-                  <a:srgbClr val="098658"/>
-                </a:solidFill>
-                <a:effectLst/>
-                <a:latin typeface="Consolas" panose="020B0609020204030204" pitchFamily="49" charset="0"/>
-              </a:rPr>
-              <a:t>42</a:t>
-            </a:r>
-            <a:r>
-              <a:rPr lang="en-US" sz="2000" b="0" dirty="0">
-                <a:solidFill>
                   <a:srgbClr val="222222"/>
                 </a:solidFill>
                 <a:effectLst/>
                 <a:latin typeface="Consolas" panose="020B0609020204030204" pitchFamily="49" charset="0"/>
               </a:rPr>
-              <a:t>;</a:t>
+              <a:t>}</a:t>
             </a:r>
             <a:endParaRPr lang="en-US" sz="2000" b="0" dirty="0">
               <a:solidFill>
@@ -7194,26 +7085,6 @@
             <a:pPr marL="0" indent="0">
               <a:buNone/>
             </a:pPr>
-            <a:r>
-              <a:rPr lang="en-US" sz="2000" b="0" dirty="0">
-                <a:solidFill>
-                  <a:srgbClr val="222222"/>
-                </a:solidFill>
-                <a:effectLst/>
-                <a:latin typeface="Consolas" panose="020B0609020204030204" pitchFamily="49" charset="0"/>
-              </a:rPr>
-              <a:t>}</a:t>
-            </a:r>
-            <a:endParaRPr lang="en-US" sz="2000" b="0" dirty="0">
-              <a:solidFill>
-                <a:srgbClr val="000000"/>
-              </a:solidFill>
-              <a:effectLst/>
-              <a:latin typeface="Consolas" panose="020B0609020204030204" pitchFamily="49" charset="0"/>
-            </a:endParaRPr>
-          </a:p>
-          <a:p>
-            <a:pPr lvl="1"/>
             <a:endParaRPr lang="fr-FR" dirty="0"/>
           </a:p>
         </p:txBody>
@@ -7221,7 +7092,7 @@
     </p:spTree>
     <p:extLst>
       <p:ext uri="{BB962C8B-B14F-4D97-AF65-F5344CB8AC3E}">
-        <p14:creationId xmlns:p14="http://schemas.microsoft.com/office/powerpoint/2010/main" val="3730043413"/>
+        <p14:creationId xmlns:p14="http://schemas.microsoft.com/office/powerpoint/2010/main" val="3751706799"/>
       </p:ext>
     </p:extLst>
   </p:cSld>
@@ -7275,15 +7146,15 @@
             </a:r>
             <a:r>
               <a:rPr lang="fr-FR" dirty="0" err="1"/>
-              <a:t>Importing</a:t>
+              <a:t>Using</a:t>
             </a:r>
             <a:r>
               <a:rPr lang="fr-FR" dirty="0"/>
-              <a:t> </a:t>
+              <a:t> the </a:t>
             </a:r>
             <a:r>
               <a:rPr lang="fr-FR" dirty="0" err="1"/>
-              <a:t>Namespaces</a:t>
+              <a:t>addin</a:t>
             </a:r>
             <a:endParaRPr lang="fr-FR" dirty="0"/>
           </a:p>
@@ -7305,26 +7176,29 @@
             <p:ph idx="1"/>
           </p:nvPr>
         </p:nvSpPr>
-        <p:spPr>
-          <a:xfrm>
-            <a:off x="838200" y="2092325"/>
-            <a:ext cx="10515600" cy="4351338"/>
-          </a:xfrm>
-        </p:spPr>
+        <p:spPr/>
         <p:txBody>
           <a:bodyPr/>
           <a:lstStyle/>
           <a:p>
             <a:r>
               <a:rPr lang="fr-FR" dirty="0"/>
-              <a:t>Importation d'espaces de noms</a:t>
+              <a:t>Utilisation du complément</a:t>
             </a:r>
           </a:p>
           <a:p>
             <a:pPr lvl="1"/>
             <a:r>
               <a:rPr lang="fr-FR" dirty="0"/>
-              <a:t>Cake prend en charge l’importation automatique d’espaces de noms avec des attributs</a:t>
+              <a:t>Compilez l'</a:t>
+            </a:r>
+            <a:r>
+              <a:rPr lang="fr-FR" dirty="0" err="1"/>
+              <a:t>assembly</a:t>
+            </a:r>
+            <a:r>
+              <a:rPr lang="fr-FR" dirty="0"/>
+              <a:t> et ajoutez-y une référence dans le script de construction via la directive #r.</a:t>
             </a:r>
           </a:p>
           <a:p>
@@ -7332,34 +7206,129 @@
               <a:buNone/>
             </a:pPr>
             <a:r>
+              <a:rPr lang="fr-FR" sz="2000" b="0" dirty="0">
+                <a:solidFill>
+                  <a:srgbClr val="222222"/>
+                </a:solidFill>
+                <a:effectLst/>
+                <a:latin typeface="Consolas" panose="020B0609020204030204" pitchFamily="49" charset="0"/>
+              </a:rPr>
+              <a:t>#</a:t>
+            </a:r>
+            <a:r>
+              <a:rPr lang="fr-FR" sz="2000" b="0" dirty="0">
+                <a:solidFill>
+                  <a:srgbClr val="808080"/>
+                </a:solidFill>
+                <a:effectLst/>
+                <a:latin typeface="Consolas" panose="020B0609020204030204" pitchFamily="49" charset="0"/>
+              </a:rPr>
+              <a:t>r</a:t>
+            </a:r>
+            <a:r>
+              <a:rPr lang="fr-FR" sz="2000" b="0" dirty="0">
+                <a:solidFill>
+                  <a:srgbClr val="0000FF"/>
+                </a:solidFill>
+                <a:effectLst/>
+                <a:latin typeface="Consolas" panose="020B0609020204030204" pitchFamily="49" charset="0"/>
+              </a:rPr>
+              <a:t> </a:t>
+            </a:r>
+            <a:r>
+              <a:rPr lang="fr-FR" sz="2000" b="0" dirty="0">
+                <a:solidFill>
+                  <a:srgbClr val="A31515"/>
+                </a:solidFill>
+                <a:effectLst/>
+                <a:latin typeface="Consolas" panose="020B0609020204030204" pitchFamily="49" charset="0"/>
+              </a:rPr>
+              <a:t>"</a:t>
+            </a:r>
+            <a:r>
+              <a:rPr lang="fr-FR" sz="2000" b="0" dirty="0" err="1">
+                <a:solidFill>
+                  <a:srgbClr val="A31515"/>
+                </a:solidFill>
+                <a:effectLst/>
+                <a:latin typeface="Consolas" panose="020B0609020204030204" pitchFamily="49" charset="0"/>
+              </a:rPr>
+              <a:t>tools</a:t>
+            </a:r>
+            <a:r>
+              <a:rPr lang="fr-FR" sz="2000" b="0" dirty="0">
+                <a:solidFill>
+                  <a:srgbClr val="A31515"/>
+                </a:solidFill>
+                <a:effectLst/>
+                <a:latin typeface="Consolas" panose="020B0609020204030204" pitchFamily="49" charset="0"/>
+              </a:rPr>
+              <a:t>/MyCakeExtension.dll« </a:t>
+            </a:r>
+          </a:p>
+          <a:p>
+            <a:pPr marL="0" indent="0">
+              <a:buNone/>
+            </a:pPr>
+            <a:r>
               <a:rPr lang="en-US" sz="2000" b="0" dirty="0">
                 <a:solidFill>
-                  <a:srgbClr val="008000"/>
-                </a:solidFill>
-                <a:effectLst/>
-                <a:latin typeface="Consolas" panose="020B0609020204030204" pitchFamily="49" charset="0"/>
-              </a:rPr>
-              <a:t>// Imports the </a:t>
+                  <a:srgbClr val="795E26"/>
+                </a:solidFill>
+                <a:effectLst/>
+                <a:latin typeface="Consolas" panose="020B0609020204030204" pitchFamily="49" charset="0"/>
+              </a:rPr>
+              <a:t>Task</a:t>
+            </a:r>
+            <a:r>
+              <a:rPr lang="en-US" sz="2000" b="0" dirty="0">
+                <a:solidFill>
+                  <a:srgbClr val="222222"/>
+                </a:solidFill>
+                <a:effectLst/>
+                <a:latin typeface="Consolas" panose="020B0609020204030204" pitchFamily="49" charset="0"/>
+              </a:rPr>
+              <a:t>(</a:t>
+            </a:r>
+            <a:r>
+              <a:rPr lang="en-US" sz="2000" b="0" dirty="0">
+                <a:solidFill>
+                  <a:srgbClr val="A31515"/>
+                </a:solidFill>
+                <a:effectLst/>
+                <a:latin typeface="Consolas" panose="020B0609020204030204" pitchFamily="49" charset="0"/>
+              </a:rPr>
+              <a:t>"</a:t>
             </a:r>
             <a:r>
               <a:rPr lang="en-US" sz="2000" b="0" dirty="0" err="1">
                 <a:solidFill>
-                  <a:srgbClr val="008000"/>
-                </a:solidFill>
-                <a:effectLst/>
-                <a:latin typeface="Consolas" panose="020B0609020204030204" pitchFamily="49" charset="0"/>
-              </a:rPr>
-              <a:t>Cake.Common.IO.Paths</a:t>
+                  <a:srgbClr val="A31515"/>
+                </a:solidFill>
+                <a:effectLst/>
+                <a:latin typeface="Consolas" panose="020B0609020204030204" pitchFamily="49" charset="0"/>
+              </a:rPr>
+              <a:t>GetSomeAnswers</a:t>
             </a:r>
             <a:r>
               <a:rPr lang="en-US" sz="2000" b="0" dirty="0">
                 <a:solidFill>
-                  <a:srgbClr val="008000"/>
-                </a:solidFill>
-                <a:effectLst/>
-                <a:latin typeface="Consolas" panose="020B0609020204030204" pitchFamily="49" charset="0"/>
-              </a:rPr>
-              <a:t> namespace into the Cake script for any alias method used in the class.</a:t>
+                  <a:srgbClr val="A31515"/>
+                </a:solidFill>
+                <a:effectLst/>
+                <a:latin typeface="Consolas" panose="020B0609020204030204" pitchFamily="49" charset="0"/>
+              </a:rPr>
+              <a:t>"</a:t>
+            </a:r>
+            <a:r>
+              <a:rPr lang="en-US" sz="2000" b="0" dirty="0">
+                <a:solidFill>
+                  <a:srgbClr val="222222"/>
+                </a:solidFill>
+                <a:effectLst/>
+                <a:latin typeface="Consolas" panose="020B0609020204030204" pitchFamily="49" charset="0"/>
+              </a:rPr>
+              <a:t>)</a:t>
             </a:r>
             <a:endParaRPr lang="en-US" sz="2000" b="0" dirty="0">
               <a:solidFill>
@@ -7376,72 +7345,67 @@
             <a:r>
               <a:rPr lang="en-US" sz="2000" b="0" dirty="0">
                 <a:solidFill>
+                  <a:srgbClr val="000000"/>
+                </a:solidFill>
+                <a:effectLst/>
+                <a:latin typeface="Consolas" panose="020B0609020204030204" pitchFamily="49" charset="0"/>
+              </a:rPr>
+              <a:t>    </a:t>
+            </a:r>
+            <a:r>
+              <a:rPr lang="en-US" sz="2000" b="0" dirty="0">
+                <a:solidFill>
                   <a:srgbClr val="222222"/>
                 </a:solidFill>
                 <a:effectLst/>
                 <a:latin typeface="Consolas" panose="020B0609020204030204" pitchFamily="49" charset="0"/>
               </a:rPr>
-              <a:t>[</a:t>
-            </a:r>
-            <a:r>
-              <a:rPr lang="en-US" sz="2000" b="0" dirty="0" err="1">
-                <a:solidFill>
-                  <a:srgbClr val="267F99"/>
-                </a:solidFill>
-                <a:effectLst/>
-                <a:latin typeface="Consolas" panose="020B0609020204030204" pitchFamily="49" charset="0"/>
-              </a:rPr>
-              <a:t>CakeNamespaceImport</a:t>
+              <a:t>.</a:t>
             </a:r>
             <a:r>
               <a:rPr lang="en-US" sz="2000" b="0" dirty="0">
                 <a:solidFill>
+                  <a:srgbClr val="795E26"/>
+                </a:solidFill>
+                <a:effectLst/>
+                <a:latin typeface="Consolas" panose="020B0609020204030204" pitchFamily="49" charset="0"/>
+              </a:rPr>
+              <a:t>Does</a:t>
+            </a:r>
+            <a:r>
+              <a:rPr lang="en-US" sz="2000" b="0" dirty="0">
+                <a:solidFill>
                   <a:srgbClr val="222222"/>
                 </a:solidFill>
                 <a:effectLst/>
                 <a:latin typeface="Consolas" panose="020B0609020204030204" pitchFamily="49" charset="0"/>
               </a:rPr>
-              <a:t>(</a:t>
+              <a:t>(()</a:t>
             </a:r>
             <a:r>
               <a:rPr lang="en-US" sz="2000" b="0" dirty="0">
                 <a:solidFill>
-                  <a:srgbClr val="A31515"/>
-                </a:solidFill>
-                <a:effectLst/>
-                <a:latin typeface="Consolas" panose="020B0609020204030204" pitchFamily="49" charset="0"/>
-              </a:rPr>
-              <a:t>"</a:t>
-            </a:r>
-            <a:r>
-              <a:rPr lang="en-US" sz="2000" b="0" dirty="0" err="1">
-                <a:solidFill>
-                  <a:srgbClr val="A31515"/>
-                </a:solidFill>
-                <a:effectLst/>
-                <a:latin typeface="Consolas" panose="020B0609020204030204" pitchFamily="49" charset="0"/>
-              </a:rPr>
-              <a:t>Cake.Common.IO.Paths</a:t>
-            </a:r>
+                  <a:srgbClr val="000000"/>
+                </a:solidFill>
+                <a:effectLst/>
+                <a:latin typeface="Consolas" panose="020B0609020204030204" pitchFamily="49" charset="0"/>
+              </a:rPr>
+              <a:t> =&gt;</a:t>
+            </a:r>
+          </a:p>
+          <a:p>
+            <a:pPr marL="0" indent="0">
+              <a:buNone/>
+            </a:pPr>
             <a:r>
               <a:rPr lang="en-US" sz="2000" b="0" dirty="0">
                 <a:solidFill>
-                  <a:srgbClr val="A31515"/>
-                </a:solidFill>
-                <a:effectLst/>
-                <a:latin typeface="Consolas" panose="020B0609020204030204" pitchFamily="49" charset="0"/>
-              </a:rPr>
-              <a:t>"</a:t>
-            </a:r>
-            <a:r>
-              <a:rPr lang="en-US" sz="2000" b="0" dirty="0">
-                <a:solidFill>
                   <a:srgbClr val="222222"/>
                 </a:solidFill>
                 <a:effectLst/>
                 <a:latin typeface="Consolas" panose="020B0609020204030204" pitchFamily="49" charset="0"/>
               </a:rPr>
-              <a:t>)]</a:t>
+              <a:t>{</a:t>
             </a:r>
             <a:endParaRPr lang="en-US" sz="2000" b="0" dirty="0">
               <a:solidFill>
@@ -7458,72 +7422,22 @@
             <a:r>
               <a:rPr lang="en-US" sz="2000" b="0" dirty="0">
                 <a:solidFill>
-                  <a:srgbClr val="0000FF"/>
-                </a:solidFill>
-                <a:effectLst/>
-                <a:latin typeface="Consolas" panose="020B0609020204030204" pitchFamily="49" charset="0"/>
-              </a:rPr>
-              <a:t>public</a:t>
+                  <a:srgbClr val="222222"/>
+                </a:solidFill>
+                <a:effectLst/>
+                <a:latin typeface="Consolas" panose="020B0609020204030204" pitchFamily="49" charset="0"/>
+              </a:rPr>
+              <a:t>    </a:t>
             </a:r>
             <a:r>
               <a:rPr lang="en-US" sz="2000" b="0" dirty="0">
                 <a:solidFill>
-                  <a:srgbClr val="000000"/>
-                </a:solidFill>
-                <a:effectLst/>
-                <a:latin typeface="Consolas" panose="020B0609020204030204" pitchFamily="49" charset="0"/>
-              </a:rPr>
-              <a:t> </a:t>
-            </a:r>
-            <a:r>
-              <a:rPr lang="en-US" sz="2000" b="0" dirty="0">
-                <a:solidFill>
-                  <a:srgbClr val="0000FF"/>
-                </a:solidFill>
-                <a:effectLst/>
-                <a:latin typeface="Consolas" panose="020B0609020204030204" pitchFamily="49" charset="0"/>
-              </a:rPr>
-              <a:t>static</a:t>
-            </a:r>
-            <a:r>
-              <a:rPr lang="en-US" sz="2000" b="0" dirty="0">
-                <a:solidFill>
-                  <a:srgbClr val="000000"/>
-                </a:solidFill>
-                <a:effectLst/>
-                <a:latin typeface="Consolas" panose="020B0609020204030204" pitchFamily="49" charset="0"/>
-              </a:rPr>
-              <a:t> </a:t>
-            </a:r>
-            <a:r>
-              <a:rPr lang="en-US" sz="2000" b="0" dirty="0">
-                <a:solidFill>
-                  <a:srgbClr val="0000FF"/>
-                </a:solidFill>
-                <a:effectLst/>
-                <a:latin typeface="Consolas" panose="020B0609020204030204" pitchFamily="49" charset="0"/>
-              </a:rPr>
-              <a:t>class</a:t>
-            </a:r>
-            <a:r>
-              <a:rPr lang="en-US" sz="2000" b="0" dirty="0">
-                <a:solidFill>
-                  <a:srgbClr val="000000"/>
-                </a:solidFill>
-                <a:effectLst/>
-                <a:latin typeface="Consolas" panose="020B0609020204030204" pitchFamily="49" charset="0"/>
-              </a:rPr>
-              <a:t> </a:t>
-            </a:r>
-            <a:r>
-              <a:rPr lang="en-US" sz="2000" b="0" dirty="0" err="1">
-                <a:solidFill>
-                  <a:srgbClr val="267F99"/>
-                </a:solidFill>
-                <a:effectLst/>
-                <a:latin typeface="Consolas" panose="020B0609020204030204" pitchFamily="49" charset="0"/>
-              </a:rPr>
-              <a:t>DirectoryAliases</a:t>
+                  <a:srgbClr val="008000"/>
+                </a:solidFill>
+                <a:effectLst/>
+                <a:latin typeface="Consolas" panose="020B0609020204030204" pitchFamily="49" charset="0"/>
+              </a:rPr>
+              <a:t>// Write the values to the console.</a:t>
             </a:r>
             <a:endParaRPr lang="en-US" sz="2000" b="0" dirty="0">
               <a:solidFill>
@@ -7540,22 +7454,42 @@
             <a:r>
               <a:rPr lang="en-US" sz="2000" b="0" dirty="0">
                 <a:solidFill>
+                  <a:srgbClr val="000000"/>
+                </a:solidFill>
+                <a:effectLst/>
+                <a:latin typeface="Consolas" panose="020B0609020204030204" pitchFamily="49" charset="0"/>
+              </a:rPr>
+              <a:t>    </a:t>
+            </a:r>
+            <a:r>
+              <a:rPr lang="en-US" sz="2000" b="0" dirty="0">
+                <a:solidFill>
+                  <a:srgbClr val="795E26"/>
+                </a:solidFill>
+                <a:effectLst/>
+                <a:latin typeface="Consolas" panose="020B0609020204030204" pitchFamily="49" charset="0"/>
+              </a:rPr>
+              <a:t>Information</a:t>
+            </a:r>
+            <a:r>
+              <a:rPr lang="en-US" sz="2000" b="0" dirty="0">
+                <a:solidFill>
                   <a:srgbClr val="222222"/>
                 </a:solidFill>
                 <a:effectLst/>
                 <a:latin typeface="Consolas" panose="020B0609020204030204" pitchFamily="49" charset="0"/>
               </a:rPr>
-              <a:t>{</a:t>
+              <a:t>(</a:t>
             </a:r>
             <a:r>
               <a:rPr lang="en-US" sz="2000" b="0" dirty="0">
                 <a:solidFill>
-                  <a:srgbClr val="000000"/>
-                </a:solidFill>
-                <a:effectLst/>
-                <a:latin typeface="Consolas" panose="020B0609020204030204" pitchFamily="49" charset="0"/>
-              </a:rPr>
-              <a:t>...</a:t>
+                  <a:srgbClr val="A31515"/>
+                </a:solidFill>
+                <a:effectLst/>
+                <a:latin typeface="Consolas" panose="020B0609020204030204" pitchFamily="49" charset="0"/>
+              </a:rPr>
+              <a:t>"The answer to life: {0}"</a:t>
             </a:r>
             <a:r>
               <a:rPr lang="en-US" sz="2000" b="0" dirty="0">
@@ -7565,7 +7499,37 @@
                 <a:effectLst/>
                 <a:latin typeface="Consolas" panose="020B0609020204030204" pitchFamily="49" charset="0"/>
               </a:rPr>
-              <a:t>}</a:t>
+              <a:t>,</a:t>
+            </a:r>
+            <a:r>
+              <a:rPr lang="en-US" sz="2000" b="0" dirty="0">
+                <a:solidFill>
+                  <a:srgbClr val="000000"/>
+                </a:solidFill>
+                <a:effectLst/>
+                <a:latin typeface="Consolas" panose="020B0609020204030204" pitchFamily="49" charset="0"/>
+              </a:rPr>
+              <a:t> </a:t>
+            </a:r>
+            <a:r>
+              <a:rPr lang="en-US" sz="2000" b="0" dirty="0" err="1">
+                <a:solidFill>
+                  <a:srgbClr val="001080"/>
+                </a:solidFill>
+                <a:effectLst/>
+                <a:latin typeface="Consolas" panose="020B0609020204030204" pitchFamily="49" charset="0"/>
+              </a:rPr>
+              <a:t>TheAnswerToLife</a:t>
+            </a:r>
+            <a:r>
+              <a:rPr lang="en-US" sz="2000" b="0" dirty="0">
+                <a:solidFill>
+                  <a:srgbClr val="222222"/>
+                </a:solidFill>
+                <a:effectLst/>
+                <a:latin typeface="Consolas" panose="020B0609020204030204" pitchFamily="49" charset="0"/>
+              </a:rPr>
+              <a:t>);</a:t>
             </a:r>
             <a:endParaRPr lang="en-US" sz="2000" b="0" dirty="0">
               <a:solidFill>
@@ -7579,6 +7543,40 @@
             <a:pPr marL="0" indent="0">
               <a:buNone/>
             </a:pPr>
+            <a:r>
+              <a:rPr lang="en-US" sz="2000" b="0" dirty="0">
+                <a:solidFill>
+                  <a:srgbClr val="222222"/>
+                </a:solidFill>
+                <a:effectLst/>
+                <a:latin typeface="Consolas" panose="020B0609020204030204" pitchFamily="49" charset="0"/>
+              </a:rPr>
+              <a:t>});</a:t>
+            </a:r>
+            <a:endParaRPr lang="en-US" sz="2000" b="0" dirty="0">
+              <a:solidFill>
+                <a:srgbClr val="000000"/>
+              </a:solidFill>
+              <a:effectLst/>
+              <a:latin typeface="Consolas" panose="020B0609020204030204" pitchFamily="49" charset="0"/>
+            </a:endParaRPr>
+          </a:p>
+          <a:p>
+            <a:pPr marL="0" indent="0">
+              <a:buNone/>
+            </a:pPr>
+            <a:endParaRPr lang="fr-FR" b="0" dirty="0">
+              <a:solidFill>
+                <a:srgbClr val="000000"/>
+              </a:solidFill>
+              <a:effectLst/>
+              <a:latin typeface="Consolas" panose="020B0609020204030204" pitchFamily="49" charset="0"/>
+            </a:endParaRPr>
+          </a:p>
+          <a:p>
+            <a:pPr marL="0" indent="0">
+              <a:buNone/>
+            </a:pPr>
             <a:endParaRPr lang="fr-FR" dirty="0"/>
           </a:p>
         </p:txBody>
@@ -7586,7 +7584,7 @@
     </p:spTree>
     <p:extLst>
       <p:ext uri="{BB962C8B-B14F-4D97-AF65-F5344CB8AC3E}">
-        <p14:creationId xmlns:p14="http://schemas.microsoft.com/office/powerpoint/2010/main" val="3751706799"/>
+        <p14:creationId xmlns:p14="http://schemas.microsoft.com/office/powerpoint/2010/main" val="4191851695"/>
       </p:ext>
     </p:extLst>
   </p:cSld>
@@ -7636,21 +7634,8 @@
           <a:p>
             <a:r>
               <a:rPr lang="fr-FR" dirty="0"/>
-              <a:t>Extensions - </a:t>
-            </a:r>
-            <a:r>
-              <a:rPr lang="fr-FR" dirty="0" err="1"/>
-              <a:t>Using</a:t>
-            </a:r>
-            <a:r>
-              <a:rPr lang="fr-FR" dirty="0"/>
-              <a:t> the </a:t>
-            </a:r>
-            <a:r>
-              <a:rPr lang="fr-FR" dirty="0" err="1"/>
-              <a:t>addin</a:t>
-            </a:r>
-            <a:endParaRPr lang="fr-FR" dirty="0"/>
+              <a:t>Extensions</a:t>
+            </a:r>
           </a:p>
         </p:txBody>
       </p:sp>
@@ -7677,485 +7662,6 @@
           <a:p>
             <a:r>
               <a:rPr lang="fr-FR" dirty="0"/>
-              <a:t>Utilisation du complément</a:t>
-            </a:r>
-          </a:p>
-          <a:p>
-            <a:pPr lvl="1"/>
-            <a:r>
-              <a:rPr lang="fr-FR" dirty="0"/>
-              <a:t>Compilez l'</a:t>
-            </a:r>
-            <a:r>
-              <a:rPr lang="fr-FR" dirty="0" err="1"/>
-              <a:t>assembly</a:t>
-            </a:r>
-            <a:r>
-              <a:rPr lang="fr-FR" dirty="0"/>
-              <a:t> et ajoutez-y une référence dans le script de construction via la directive #r.</a:t>
-            </a:r>
-          </a:p>
-          <a:p>
-            <a:pPr marL="0" indent="0">
-              <a:buNone/>
-            </a:pPr>
-            <a:r>
-              <a:rPr lang="fr-FR" sz="2000" b="0" dirty="0">
-                <a:solidFill>
-                  <a:srgbClr val="222222"/>
-                </a:solidFill>
-                <a:effectLst/>
-                <a:latin typeface="Consolas" panose="020B0609020204030204" pitchFamily="49" charset="0"/>
-              </a:rPr>
-              <a:t>#</a:t>
-            </a:r>
-            <a:r>
-              <a:rPr lang="fr-FR" sz="2000" b="0" dirty="0">
-                <a:solidFill>
-                  <a:srgbClr val="808080"/>
-                </a:solidFill>
-                <a:effectLst/>
-                <a:latin typeface="Consolas" panose="020B0609020204030204" pitchFamily="49" charset="0"/>
-              </a:rPr>
-              <a:t>r</a:t>
-            </a:r>
-            <a:r>
-              <a:rPr lang="fr-FR" sz="2000" b="0" dirty="0">
-                <a:solidFill>
-                  <a:srgbClr val="0000FF"/>
-                </a:solidFill>
-                <a:effectLst/>
-                <a:latin typeface="Consolas" panose="020B0609020204030204" pitchFamily="49" charset="0"/>
-              </a:rPr>
-              <a:t> </a:t>
-            </a:r>
-            <a:r>
-              <a:rPr lang="fr-FR" sz="2000" b="0" dirty="0">
-                <a:solidFill>
-                  <a:srgbClr val="A31515"/>
-                </a:solidFill>
-                <a:effectLst/>
-                <a:latin typeface="Consolas" panose="020B0609020204030204" pitchFamily="49" charset="0"/>
-              </a:rPr>
-              <a:t>"</a:t>
-            </a:r>
-            <a:r>
-              <a:rPr lang="fr-FR" sz="2000" b="0" dirty="0" err="1">
-                <a:solidFill>
-                  <a:srgbClr val="A31515"/>
-                </a:solidFill>
-                <a:effectLst/>
-                <a:latin typeface="Consolas" panose="020B0609020204030204" pitchFamily="49" charset="0"/>
-              </a:rPr>
-              <a:t>tools</a:t>
-            </a:r>
-            <a:r>
-              <a:rPr lang="fr-FR" sz="2000" b="0" dirty="0">
-                <a:solidFill>
-                  <a:srgbClr val="A31515"/>
-                </a:solidFill>
-                <a:effectLst/>
-                <a:latin typeface="Consolas" panose="020B0609020204030204" pitchFamily="49" charset="0"/>
-              </a:rPr>
-              <a:t>/MyCakeExtension.dll« </a:t>
-            </a:r>
-          </a:p>
-          <a:p>
-            <a:pPr marL="0" indent="0">
-              <a:buNone/>
-            </a:pPr>
-            <a:r>
-              <a:rPr lang="en-US" sz="2000" b="0" dirty="0">
-                <a:solidFill>
-                  <a:srgbClr val="795E26"/>
-                </a:solidFill>
-                <a:effectLst/>
-                <a:latin typeface="Consolas" panose="020B0609020204030204" pitchFamily="49" charset="0"/>
-              </a:rPr>
-              <a:t>Task</a:t>
-            </a:r>
-            <a:r>
-              <a:rPr lang="en-US" sz="2000" b="0" dirty="0">
-                <a:solidFill>
-                  <a:srgbClr val="222222"/>
-                </a:solidFill>
-                <a:effectLst/>
-                <a:latin typeface="Consolas" panose="020B0609020204030204" pitchFamily="49" charset="0"/>
-              </a:rPr>
-              <a:t>(</a:t>
-            </a:r>
-            <a:r>
-              <a:rPr lang="en-US" sz="2000" b="0" dirty="0">
-                <a:solidFill>
-                  <a:srgbClr val="A31515"/>
-                </a:solidFill>
-                <a:effectLst/>
-                <a:latin typeface="Consolas" panose="020B0609020204030204" pitchFamily="49" charset="0"/>
-              </a:rPr>
-              <a:t>"</a:t>
-            </a:r>
-            <a:r>
-              <a:rPr lang="en-US" sz="2000" b="0" dirty="0" err="1">
-                <a:solidFill>
-                  <a:srgbClr val="A31515"/>
-                </a:solidFill>
-                <a:effectLst/>
-                <a:latin typeface="Consolas" panose="020B0609020204030204" pitchFamily="49" charset="0"/>
-              </a:rPr>
-              <a:t>GetSomeAnswers</a:t>
-            </a:r>
-            <a:r>
-              <a:rPr lang="en-US" sz="2000" b="0" dirty="0">
-                <a:solidFill>
-                  <a:srgbClr val="A31515"/>
-                </a:solidFill>
-                <a:effectLst/>
-                <a:latin typeface="Consolas" panose="020B0609020204030204" pitchFamily="49" charset="0"/>
-              </a:rPr>
-              <a:t>"</a:t>
-            </a:r>
-            <a:r>
-              <a:rPr lang="en-US" sz="2000" b="0" dirty="0">
-                <a:solidFill>
-                  <a:srgbClr val="222222"/>
-                </a:solidFill>
-                <a:effectLst/>
-                <a:latin typeface="Consolas" panose="020B0609020204030204" pitchFamily="49" charset="0"/>
-              </a:rPr>
-              <a:t>)</a:t>
-            </a:r>
-            <a:endParaRPr lang="en-US" sz="2000" b="0" dirty="0">
-              <a:solidFill>
-                <a:srgbClr val="000000"/>
-              </a:solidFill>
-              <a:effectLst/>
-              <a:latin typeface="Consolas" panose="020B0609020204030204" pitchFamily="49" charset="0"/>
-            </a:endParaRPr>
-          </a:p>
-          <a:p>
-            <a:pPr marL="0" indent="0">
-              <a:buNone/>
-            </a:pPr>
-            <a:r>
-              <a:rPr lang="en-US" sz="2000" b="0" dirty="0">
-                <a:solidFill>
-                  <a:srgbClr val="000000"/>
-                </a:solidFill>
-                <a:effectLst/>
-                <a:latin typeface="Consolas" panose="020B0609020204030204" pitchFamily="49" charset="0"/>
-              </a:rPr>
-              <a:t>    </a:t>
-            </a:r>
-            <a:r>
-              <a:rPr lang="en-US" sz="2000" b="0" dirty="0">
-                <a:solidFill>
-                  <a:srgbClr val="222222"/>
-                </a:solidFill>
-                <a:effectLst/>
-                <a:latin typeface="Consolas" panose="020B0609020204030204" pitchFamily="49" charset="0"/>
-              </a:rPr>
-              <a:t>.</a:t>
-            </a:r>
-            <a:r>
-              <a:rPr lang="en-US" sz="2000" b="0" dirty="0">
-                <a:solidFill>
-                  <a:srgbClr val="795E26"/>
-                </a:solidFill>
-                <a:effectLst/>
-                <a:latin typeface="Consolas" panose="020B0609020204030204" pitchFamily="49" charset="0"/>
-              </a:rPr>
-              <a:t>Does</a:t>
-            </a:r>
-            <a:r>
-              <a:rPr lang="en-US" sz="2000" b="0" dirty="0">
-                <a:solidFill>
-                  <a:srgbClr val="222222"/>
-                </a:solidFill>
-                <a:effectLst/>
-                <a:latin typeface="Consolas" panose="020B0609020204030204" pitchFamily="49" charset="0"/>
-              </a:rPr>
-              <a:t>(()</a:t>
-            </a:r>
-            <a:r>
-              <a:rPr lang="en-US" sz="2000" b="0" dirty="0">
-                <a:solidFill>
-                  <a:srgbClr val="000000"/>
-                </a:solidFill>
-                <a:effectLst/>
-                <a:latin typeface="Consolas" panose="020B0609020204030204" pitchFamily="49" charset="0"/>
-              </a:rPr>
-              <a:t> =&gt;</a:t>
-            </a:r>
-          </a:p>
-          <a:p>
-            <a:pPr marL="0" indent="0">
-              <a:buNone/>
-            </a:pPr>
-            <a:r>
-              <a:rPr lang="en-US" sz="2000" b="0" dirty="0">
-                <a:solidFill>
-                  <a:srgbClr val="222222"/>
-                </a:solidFill>
-                <a:effectLst/>
-                <a:latin typeface="Consolas" panose="020B0609020204030204" pitchFamily="49" charset="0"/>
-              </a:rPr>
-              <a:t>{</a:t>
-            </a:r>
-            <a:endParaRPr lang="en-US" sz="2000" b="0" dirty="0">
-              <a:solidFill>
-                <a:srgbClr val="000000"/>
-              </a:solidFill>
-              <a:effectLst/>
-              <a:latin typeface="Consolas" panose="020B0609020204030204" pitchFamily="49" charset="0"/>
-            </a:endParaRPr>
-          </a:p>
-          <a:p>
-            <a:pPr marL="0" indent="0">
-              <a:buNone/>
-            </a:pPr>
-            <a:r>
-              <a:rPr lang="en-US" sz="2000" b="0" dirty="0">
-                <a:solidFill>
-                  <a:srgbClr val="222222"/>
-                </a:solidFill>
-                <a:effectLst/>
-                <a:latin typeface="Consolas" panose="020B0609020204030204" pitchFamily="49" charset="0"/>
-              </a:rPr>
-              <a:t>    </a:t>
-            </a:r>
-            <a:r>
-              <a:rPr lang="en-US" sz="2000" b="0" dirty="0">
-                <a:solidFill>
-                  <a:srgbClr val="008000"/>
-                </a:solidFill>
-                <a:effectLst/>
-                <a:latin typeface="Consolas" panose="020B0609020204030204" pitchFamily="49" charset="0"/>
-              </a:rPr>
-              <a:t>// Write the values to the console.</a:t>
-            </a:r>
-            <a:endParaRPr lang="en-US" sz="2000" b="0" dirty="0">
-              <a:solidFill>
-                <a:srgbClr val="000000"/>
-              </a:solidFill>
-              <a:effectLst/>
-              <a:latin typeface="Consolas" panose="020B0609020204030204" pitchFamily="49" charset="0"/>
-            </a:endParaRPr>
-          </a:p>
-          <a:p>
-            <a:pPr marL="0" indent="0">
-              <a:buNone/>
-            </a:pPr>
-            <a:r>
-              <a:rPr lang="en-US" sz="2000" b="0" dirty="0">
-                <a:solidFill>
-                  <a:srgbClr val="000000"/>
-                </a:solidFill>
-                <a:effectLst/>
-                <a:latin typeface="Consolas" panose="020B0609020204030204" pitchFamily="49" charset="0"/>
-              </a:rPr>
-              <a:t>    </a:t>
-            </a:r>
-            <a:r>
-              <a:rPr lang="en-US" sz="2000" b="0" dirty="0">
-                <a:solidFill>
-                  <a:srgbClr val="795E26"/>
-                </a:solidFill>
-                <a:effectLst/>
-                <a:latin typeface="Consolas" panose="020B0609020204030204" pitchFamily="49" charset="0"/>
-              </a:rPr>
-              <a:t>Information</a:t>
-            </a:r>
-            <a:r>
-              <a:rPr lang="en-US" sz="2000" b="0" dirty="0">
-                <a:solidFill>
-                  <a:srgbClr val="222222"/>
-                </a:solidFill>
-                <a:effectLst/>
-                <a:latin typeface="Consolas" panose="020B0609020204030204" pitchFamily="49" charset="0"/>
-              </a:rPr>
-              <a:t>(</a:t>
-            </a:r>
-            <a:r>
-              <a:rPr lang="en-US" sz="2000" b="0" dirty="0">
-                <a:solidFill>
-                  <a:srgbClr val="A31515"/>
-                </a:solidFill>
-                <a:effectLst/>
-                <a:latin typeface="Consolas" panose="020B0609020204030204" pitchFamily="49" charset="0"/>
-              </a:rPr>
-              <a:t>"The answer to life: {0}"</a:t>
-            </a:r>
-            <a:r>
-              <a:rPr lang="en-US" sz="2000" b="0" dirty="0">
-                <a:solidFill>
-                  <a:srgbClr val="222222"/>
-                </a:solidFill>
-                <a:effectLst/>
-                <a:latin typeface="Consolas" panose="020B0609020204030204" pitchFamily="49" charset="0"/>
-              </a:rPr>
-              <a:t>,</a:t>
-            </a:r>
-            <a:r>
-              <a:rPr lang="en-US" sz="2000" b="0" dirty="0">
-                <a:solidFill>
-                  <a:srgbClr val="000000"/>
-                </a:solidFill>
-                <a:effectLst/>
-                <a:latin typeface="Consolas" panose="020B0609020204030204" pitchFamily="49" charset="0"/>
-              </a:rPr>
-              <a:t> </a:t>
-            </a:r>
-            <a:r>
-              <a:rPr lang="en-US" sz="2000" b="0" dirty="0" err="1">
-                <a:solidFill>
-                  <a:srgbClr val="001080"/>
-                </a:solidFill>
-                <a:effectLst/>
-                <a:latin typeface="Consolas" panose="020B0609020204030204" pitchFamily="49" charset="0"/>
-              </a:rPr>
-              <a:t>TheAnswerToLife</a:t>
-            </a:r>
-            <a:r>
-              <a:rPr lang="en-US" sz="2000" b="0" dirty="0">
-                <a:solidFill>
-                  <a:srgbClr val="222222"/>
-                </a:solidFill>
-                <a:effectLst/>
-                <a:latin typeface="Consolas" panose="020B0609020204030204" pitchFamily="49" charset="0"/>
-              </a:rPr>
-              <a:t>);</a:t>
-            </a:r>
-            <a:endParaRPr lang="en-US" sz="2000" b="0" dirty="0">
-              <a:solidFill>
-                <a:srgbClr val="000000"/>
-              </a:solidFill>
-              <a:effectLst/>
-              <a:latin typeface="Consolas" panose="020B0609020204030204" pitchFamily="49" charset="0"/>
-            </a:endParaRPr>
-          </a:p>
-          <a:p>
-            <a:pPr marL="0" indent="0">
-              <a:buNone/>
-            </a:pPr>
-            <a:r>
-              <a:rPr lang="en-US" sz="2000" b="0" dirty="0">
-                <a:solidFill>
-                  <a:srgbClr val="222222"/>
-                </a:solidFill>
-                <a:effectLst/>
-                <a:latin typeface="Consolas" panose="020B0609020204030204" pitchFamily="49" charset="0"/>
-              </a:rPr>
-              <a:t>});</a:t>
-            </a:r>
-            <a:endParaRPr lang="en-US" sz="2000" b="0" dirty="0">
-              <a:solidFill>
-                <a:srgbClr val="000000"/>
-              </a:solidFill>
-              <a:effectLst/>
-              <a:latin typeface="Consolas" panose="020B0609020204030204" pitchFamily="49" charset="0"/>
-            </a:endParaRPr>
-          </a:p>
-          <a:p>
-            <a:pPr marL="0" indent="0">
-              <a:buNone/>
-            </a:pPr>
-            <a:endParaRPr lang="fr-FR" b="0" dirty="0">
-              <a:solidFill>
-                <a:srgbClr val="000000"/>
-              </a:solidFill>
-              <a:effectLst/>
-              <a:latin typeface="Consolas" panose="020B0609020204030204" pitchFamily="49" charset="0"/>
-            </a:endParaRPr>
-          </a:p>
-          <a:p>
-            <a:pPr marL="0" indent="0">
-              <a:buNone/>
-            </a:pPr>
-            <a:endParaRPr lang="fr-FR" dirty="0"/>
-          </a:p>
-        </p:txBody>
-      </p:sp>
-    </p:spTree>
-    <p:extLst>
-      <p:ext uri="{BB962C8B-B14F-4D97-AF65-F5344CB8AC3E}">
-        <p14:creationId xmlns:p14="http://schemas.microsoft.com/office/powerpoint/2010/main" val="4191851695"/>
-      </p:ext>
-    </p:extLst>
-  </p:cSld>
-  <p:clrMapOvr>
-    <a:masterClrMapping/>
-  </p:clrMapOvr>
-</p:sld>
-</file>
-
-<file path=ppt/slides/slide13.xml><?xml version="1.0" encoding="utf-8"?>
-<p:sld xmlns:a="http://schemas.openxmlformats.org/drawingml/2006/main" xmlns:r="http://schemas.openxmlformats.org/officeDocument/2006/relationships" xmlns:p="http://schemas.openxmlformats.org/presentationml/2006/main">
-  <p:cSld>
-    <p:spTree>
-      <p:nvGrpSpPr>
-        <p:cNvPr id="1" name=""/>
-        <p:cNvGrpSpPr/>
-        <p:nvPr/>
-      </p:nvGrpSpPr>
-      <p:grpSpPr>
-        <a:xfrm>
-          <a:off x="0" y="0"/>
-          <a:ext cx="0" cy="0"/>
-          <a:chOff x="0" y="0"/>
-          <a:chExt cx="0" cy="0"/>
-        </a:xfrm>
-      </p:grpSpPr>
-      <p:sp>
-        <p:nvSpPr>
-          <p:cNvPr id="2" name="Title 1">
-            <a:extLst>
-              <a:ext uri="{FF2B5EF4-FFF2-40B4-BE49-F238E27FC236}">
-                <a16:creationId xmlns:a16="http://schemas.microsoft.com/office/drawing/2014/main" id="{B2E5D9D6-B2BA-6186-CD27-E04D7FB9F377}"/>
-              </a:ext>
-            </a:extLst>
-          </p:cNvPr>
-          <p:cNvSpPr>
-            <a:spLocks noGrp="1"/>
-          </p:cNvSpPr>
-          <p:nvPr>
-            <p:ph type="title"/>
-          </p:nvPr>
-        </p:nvSpPr>
-        <p:spPr/>
-        <p:txBody>
-          <a:bodyPr/>
-          <a:lstStyle/>
-          <a:p>
-            <a:r>
-              <a:rPr lang="fr-FR" dirty="0"/>
-              <a:t>Extensions</a:t>
-            </a:r>
-          </a:p>
-        </p:txBody>
-      </p:sp>
-      <p:sp>
-        <p:nvSpPr>
-          <p:cNvPr id="3" name="Content Placeholder 2">
-            <a:extLst>
-              <a:ext uri="{FF2B5EF4-FFF2-40B4-BE49-F238E27FC236}">
-                <a16:creationId xmlns:a16="http://schemas.microsoft.com/office/drawing/2014/main" id="{6B340F20-857D-0861-E2A8-80312692E75A}"/>
-              </a:ext>
-            </a:extLst>
-          </p:cNvPr>
-          <p:cNvSpPr>
-            <a:spLocks noGrp="1"/>
-          </p:cNvSpPr>
-          <p:nvPr>
-            <p:ph idx="1"/>
-          </p:nvPr>
-        </p:nvSpPr>
-        <p:spPr/>
-        <p:txBody>
-          <a:bodyPr/>
-          <a:lstStyle/>
-          <a:p>
-            <a:r>
-              <a:rPr lang="fr-FR" dirty="0"/>
               <a:t>Modules</a:t>
             </a:r>
           </a:p>
@@ -8213,7 +7719,7 @@
 </p:sld>
 </file>
 
-<file path=ppt/slides/slide14.xml><?xml version="1.0" encoding="utf-8"?>
+<file path=ppt/slides/slide13.xml><?xml version="1.0" encoding="utf-8"?>
 <p:sld xmlns:a="http://schemas.openxmlformats.org/drawingml/2006/main" xmlns:r="http://schemas.openxmlformats.org/officeDocument/2006/relationships" xmlns:p="http://schemas.openxmlformats.org/presentationml/2006/main">
   <p:cSld>
     <p:spTree>
@@ -8244,8 +7750,8 @@
         </p:nvSpPr>
         <p:spPr>
           <a:xfrm>
-            <a:off x="2918645" y="2605385"/>
-            <a:ext cx="6392840" cy="923330"/>
+            <a:off x="5098601" y="2605385"/>
+            <a:ext cx="2032928" cy="923330"/>
           </a:xfrm>
           <a:prstGeom prst="rect">
             <a:avLst/>
@@ -8284,7 +7790,7 @@
                   </a:outerShdw>
                 </a:effectLst>
               </a:rPr>
-              <a:t>It’s time for a DEMO !</a:t>
+              <a:t>DEMO</a:t>
             </a:r>
           </a:p>
         </p:txBody>
@@ -8302,7 +7808,7 @@
 </p:sld>
 </file>
 
-<file path=ppt/slides/slide15.xml><?xml version="1.0" encoding="utf-8"?>
+<file path=ppt/slides/slide14.xml><?xml version="1.0" encoding="utf-8"?>
 <p:sld xmlns:a="http://schemas.openxmlformats.org/drawingml/2006/main" xmlns:r="http://schemas.openxmlformats.org/officeDocument/2006/relationships" xmlns:p="http://schemas.openxmlformats.org/presentationml/2006/main">
   <p:cSld>
     <p:spTree>
@@ -8379,7 +7885,7 @@
 </p:sld>
 </file>
 
-<file path=ppt/slides/slide16.xml><?xml version="1.0" encoding="utf-8"?>
+<file path=ppt/slides/slide15.xml><?xml version="1.0" encoding="utf-8"?>
 <p:sld xmlns:a="http://schemas.openxmlformats.org/drawingml/2006/main" xmlns:r="http://schemas.openxmlformats.org/officeDocument/2006/relationships" xmlns:p="http://schemas.openxmlformats.org/presentationml/2006/main">
   <p:cSld>
     <p:spTree>
@@ -8426,7 +7932,7 @@
               <a:rPr lang="fr-FR" sz="1400" dirty="0">
                 <a:latin typeface="Orator Std" panose="020D0509020203030204" pitchFamily="49" charset="0"/>
               </a:rPr>
-              <a:t>Merci à Doriane de m’avoir contacté il y a 6 ans</a:t>
+              <a:t>Merci à Cédric de m’avoir fait confiance et recruté il y a 6 ans, </a:t>
             </a:r>
           </a:p>
           <a:p>
@@ -8434,7 +7940,7 @@
               <a:rPr lang="fr-FR" sz="1400" dirty="0">
                 <a:latin typeface="Orator Std" panose="020D0509020203030204" pitchFamily="49" charset="0"/>
               </a:rPr>
-              <a:t>Merci à Cédric de m’avoir fait confiance et recruté il y a 6 ans</a:t>
+              <a:t>merci à Doriane de m’avoir contacté il y a 6 ans</a:t>
             </a:r>
           </a:p>
           <a:p>
@@ -8452,46 +7958,6 @@
               </a:rPr>
               <a:t>Merci a toutes les personnes avec qui j’ai travaillé pendant ces 6 ans (même si certain(e)s ne sont plus là)</a:t>
             </a:r>
-          </a:p>
-          <a:p>
-            <a:r>
-              <a:rPr lang="fr-FR" sz="1400" dirty="0">
-                <a:latin typeface="Orator Std" panose="020D0509020203030204" pitchFamily="49" charset="0"/>
-              </a:rPr>
-              <a:t>Je vais bientôt m’envoler vers d’autres aventures, alors : </a:t>
-            </a:r>
-          </a:p>
-          <a:p>
-            <a:pPr lvl="1"/>
-            <a:r>
-              <a:rPr lang="fr-FR" sz="1400" dirty="0">
-                <a:latin typeface="Orator Std" panose="020D0509020203030204" pitchFamily="49" charset="0"/>
-              </a:rPr>
-              <a:t>Bonne continuation à toutes et à tous</a:t>
-            </a:r>
-          </a:p>
-          <a:p>
-            <a:pPr lvl="1"/>
-            <a:r>
-              <a:rPr lang="fr-FR" sz="1400" dirty="0">
-                <a:latin typeface="Orator Std" panose="020D0509020203030204" pitchFamily="49" charset="0"/>
-              </a:rPr>
-              <a:t>Bonne Route A Expaceo</a:t>
-            </a:r>
-          </a:p>
-          <a:p>
-            <a:pPr lvl="1"/>
-            <a:r>
-              <a:rPr lang="fr-FR" sz="1400" dirty="0">
-                <a:latin typeface="Orator Std" panose="020D0509020203030204" pitchFamily="49" charset="0"/>
-              </a:rPr>
-              <a:t>Dans 2 mois on se dira « Au Revoir »</a:t>
-            </a:r>
-          </a:p>
-          <a:p>
-            <a:endParaRPr lang="fr-FR" sz="1100" dirty="0">
-              <a:latin typeface="Orator Std" panose="020D0509020203030204" pitchFamily="49" charset="0"/>
-            </a:endParaRPr>
           </a:p>
         </p:txBody>
       </p:sp>
@@ -8781,202 +8247,6 @@
                       </p:childTnLst>
                     </p:cTn>
                   </p:par>
-                  <p:par>
-                    <p:cTn id="19" fill="hold">
-                      <p:stCondLst>
-                        <p:cond delay="indefinite"/>
-                      </p:stCondLst>
-                      <p:childTnLst>
-                        <p:par>
-                          <p:cTn id="20" fill="hold">
-                            <p:stCondLst>
-                              <p:cond delay="0"/>
-                            </p:stCondLst>
-                            <p:childTnLst>
-                              <p:par>
-                                <p:cTn id="21" presetID="1" presetClass="entr" presetSubtype="0" fill="hold" nodeType="clickEffect">
-                                  <p:stCondLst>
-                                    <p:cond delay="0"/>
-                                  </p:stCondLst>
-                                  <p:childTnLst>
-                                    <p:set>
-                                      <p:cBhvr>
-                                        <p:cTn id="22" dur="1" fill="hold">
-                                          <p:stCondLst>
-                                            <p:cond delay="0"/>
-                                          </p:stCondLst>
-                                        </p:cTn>
-                                        <p:tgtEl>
-                                          <p:spTgt spid="4">
-                                            <p:txEl>
-                                              <p:pRg st="4" end="4"/>
-                                            </p:txEl>
-                                          </p:spTgt>
-                                        </p:tgtEl>
-                                        <p:attrNameLst>
-                                          <p:attrName>style.visibility</p:attrName>
-                                        </p:attrNameLst>
-                                      </p:cBhvr>
-                                      <p:to>
-                                        <p:strVal val="visible"/>
-                                      </p:to>
-                                    </p:set>
-                                  </p:childTnLst>
-                                </p:cTn>
-                              </p:par>
-                            </p:childTnLst>
-                          </p:cTn>
-                        </p:par>
-                      </p:childTnLst>
-                    </p:cTn>
-                  </p:par>
-                  <p:par>
-                    <p:cTn id="23" fill="hold">
-                      <p:stCondLst>
-                        <p:cond delay="indefinite"/>
-                      </p:stCondLst>
-                      <p:childTnLst>
-                        <p:par>
-                          <p:cTn id="24" fill="hold">
-                            <p:stCondLst>
-                              <p:cond delay="0"/>
-                            </p:stCondLst>
-                            <p:childTnLst>
-                              <p:par>
-                                <p:cTn id="25" presetID="1" presetClass="entr" presetSubtype="0" fill="hold" nodeType="clickEffect">
-                                  <p:stCondLst>
-                                    <p:cond delay="0"/>
-                                  </p:stCondLst>
-                                  <p:childTnLst>
-                                    <p:set>
-                                      <p:cBhvr>
-                                        <p:cTn id="26" dur="1" fill="hold">
-                                          <p:stCondLst>
-                                            <p:cond delay="0"/>
-                                          </p:stCondLst>
-                                        </p:cTn>
-                                        <p:tgtEl>
-                                          <p:spTgt spid="4">
-                                            <p:txEl>
-                                              <p:pRg st="5" end="5"/>
-                                            </p:txEl>
-                                          </p:spTgt>
-                                        </p:tgtEl>
-                                        <p:attrNameLst>
-                                          <p:attrName>style.visibility</p:attrName>
-                                        </p:attrNameLst>
-                                      </p:cBhvr>
-                                      <p:to>
-                                        <p:strVal val="visible"/>
-                                      </p:to>
-                                    </p:set>
-                                  </p:childTnLst>
-                                </p:cTn>
-                              </p:par>
-                            </p:childTnLst>
-                          </p:cTn>
-                        </p:par>
-                      </p:childTnLst>
-                    </p:cTn>
-                  </p:par>
-                  <p:par>
-                    <p:cTn id="27" fill="hold">
-                      <p:stCondLst>
-                        <p:cond delay="indefinite"/>
-                      </p:stCondLst>
-                      <p:childTnLst>
-                        <p:par>
-                          <p:cTn id="28" fill="hold">
-                            <p:stCondLst>
-                              <p:cond delay="0"/>
-                            </p:stCondLst>
-                            <p:childTnLst>
-                              <p:par>
-                                <p:cTn id="29" presetID="1" presetClass="entr" presetSubtype="0" fill="hold" nodeType="clickEffect">
-                                  <p:stCondLst>
-                                    <p:cond delay="0"/>
-                                  </p:stCondLst>
-                                  <p:childTnLst>
-                                    <p:set>
-                                      <p:cBhvr>
-                                        <p:cTn id="30" dur="1" fill="hold">
-                                          <p:stCondLst>
-                                            <p:cond delay="0"/>
-                                          </p:stCondLst>
-                                        </p:cTn>
-                                        <p:tgtEl>
-                                          <p:spTgt spid="4">
-                                            <p:txEl>
-                                              <p:pRg st="6" end="6"/>
-                                            </p:txEl>
-                                          </p:spTgt>
-                                        </p:tgtEl>
-                                        <p:attrNameLst>
-                                          <p:attrName>style.visibility</p:attrName>
-                                        </p:attrNameLst>
-                                      </p:cBhvr>
-                                      <p:to>
-                                        <p:strVal val="visible"/>
-                                      </p:to>
-                                    </p:set>
-                                  </p:childTnLst>
-                                </p:cTn>
-                              </p:par>
-                            </p:childTnLst>
-                          </p:cTn>
-                        </p:par>
-                      </p:childTnLst>
-                    </p:cTn>
-                  </p:par>
-                  <p:par>
-                    <p:cTn id="31" fill="hold">
-                      <p:stCondLst>
-                        <p:cond delay="indefinite"/>
-                      </p:stCondLst>
-                      <p:childTnLst>
-                        <p:par>
-                          <p:cTn id="32" fill="hold">
-                            <p:stCondLst>
-                              <p:cond delay="0"/>
-                            </p:stCondLst>
-                            <p:childTnLst>
-                              <p:par>
-                                <p:cTn id="33" presetID="1" presetClass="entr" presetSubtype="0" fill="hold" nodeType="clickEffect">
-                                  <p:stCondLst>
-                                    <p:cond delay="0"/>
-                                  </p:stCondLst>
-                                  <p:childTnLst>
-                                    <p:set>
-                                      <p:cBhvr>
-                                        <p:cTn id="34" dur="1" fill="hold">
-                                          <p:stCondLst>
-                                            <p:cond delay="0"/>
-                                          </p:stCondLst>
-                                        </p:cTn>
-                                        <p:tgtEl>
-                                          <p:spTgt spid="4">
-                                            <p:txEl>
-                                              <p:pRg st="7" end="7"/>
-                                            </p:txEl>
-                                          </p:spTgt>
-                                        </p:tgtEl>
-                                        <p:attrNameLst>
-                                          <p:attrName>style.visibility</p:attrName>
-                                        </p:attrNameLst>
-                                      </p:cBhvr>
-                                      <p:to>
-                                        <p:strVal val="visible"/>
-                                      </p:to>
-                                    </p:set>
-                                  </p:childTnLst>
-                                </p:cTn>
-                              </p:par>
-                            </p:childTnLst>
-                          </p:cTn>
-                        </p:par>
-                      </p:childTnLst>
-                    </p:cTn>
-                  </p:par>
                 </p:childTnLst>
               </p:cTn>
               <p:prevCondLst>
@@ -9002,7 +8272,7 @@
 </p:sld>
 </file>
 
-<file path=ppt/slides/slide17.xml><?xml version="1.0" encoding="utf-8"?>
+<file path=ppt/slides/slide16.xml><?xml version="1.0" encoding="utf-8"?>
 <p:sld xmlns:a="http://schemas.openxmlformats.org/drawingml/2006/main" xmlns:r="http://schemas.openxmlformats.org/officeDocument/2006/relationships" xmlns:p="http://schemas.openxmlformats.org/presentationml/2006/main">
   <p:cSld>
     <p:spTree>
@@ -9247,7 +8517,7 @@
 </file>
 
 <file path=ppt/slides/slide2.xml><?xml version="1.0" encoding="utf-8"?>
-<p:sld xmlns:a="http://schemas.openxmlformats.org/drawingml/2006/main" xmlns:r="http://schemas.openxmlformats.org/officeDocument/2006/relationships" xmlns:p="http://schemas.openxmlformats.org/presentationml/2006/main" show="0">
+<p:sld xmlns:a="http://schemas.openxmlformats.org/drawingml/2006/main" xmlns:r="http://schemas.openxmlformats.org/officeDocument/2006/relationships" xmlns:p="http://schemas.openxmlformats.org/presentationml/2006/main">
   <p:cSld>
     <p:spTree>
       <p:nvGrpSpPr>
@@ -9263,46 +8533,12 @@
           <a:chExt cx="0" cy="0"/>
         </a:xfrm>
       </p:grpSpPr>
-      <p:pic>
-        <p:nvPicPr>
-          <p:cNvPr id="4" name="Online Media 3" title="Le Pudding à l'Arsenic (1968)">
-            <a:hlinkClick r:id="" action="ppaction://media"/>
+      <p:sp>
+        <p:nvSpPr>
+          <p:cNvPr id="2" name="Title 1">
             <a:extLst>
               <a:ext uri="{FF2B5EF4-FFF2-40B4-BE49-F238E27FC236}">
-                <a16:creationId xmlns:a16="http://schemas.microsoft.com/office/drawing/2014/main" id="{AF09D239-6197-8998-8E86-C80B144C889D}"/>
-              </a:ext>
-            </a:extLst>
-          </p:cNvPr>
-          <p:cNvPicPr>
-            <a:picLocks noGrp="1" noRot="1" noChangeAspect="1"/>
-          </p:cNvPicPr>
-          <p:nvPr>
-            <p:ph idx="1"/>
-            <a:videoFile r:link="rId1"/>
-          </p:nvPr>
-        </p:nvPicPr>
-        <p:blipFill>
-          <a:blip r:embed="rId3"/>
-          <a:stretch>
-            <a:fillRect/>
-          </a:stretch>
-        </p:blipFill>
-        <p:spPr>
-          <a:xfrm>
-            <a:off x="2313710" y="1779065"/>
-            <a:ext cx="7834745" cy="4426930"/>
-          </a:xfrm>
-          <a:prstGeom prst="rect">
-            <a:avLst/>
-          </a:prstGeom>
-        </p:spPr>
-      </p:pic>
-      <p:sp>
-        <p:nvSpPr>
-          <p:cNvPr id="6" name="Title 5">
-            <a:extLst>
-              <a:ext uri="{FF2B5EF4-FFF2-40B4-BE49-F238E27FC236}">
-                <a16:creationId xmlns:a16="http://schemas.microsoft.com/office/drawing/2014/main" id="{7DCE03EC-DBBF-C5DC-020D-569D486D807E}"/>
+                <a16:creationId xmlns:a16="http://schemas.microsoft.com/office/drawing/2014/main" id="{78A34FF2-8C78-4537-A6EB-FC740FC180DF}"/>
               </a:ext>
             </a:extLst>
           </p:cNvPr>
@@ -9320,15 +8556,235 @@
           <a:p>
             <a:r>
               <a:rPr lang="fr-FR" dirty="0"/>
-              <a:t>Une petite chanson pour commencer…</a:t>
-            </a:r>
+              <a:t>Cake c’est quoi ? </a:t>
+            </a:r>
+          </a:p>
+        </p:txBody>
+      </p:sp>
+      <p:sp>
+        <p:nvSpPr>
+          <p:cNvPr id="3" name="Content Placeholder 2">
+            <a:extLst>
+              <a:ext uri="{FF2B5EF4-FFF2-40B4-BE49-F238E27FC236}">
+                <a16:creationId xmlns:a16="http://schemas.microsoft.com/office/drawing/2014/main" id="{02568B25-79F3-4DA8-AD91-2C304C7EFBFF}"/>
+              </a:ext>
+            </a:extLst>
+          </p:cNvPr>
+          <p:cNvSpPr>
+            <a:spLocks noGrp="1"/>
+          </p:cNvSpPr>
+          <p:nvPr>
+            <p:ph idx="1"/>
+          </p:nvPr>
+        </p:nvSpPr>
+        <p:spPr/>
+        <p:txBody>
+          <a:bodyPr/>
+          <a:lstStyle/>
+          <a:p>
+            <a:r>
+              <a:rPr lang="en-US" dirty="0"/>
+              <a:t>Cake (C# Make) </a:t>
+            </a:r>
+            <a:r>
+              <a:rPr lang="en-US" dirty="0" err="1"/>
+              <a:t>est</a:t>
+            </a:r>
+            <a:r>
+              <a:rPr lang="en-US" dirty="0"/>
+              <a:t> un </a:t>
+            </a:r>
+            <a:r>
+              <a:rPr lang="en-US" dirty="0" err="1"/>
+              <a:t>outil</a:t>
+            </a:r>
+            <a:r>
+              <a:rPr lang="en-US" dirty="0"/>
+              <a:t> </a:t>
+            </a:r>
+            <a:r>
+              <a:rPr lang="en-US" dirty="0" err="1"/>
+              <a:t>gratuit</a:t>
+            </a:r>
+            <a:r>
+              <a:rPr lang="en-US" dirty="0"/>
+              <a:t>, open-source et </a:t>
+            </a:r>
+            <a:r>
+              <a:rPr lang="en-US" dirty="0" err="1"/>
+              <a:t>multiplateformes</a:t>
+            </a:r>
+            <a:r>
+              <a:rPr lang="en-US" dirty="0"/>
+              <a:t> </a:t>
+            </a:r>
+          </a:p>
+          <a:p>
+            <a:r>
+              <a:rPr lang="en-US" dirty="0" err="1"/>
+              <a:t>Similaire</a:t>
+            </a:r>
+            <a:r>
+              <a:rPr lang="en-US" dirty="0"/>
+              <a:t> à </a:t>
+            </a:r>
+            <a:r>
+              <a:rPr lang="en-US" dirty="0" err="1"/>
+              <a:t>makefile</a:t>
+            </a:r>
+            <a:endParaRPr lang="en-US" dirty="0"/>
+          </a:p>
+          <a:p>
+            <a:r>
+              <a:rPr lang="en-US" dirty="0" err="1"/>
+              <a:t>Présenté</a:t>
+            </a:r>
+            <a:r>
+              <a:rPr lang="en-US" dirty="0"/>
+              <a:t> pour la première </a:t>
+            </a:r>
+            <a:r>
+              <a:rPr lang="en-US" dirty="0" err="1"/>
+              <a:t>fois</a:t>
+            </a:r>
+            <a:r>
+              <a:rPr lang="en-US" dirty="0"/>
+              <a:t> à la conference NDC de </a:t>
+            </a:r>
+            <a:r>
+              <a:rPr lang="en-US" dirty="0" err="1"/>
+              <a:t>Olso</a:t>
+            </a:r>
+            <a:r>
+              <a:rPr lang="en-US" dirty="0"/>
+              <a:t> </a:t>
+            </a:r>
+            <a:r>
+              <a:rPr lang="en-US" dirty="0" err="1"/>
+              <a:t>en</a:t>
+            </a:r>
+            <a:r>
+              <a:rPr lang="en-US" dirty="0"/>
+              <a:t> 2016</a:t>
+            </a:r>
+          </a:p>
+          <a:p>
+            <a:r>
+              <a:rPr lang="en-US" dirty="0" err="1"/>
+              <a:t>Permet</a:t>
+            </a:r>
+            <a:r>
+              <a:rPr lang="en-US" dirty="0"/>
+              <a:t> la mise </a:t>
+            </a:r>
+            <a:r>
+              <a:rPr lang="en-US" dirty="0" err="1"/>
+              <a:t>en</a:t>
+            </a:r>
+            <a:r>
+              <a:rPr lang="en-US" dirty="0"/>
+              <a:t> place de taches </a:t>
+            </a:r>
+            <a:r>
+              <a:rPr lang="en-US" dirty="0" err="1"/>
+              <a:t>d’automatisation</a:t>
+            </a:r>
+            <a:r>
+              <a:rPr lang="en-US" dirty="0"/>
+              <a:t> </a:t>
+            </a:r>
+          </a:p>
+          <a:p>
+            <a:r>
+              <a:rPr lang="en-US" dirty="0"/>
+              <a:t>Compilation du code, </a:t>
+            </a:r>
+            <a:r>
+              <a:rPr lang="en-US" dirty="0" err="1"/>
+              <a:t>Copie</a:t>
+            </a:r>
+            <a:r>
+              <a:rPr lang="en-US" dirty="0"/>
+              <a:t> des </a:t>
+            </a:r>
+            <a:r>
+              <a:rPr lang="en-US" dirty="0" err="1"/>
+              <a:t>fichiers</a:t>
+            </a:r>
+            <a:r>
+              <a:rPr lang="en-US" dirty="0"/>
+              <a:t> et des repertoires, </a:t>
+            </a:r>
+            <a:r>
+              <a:rPr lang="en-US" dirty="0" err="1"/>
+              <a:t>Exécution</a:t>
+            </a:r>
+            <a:r>
+              <a:rPr lang="en-US" dirty="0"/>
+              <a:t> de tests </a:t>
+            </a:r>
+            <a:r>
+              <a:rPr lang="en-US" dirty="0" err="1"/>
+              <a:t>unitaires</a:t>
+            </a:r>
+            <a:r>
+              <a:rPr lang="en-US" dirty="0"/>
+              <a:t>, Compression de </a:t>
+            </a:r>
+            <a:r>
+              <a:rPr lang="en-US" dirty="0" err="1"/>
+              <a:t>fichiers</a:t>
+            </a:r>
+            <a:r>
+              <a:rPr lang="en-US" dirty="0"/>
+              <a:t>,  Construction de packages </a:t>
+            </a:r>
+            <a:r>
+              <a:rPr lang="en-US" dirty="0" err="1"/>
+              <a:t>Nuget</a:t>
+            </a:r>
+            <a:r>
+              <a:rPr lang="en-US" dirty="0"/>
+              <a:t>…</a:t>
+            </a:r>
+          </a:p>
+          <a:p>
+            <a:pPr marL="0" indent="0">
+              <a:buNone/>
+            </a:pPr>
+            <a:endParaRPr lang="en-US" b="0" dirty="0">
+              <a:solidFill>
+                <a:srgbClr val="A31515"/>
+              </a:solidFill>
+              <a:effectLst/>
+              <a:latin typeface="Consolas" panose="020B0609020204030204" pitchFamily="49" charset="0"/>
+            </a:endParaRPr>
+          </a:p>
+          <a:p>
+            <a:pPr marL="0" indent="0" algn="r">
+              <a:buNone/>
+            </a:pPr>
+            <a:r>
+              <a:rPr lang="fr-FR" b="0" dirty="0">
+                <a:solidFill>
+                  <a:srgbClr val="A31515"/>
+                </a:solidFill>
+                <a:effectLst/>
+                <a:latin typeface="Consolas" panose="020B0609020204030204" pitchFamily="49" charset="0"/>
+              </a:rPr>
+              <a:t>cakebuild.net</a:t>
+            </a:r>
+            <a:endParaRPr lang="fr-FR" dirty="0"/>
+          </a:p>
+          <a:p>
+            <a:endParaRPr lang="fr-FR" dirty="0"/>
           </a:p>
         </p:txBody>
       </p:sp>
     </p:spTree>
     <p:extLst>
       <p:ext uri="{BB962C8B-B14F-4D97-AF65-F5344CB8AC3E}">
-        <p14:creationId xmlns:p14="http://schemas.microsoft.com/office/powerpoint/2010/main" val="248185708"/>
+        <p14:creationId xmlns:p14="http://schemas.microsoft.com/office/powerpoint/2010/main" val="1658832510"/>
       </p:ext>
     </p:extLst>
   </p:cSld>
@@ -9356,19 +8812,278 @@
                             </p:stCondLst>
                             <p:childTnLst>
                               <p:par>
-                                <p:cTn id="5" presetID="1" presetClass="mediacall" presetSubtype="0" fill="hold" nodeType="clickEffect">
+                                <p:cTn id="5" presetID="1" presetClass="entr" presetSubtype="0" fill="hold" grpId="0" nodeType="clickEffect">
                                   <p:stCondLst>
                                     <p:cond delay="0"/>
                                   </p:stCondLst>
                                   <p:childTnLst>
-                                    <p:cmd type="call" cmd="playFrom(0.0)">
+                                    <p:set>
                                       <p:cBhvr>
-                                        <p:cTn id="6" dur="1" fill="hold"/>
+                                        <p:cTn id="6" dur="1" fill="hold">
+                                          <p:stCondLst>
+                                            <p:cond delay="0"/>
+                                          </p:stCondLst>
+                                        </p:cTn>
                                         <p:tgtEl>
-                                          <p:spTgt spid="4"/>
+                                          <p:spTgt spid="3">
+                                            <p:txEl>
+                                              <p:pRg st="0" end="0"/>
+                                            </p:txEl>
+                                          </p:spTgt>
                                         </p:tgtEl>
+                                        <p:attrNameLst>
+                                          <p:attrName>style.visibility</p:attrName>
+                                        </p:attrNameLst>
                                       </p:cBhvr>
-                                    </p:cmd>
+                                      <p:to>
+                                        <p:strVal val="visible"/>
+                                      </p:to>
+                                    </p:set>
+                                  </p:childTnLst>
+                                </p:cTn>
+                              </p:par>
+                            </p:childTnLst>
+                          </p:cTn>
+                        </p:par>
+                      </p:childTnLst>
+                    </p:cTn>
+                  </p:par>
+                  <p:par>
+                    <p:cTn id="7" fill="hold">
+                      <p:stCondLst>
+                        <p:cond delay="indefinite"/>
+                      </p:stCondLst>
+                      <p:childTnLst>
+                        <p:par>
+                          <p:cTn id="8" fill="hold">
+                            <p:stCondLst>
+                              <p:cond delay="0"/>
+                            </p:stCondLst>
+                            <p:childTnLst>
+                              <p:par>
+                                <p:cTn id="9" presetID="1" presetClass="entr" presetSubtype="0" fill="hold" grpId="0" nodeType="clickEffect">
+                                  <p:stCondLst>
+                                    <p:cond delay="0"/>
+                                  </p:stCondLst>
+                                  <p:childTnLst>
+                                    <p:set>
+                                      <p:cBhvr>
+                                        <p:cTn id="10" dur="1" fill="hold">
+                                          <p:stCondLst>
+                                            <p:cond delay="0"/>
+                                          </p:stCondLst>
+                                        </p:cTn>
+                                        <p:tgtEl>
+                                          <p:spTgt spid="3">
+                                            <p:txEl>
+                                              <p:pRg st="1" end="1"/>
+                                            </p:txEl>
+                                          </p:spTgt>
+                                        </p:tgtEl>
+                                        <p:attrNameLst>
+                                          <p:attrName>style.visibility</p:attrName>
+                                        </p:attrNameLst>
+                                      </p:cBhvr>
+                                      <p:to>
+                                        <p:strVal val="visible"/>
+                                      </p:to>
+                                    </p:set>
+                                  </p:childTnLst>
+                                </p:cTn>
+                              </p:par>
+                            </p:childTnLst>
+                          </p:cTn>
+                        </p:par>
+                      </p:childTnLst>
+                    </p:cTn>
+                  </p:par>
+                  <p:par>
+                    <p:cTn id="11" fill="hold">
+                      <p:stCondLst>
+                        <p:cond delay="indefinite"/>
+                      </p:stCondLst>
+                      <p:childTnLst>
+                        <p:par>
+                          <p:cTn id="12" fill="hold">
+                            <p:stCondLst>
+                              <p:cond delay="0"/>
+                            </p:stCondLst>
+                            <p:childTnLst>
+                              <p:par>
+                                <p:cTn id="13" presetID="1" presetClass="entr" presetSubtype="0" fill="hold" grpId="0" nodeType="clickEffect">
+                                  <p:stCondLst>
+                                    <p:cond delay="0"/>
+                                  </p:stCondLst>
+                                  <p:childTnLst>
+                                    <p:set>
+                                      <p:cBhvr>
+                                        <p:cTn id="14" dur="1" fill="hold">
+                                          <p:stCondLst>
+                                            <p:cond delay="0"/>
+                                          </p:stCondLst>
+                                        </p:cTn>
+                                        <p:tgtEl>
+                                          <p:spTgt spid="3">
+                                            <p:txEl>
+                                              <p:pRg st="2" end="2"/>
+                                            </p:txEl>
+                                          </p:spTgt>
+                                        </p:tgtEl>
+                                        <p:attrNameLst>
+                                          <p:attrName>style.visibility</p:attrName>
+                                        </p:attrNameLst>
+                                      </p:cBhvr>
+                                      <p:to>
+                                        <p:strVal val="visible"/>
+                                      </p:to>
+                                    </p:set>
+                                  </p:childTnLst>
+                                </p:cTn>
+                              </p:par>
+                            </p:childTnLst>
+                          </p:cTn>
+                        </p:par>
+                      </p:childTnLst>
+                    </p:cTn>
+                  </p:par>
+                  <p:par>
+                    <p:cTn id="15" fill="hold">
+                      <p:stCondLst>
+                        <p:cond delay="indefinite"/>
+                      </p:stCondLst>
+                      <p:childTnLst>
+                        <p:par>
+                          <p:cTn id="16" fill="hold">
+                            <p:stCondLst>
+                              <p:cond delay="0"/>
+                            </p:stCondLst>
+                            <p:childTnLst>
+                              <p:par>
+                                <p:cTn id="17" presetID="1" presetClass="entr" presetSubtype="0" fill="hold" grpId="0" nodeType="clickEffect">
+                                  <p:stCondLst>
+                                    <p:cond delay="0"/>
+                                  </p:stCondLst>
+                                  <p:childTnLst>
+                                    <p:set>
+                                      <p:cBhvr>
+                                        <p:cTn id="18" dur="1" fill="hold">
+                                          <p:stCondLst>
+                                            <p:cond delay="0"/>
+                                          </p:stCondLst>
+                                        </p:cTn>
+                                        <p:tgtEl>
+                                          <p:spTgt spid="3">
+                                            <p:txEl>
+                                              <p:pRg st="3" end="3"/>
+                                            </p:txEl>
+                                          </p:spTgt>
+                                        </p:tgtEl>
+                                        <p:attrNameLst>
+                                          <p:attrName>style.visibility</p:attrName>
+                                        </p:attrNameLst>
+                                      </p:cBhvr>
+                                      <p:to>
+                                        <p:strVal val="visible"/>
+                                      </p:to>
+                                    </p:set>
+                                  </p:childTnLst>
+                                </p:cTn>
+                              </p:par>
+                            </p:childTnLst>
+                          </p:cTn>
+                        </p:par>
+                      </p:childTnLst>
+                    </p:cTn>
+                  </p:par>
+                  <p:par>
+                    <p:cTn id="19" fill="hold">
+                      <p:stCondLst>
+                        <p:cond delay="indefinite"/>
+                      </p:stCondLst>
+                      <p:childTnLst>
+                        <p:par>
+                          <p:cTn id="20" fill="hold">
+                            <p:stCondLst>
+                              <p:cond delay="0"/>
+                            </p:stCondLst>
+                            <p:childTnLst>
+                              <p:par>
+                                <p:cTn id="21" presetID="1" presetClass="entr" presetSubtype="0" fill="hold" grpId="0" nodeType="clickEffect">
+                                  <p:stCondLst>
+                                    <p:cond delay="0"/>
+                                  </p:stCondLst>
+                                  <p:childTnLst>
+                                    <p:set>
+                                      <p:cBhvr>
+                                        <p:cTn id="22" dur="1" fill="hold">
+                                          <p:stCondLst>
+                                            <p:cond delay="0"/>
+                                          </p:stCondLst>
+                                        </p:cTn>
+                                        <p:tgtEl>
+                                          <p:spTgt spid="3">
+                                            <p:txEl>
+                                              <p:pRg st="4" end="4"/>
+                                            </p:txEl>
+                                          </p:spTgt>
+                                        </p:tgtEl>
+                                        <p:attrNameLst>
+                                          <p:attrName>style.visibility</p:attrName>
+                                        </p:attrNameLst>
+                                      </p:cBhvr>
+                                      <p:to>
+                                        <p:strVal val="visible"/>
+                                      </p:to>
+                                    </p:set>
+                                  </p:childTnLst>
+                                </p:cTn>
+                              </p:par>
+                            </p:childTnLst>
+                          </p:cTn>
+                        </p:par>
+                      </p:childTnLst>
+                    </p:cTn>
+                  </p:par>
+                  <p:par>
+                    <p:cTn id="23" fill="hold">
+                      <p:stCondLst>
+                        <p:cond delay="indefinite"/>
+                      </p:stCondLst>
+                      <p:childTnLst>
+                        <p:par>
+                          <p:cTn id="24" fill="hold">
+                            <p:stCondLst>
+                              <p:cond delay="0"/>
+                            </p:stCondLst>
+                            <p:childTnLst>
+                              <p:par>
+                                <p:cTn id="25" presetID="1" presetClass="entr" presetSubtype="0" fill="hold" grpId="0" nodeType="clickEffect">
+                                  <p:stCondLst>
+                                    <p:cond delay="0"/>
+                                  </p:stCondLst>
+                                  <p:childTnLst>
+                                    <p:set>
+                                      <p:cBhvr>
+                                        <p:cTn id="26" dur="1" fill="hold">
+                                          <p:stCondLst>
+                                            <p:cond delay="0"/>
+                                          </p:stCondLst>
+                                        </p:cTn>
+                                        <p:tgtEl>
+                                          <p:spTgt spid="3">
+                                            <p:txEl>
+                                              <p:pRg st="6" end="6"/>
+                                            </p:txEl>
+                                          </p:spTgt>
+                                        </p:tgtEl>
+                                        <p:attrNameLst>
+                                          <p:attrName>style.visibility</p:attrName>
+                                        </p:attrNameLst>
+                                      </p:cBhvr>
+                                      <p:to>
+                                        <p:strVal val="visible"/>
+                                      </p:to>
+                                    </p:set>
                                   </p:childTnLst>
                                 </p:cTn>
                               </p:par>
@@ -9395,80 +9110,13 @@
                 </p:cond>
               </p:nextCondLst>
             </p:seq>
-            <p:video>
-              <p:cMediaNode vol="80000">
-                <p:cTn id="7" fill="hold" display="0">
-                  <p:stCondLst>
-                    <p:cond delay="indefinite"/>
-                  </p:stCondLst>
-                </p:cTn>
-                <p:tgtEl>
-                  <p:spTgt spid="4"/>
-                </p:tgtEl>
-              </p:cMediaNode>
-            </p:video>
-            <p:seq concurrent="1" nextAc="seek">
-              <p:cTn id="8" restart="whenNotActive" fill="hold" evtFilter="cancelBubble" nodeType="interactiveSeq">
-                <p:stCondLst>
-                  <p:cond evt="onClick" delay="0">
-                    <p:tgtEl>
-                      <p:spTgt spid="4"/>
-                    </p:tgtEl>
-                  </p:cond>
-                </p:stCondLst>
-                <p:endSync evt="end" delay="0">
-                  <p:rtn val="all"/>
-                </p:endSync>
-                <p:childTnLst>
-                  <p:par>
-                    <p:cTn id="9" fill="hold">
-                      <p:stCondLst>
-                        <p:cond delay="0"/>
-                      </p:stCondLst>
-                      <p:childTnLst>
-                        <p:par>
-                          <p:cTn id="10" fill="hold">
-                            <p:stCondLst>
-                              <p:cond delay="0"/>
-                            </p:stCondLst>
-                            <p:childTnLst>
-                              <p:par>
-                                <p:cTn id="11" presetID="2" presetClass="mediacall" presetSubtype="0" fill="hold" nodeType="clickEffect">
-                                  <p:stCondLst>
-                                    <p:cond delay="0"/>
-                                  </p:stCondLst>
-                                  <p:childTnLst>
-                                    <p:cmd type="call" cmd="togglePause">
-                                      <p:cBhvr>
-                                        <p:cTn id="12" dur="1" fill="hold"/>
-                                        <p:tgtEl>
-                                          <p:spTgt spid="4"/>
-                                        </p:tgtEl>
-                                      </p:cBhvr>
-                                    </p:cmd>
-                                  </p:childTnLst>
-                                </p:cTn>
-                              </p:par>
-                            </p:childTnLst>
-                          </p:cTn>
-                        </p:par>
-                      </p:childTnLst>
-                    </p:cTn>
-                  </p:par>
-                </p:childTnLst>
-              </p:cTn>
-              <p:nextCondLst>
-                <p:cond evt="onClick" delay="0">
-                  <p:tgtEl>
-                    <p:spTgt spid="4"/>
-                  </p:tgtEl>
-                </p:cond>
-              </p:nextCondLst>
-            </p:seq>
           </p:childTnLst>
         </p:cTn>
       </p:par>
     </p:tnLst>
+    <p:bldLst>
+      <p:bldP spid="3" grpId="0" build="p"/>
+    </p:bldLst>
   </p:timing>
 </p:sld>
 </file>
@@ -9513,7 +9161,7 @@
           <a:p>
             <a:r>
               <a:rPr lang="fr-FR" dirty="0"/>
-              <a:t>Cake c’est quoi ? </a:t>
+              <a:t>Avantages</a:t>
             </a:r>
           </a:p>
         </p:txBody>
@@ -9540,200 +9188,63 @@
           <a:lstStyle/>
           <a:p>
             <a:r>
-              <a:rPr lang="en-US" dirty="0"/>
-              <a:t>Cake (C# Make) </a:t>
-            </a:r>
-            <a:r>
-              <a:rPr lang="en-US" dirty="0" err="1"/>
-              <a:t>est</a:t>
-            </a:r>
-            <a:r>
-              <a:rPr lang="en-US" dirty="0"/>
-              <a:t> un </a:t>
-            </a:r>
-            <a:r>
-              <a:rPr lang="en-US" dirty="0" err="1"/>
-              <a:t>outil</a:t>
-            </a:r>
-            <a:r>
-              <a:rPr lang="en-US" dirty="0"/>
-              <a:t> </a:t>
-            </a:r>
-            <a:r>
-              <a:rPr lang="en-US" dirty="0" err="1"/>
-              <a:t>gratuit</a:t>
-            </a:r>
-            <a:r>
-              <a:rPr lang="en-US" dirty="0"/>
-              <a:t>, open-source et </a:t>
-            </a:r>
-            <a:r>
-              <a:rPr lang="en-US" dirty="0" err="1"/>
-              <a:t>multiplateformes</a:t>
-            </a:r>
-            <a:r>
-              <a:rPr lang="en-US" dirty="0"/>
-              <a:t> pour les taches </a:t>
-            </a:r>
-            <a:r>
-              <a:rPr lang="en-US" dirty="0" err="1"/>
-              <a:t>d’automatisation</a:t>
-            </a:r>
-            <a:r>
-              <a:rPr lang="en-US" dirty="0"/>
-              <a:t> </a:t>
-            </a:r>
-            <a:r>
-              <a:rPr lang="en-US" dirty="0" err="1"/>
-              <a:t>comme</a:t>
-            </a:r>
-            <a:r>
-              <a:rPr lang="en-US" dirty="0"/>
-              <a:t> la compilation du code, la </a:t>
-            </a:r>
-            <a:r>
-              <a:rPr lang="en-US" dirty="0" err="1"/>
-              <a:t>copie</a:t>
-            </a:r>
-            <a:r>
-              <a:rPr lang="en-US" dirty="0"/>
-              <a:t> des </a:t>
-            </a:r>
-            <a:r>
-              <a:rPr lang="en-US" dirty="0" err="1"/>
-              <a:t>fichiers</a:t>
-            </a:r>
-            <a:r>
-              <a:rPr lang="en-US" dirty="0"/>
-              <a:t> et des repertoires, </a:t>
-            </a:r>
-            <a:r>
-              <a:rPr lang="en-US" dirty="0" err="1"/>
-              <a:t>l’éxécution</a:t>
-            </a:r>
-            <a:r>
-              <a:rPr lang="en-US" dirty="0"/>
-              <a:t> de tests </a:t>
-            </a:r>
-            <a:r>
-              <a:rPr lang="en-US" dirty="0" err="1"/>
-              <a:t>unitaires</a:t>
-            </a:r>
-            <a:r>
-              <a:rPr lang="en-US" dirty="0"/>
-              <a:t>, la compression de </a:t>
-            </a:r>
-            <a:r>
-              <a:rPr lang="en-US" dirty="0" err="1"/>
-              <a:t>fichiers</a:t>
-            </a:r>
-            <a:r>
-              <a:rPr lang="en-US" dirty="0"/>
-              <a:t> et la construction de packages </a:t>
-            </a:r>
-            <a:r>
-              <a:rPr lang="en-US" dirty="0" err="1"/>
-              <a:t>Nuget</a:t>
-            </a:r>
-            <a:r>
-              <a:rPr lang="en-US" dirty="0"/>
-              <a:t>.</a:t>
-            </a:r>
-          </a:p>
-          <a:p>
-            <a:r>
-              <a:rPr lang="en-US" dirty="0" err="1"/>
-              <a:t>Similaire</a:t>
-            </a:r>
-            <a:r>
-              <a:rPr lang="en-US" dirty="0"/>
-              <a:t> à </a:t>
-            </a:r>
-            <a:r>
-              <a:rPr lang="en-US" dirty="0" err="1"/>
-              <a:t>ce</a:t>
-            </a:r>
-            <a:r>
-              <a:rPr lang="en-US" dirty="0"/>
-              <a:t> bon </a:t>
-            </a:r>
-            <a:r>
-              <a:rPr lang="en-US" dirty="0" err="1"/>
-              <a:t>vieux</a:t>
-            </a:r>
-            <a:r>
-              <a:rPr lang="en-US" dirty="0"/>
-              <a:t> </a:t>
-            </a:r>
-            <a:r>
-              <a:rPr lang="en-US" dirty="0" err="1"/>
-              <a:t>makefile</a:t>
-            </a:r>
-            <a:endParaRPr lang="en-US" dirty="0"/>
-          </a:p>
-          <a:p>
-            <a:r>
-              <a:rPr lang="en-US" dirty="0" err="1"/>
-              <a:t>Présenté</a:t>
-            </a:r>
-            <a:r>
-              <a:rPr lang="en-US" dirty="0"/>
-              <a:t> pour la première </a:t>
-            </a:r>
-            <a:r>
-              <a:rPr lang="en-US" dirty="0" err="1"/>
-              <a:t>fois</a:t>
-            </a:r>
-            <a:r>
-              <a:rPr lang="en-US" dirty="0"/>
-              <a:t> à la conference NDC de </a:t>
-            </a:r>
-            <a:r>
-              <a:rPr lang="en-US" dirty="0" err="1"/>
-              <a:t>Olso</a:t>
-            </a:r>
-            <a:r>
-              <a:rPr lang="en-US" dirty="0"/>
-              <a:t> </a:t>
-            </a:r>
-            <a:r>
-              <a:rPr lang="en-US" dirty="0" err="1"/>
-              <a:t>en</a:t>
-            </a:r>
-            <a:r>
-              <a:rPr lang="en-US" dirty="0"/>
-              <a:t> 2016</a:t>
-            </a:r>
+              <a:rPr lang="fr-FR" dirty="0"/>
+              <a:t>Familier</a:t>
+            </a:r>
+          </a:p>
+          <a:p>
+            <a:r>
+              <a:rPr lang="fr-FR" dirty="0"/>
+              <a:t>Multi-plateformes et Multi-Runtimes</a:t>
+            </a:r>
+          </a:p>
+          <a:p>
+            <a:r>
+              <a:rPr lang="fr-FR" dirty="0"/>
+              <a:t>Intégration avec les IDE</a:t>
+            </a:r>
+          </a:p>
+          <a:p>
+            <a:r>
+              <a:rPr lang="fr-FR" dirty="0"/>
+              <a:t>Fiable</a:t>
+            </a:r>
+          </a:p>
+          <a:p>
+            <a:r>
+              <a:rPr lang="fr-FR" dirty="0"/>
+              <a:t>Prise en charge d’un grand nombre d’outils</a:t>
+            </a:r>
+          </a:p>
+          <a:p>
+            <a:r>
+              <a:rPr lang="fr-FR" dirty="0"/>
+              <a:t>Open source et soutenu par la communauté</a:t>
+            </a:r>
+          </a:p>
+          <a:p>
+            <a:pPr marL="0" indent="0" algn="r">
+              <a:buNone/>
+            </a:pPr>
+            <a:br>
+              <a:rPr lang="fr-FR" dirty="0"/>
+            </a:br>
+            <a:r>
+              <a:rPr lang="fr-FR" b="0" dirty="0">
+                <a:solidFill>
+                  <a:srgbClr val="A31515"/>
+                </a:solidFill>
+                <a:effectLst/>
+                <a:latin typeface="Consolas" panose="020B0609020204030204" pitchFamily="49" charset="0"/>
+              </a:rPr>
+              <a:t>github.com/cake-build/cake</a:t>
+            </a:r>
+            <a:endParaRPr lang="fr-FR" dirty="0"/>
           </a:p>
           <a:p>
             <a:pPr marL="0" indent="0">
               <a:buNone/>
             </a:pPr>
-            <a:endParaRPr lang="en-US" b="0" dirty="0">
-              <a:solidFill>
-                <a:srgbClr val="A31515"/>
-              </a:solidFill>
-              <a:effectLst/>
-              <a:latin typeface="Consolas" panose="020B0609020204030204" pitchFamily="49" charset="0"/>
-            </a:endParaRPr>
-          </a:p>
-          <a:p>
-            <a:pPr marL="0" indent="0" algn="r">
-              <a:buNone/>
-            </a:pPr>
-            <a:r>
-              <a:rPr lang="fr-FR" b="0" dirty="0">
-                <a:solidFill>
-                  <a:srgbClr val="A31515"/>
-                </a:solidFill>
-                <a:effectLst/>
-                <a:latin typeface="Consolas" panose="020B0609020204030204" pitchFamily="49" charset="0"/>
-              </a:rPr>
-              <a:t>cakebuild.net</a:t>
-            </a:r>
-            <a:endParaRPr lang="fr-FR" dirty="0"/>
-          </a:p>
-          <a:p>
             <a:endParaRPr lang="fr-FR" dirty="0"/>
           </a:p>
         </p:txBody>
@@ -9741,7 +9252,7 @@
     </p:spTree>
     <p:extLst>
       <p:ext uri="{BB962C8B-B14F-4D97-AF65-F5344CB8AC3E}">
-        <p14:creationId xmlns:p14="http://schemas.microsoft.com/office/powerpoint/2010/main" val="1658832510"/>
+        <p14:creationId xmlns:p14="http://schemas.microsoft.com/office/powerpoint/2010/main" val="500416392"/>
       </p:ext>
     </p:extLst>
   </p:cSld>
@@ -9791,7 +9302,7 @@
           <a:p>
             <a:r>
               <a:rPr lang="fr-FR" dirty="0"/>
-              <a:t>Avantages</a:t>
+              <a:t>Cas d’usages</a:t>
             </a:r>
           </a:p>
         </p:txBody>
@@ -9819,70 +9330,37 @@
           <a:p>
             <a:r>
               <a:rPr lang="fr-FR" dirty="0"/>
-              <a:t>Familier</a:t>
-            </a:r>
-          </a:p>
-          <a:p>
+              <a:t>Avoir un processus de </a:t>
+            </a:r>
+            <a:r>
+              <a:rPr lang="fr-FR" dirty="0" err="1"/>
+              <a:t>build</a:t>
+            </a:r>
             <a:r>
               <a:rPr lang="fr-FR" dirty="0"/>
-              <a:t>Multi-plateformes et Multi-Runtimes</a:t>
+              <a:t> identique entre le poste de développement et l'environnement de CI utilisé</a:t>
             </a:r>
           </a:p>
           <a:p>
             <a:r>
               <a:rPr lang="fr-FR" dirty="0"/>
-              <a:t>Intégration avec les IDE</a:t>
-            </a:r>
-          </a:p>
-          <a:p>
+              <a:t>Non-Adhérence du processus de </a:t>
+            </a:r>
+            <a:r>
+              <a:rPr lang="fr-FR" dirty="0" err="1"/>
+              <a:t>build</a:t>
+            </a:r>
             <a:r>
               <a:rPr lang="fr-FR" dirty="0"/>
-              <a:t>Fiable</a:t>
-            </a:r>
-          </a:p>
-          <a:p>
-            <a:r>
-              <a:rPr lang="fr-FR" dirty="0"/>
-              <a:t>Prise en charge d’un grand nombre d’outils</a:t>
-            </a:r>
-          </a:p>
-          <a:p>
-            <a:r>
-              <a:rPr lang="fr-FR" dirty="0"/>
-              <a:t>Open source et soutenu par la communauté</a:t>
-            </a:r>
-          </a:p>
-          <a:p>
-            <a:pPr marL="0" indent="0" algn="r">
-              <a:buNone/>
-            </a:pPr>
-            <a:br>
-              <a:rPr lang="fr-FR" dirty="0"/>
-            </a:br>
-            <a:r>
-              <a:rPr lang="fr-FR" b="0" dirty="0">
-                <a:solidFill>
-                  <a:srgbClr val="A31515"/>
-                </a:solidFill>
-                <a:effectLst/>
-                <a:latin typeface="Consolas" panose="020B0609020204030204" pitchFamily="49" charset="0"/>
-              </a:rPr>
-              <a:t>github.com/cake-build/cake</a:t>
-            </a:r>
-            <a:endParaRPr lang="fr-FR" dirty="0"/>
-          </a:p>
-          <a:p>
-            <a:pPr marL="0" indent="0">
-              <a:buNone/>
-            </a:pPr>
-            <a:endParaRPr lang="fr-FR" dirty="0"/>
+              <a:t> avec l'environnement de CI</a:t>
+            </a:r>
           </a:p>
         </p:txBody>
       </p:sp>
     </p:spTree>
     <p:extLst>
       <p:ext uri="{BB962C8B-B14F-4D97-AF65-F5344CB8AC3E}">
-        <p14:creationId xmlns:p14="http://schemas.microsoft.com/office/powerpoint/2010/main" val="500416392"/>
+        <p14:creationId xmlns:p14="http://schemas.microsoft.com/office/powerpoint/2010/main" val="2778564781"/>
       </p:ext>
     </p:extLst>
   </p:cSld>
@@ -9914,7 +9392,7 @@
           <p:cNvPr id="2" name="Title 1">
             <a:extLst>
               <a:ext uri="{FF2B5EF4-FFF2-40B4-BE49-F238E27FC236}">
-                <a16:creationId xmlns:a16="http://schemas.microsoft.com/office/drawing/2014/main" id="{78A34FF2-8C78-4537-A6EB-FC740FC180DF}"/>
+                <a16:creationId xmlns:a16="http://schemas.microsoft.com/office/drawing/2014/main" id="{C8A9E740-F103-F6AC-8B44-190ED38F8BCB}"/>
               </a:ext>
             </a:extLst>
           </p:cNvPr>
@@ -9931,9 +9409,10 @@
           <a:lstStyle/>
           <a:p>
             <a:r>
-              <a:rPr lang="fr-FR" dirty="0"/>
-              <a:t>Cas d’usages</a:t>
-            </a:r>
+              <a:rPr lang="fr-FR" dirty="0" err="1"/>
+              <a:t>Runners</a:t>
+            </a:r>
+            <a:endParaRPr lang="fr-FR" dirty="0"/>
           </a:p>
         </p:txBody>
       </p:sp>
@@ -9942,7 +9421,7 @@
           <p:cNvPr id="3" name="Content Placeholder 2">
             <a:extLst>
               <a:ext uri="{FF2B5EF4-FFF2-40B4-BE49-F238E27FC236}">
-                <a16:creationId xmlns:a16="http://schemas.microsoft.com/office/drawing/2014/main" id="{02568B25-79F3-4DA8-AD91-2C304C7EFBFF}"/>
+                <a16:creationId xmlns:a16="http://schemas.microsoft.com/office/drawing/2014/main" id="{00390660-181F-29F3-F8FD-9828893BC4C8}"/>
               </a:ext>
             </a:extLst>
           </p:cNvPr>
@@ -9960,29 +9439,122 @@
           <a:p>
             <a:r>
               <a:rPr lang="fr-FR" dirty="0"/>
-              <a:t>Avoir un processus de </a:t>
+              <a:t>Cake .NET Tool</a:t>
+            </a:r>
+          </a:p>
+          <a:p>
+            <a:pPr lvl="1"/>
+            <a:r>
+              <a:rPr lang="fr-FR" dirty="0"/>
+              <a:t>Permet d’exécuter des scripts Cake</a:t>
+            </a:r>
+          </a:p>
+          <a:p>
+            <a:pPr lvl="1"/>
+            <a:r>
+              <a:rPr lang="fr-FR" dirty="0"/>
+              <a:t>Outil .NET </a:t>
             </a:r>
             <a:r>
               <a:rPr lang="fr-FR" dirty="0" err="1"/>
-              <a:t>build</a:t>
-            </a:r>
+              <a:t>Core</a:t>
+            </a:r>
+            <a:endParaRPr lang="fr-FR" dirty="0"/>
+          </a:p>
+          <a:p>
+            <a:pPr lvl="1"/>
             <a:r>
               <a:rPr lang="fr-FR" dirty="0"/>
-              <a:t> identique entre le poste de développement et l'environnement de CI utilisé</a:t>
-            </a:r>
-          </a:p>
-          <a:p>
+              <a:t>Avoir un </a:t>
+            </a:r>
+            <a:r>
+              <a:rPr lang="fr-FR" dirty="0" err="1"/>
+              <a:t>manifest</a:t>
+            </a:r>
             <a:r>
               <a:rPr lang="fr-FR" dirty="0"/>
-              <a:t>Non-Adhérence du processus de </a:t>
+              <a:t> des outils </a:t>
             </a:r>
             <a:r>
               <a:rPr lang="fr-FR" dirty="0" err="1"/>
-              <a:t>build</a:t>
+              <a:t>dotnet</a:t>
             </a:r>
             <a:r>
               <a:rPr lang="fr-FR" dirty="0"/>
-              <a:t> avec l'environnement de CI</a:t>
+              <a:t> dans votre référentiel</a:t>
+            </a:r>
+            <a:br>
+              <a:rPr lang="fr-FR" dirty="0"/>
+            </a:br>
+            <a:r>
+              <a:rPr lang="fr-FR" dirty="0" err="1"/>
+              <a:t>dotnet</a:t>
+            </a:r>
+            <a:r>
+              <a:rPr lang="fr-FR" dirty="0"/>
+              <a:t> new </a:t>
+            </a:r>
+            <a:r>
+              <a:rPr lang="fr-FR" dirty="0" err="1"/>
+              <a:t>tool-manifest</a:t>
+            </a:r>
+            <a:endParaRPr lang="fr-FR" dirty="0"/>
+          </a:p>
+          <a:p>
+            <a:pPr lvl="1"/>
+            <a:r>
+              <a:rPr lang="fr-FR" dirty="0"/>
+              <a:t>Installez cake en tant qu’outil local</a:t>
+            </a:r>
+            <a:br>
+              <a:rPr lang="fr-FR" dirty="0"/>
+            </a:br>
+            <a:r>
+              <a:rPr lang="fr-FR" dirty="0" err="1"/>
+              <a:t>dotnet</a:t>
+            </a:r>
+            <a:r>
+              <a:rPr lang="fr-FR" dirty="0"/>
+              <a:t> </a:t>
+            </a:r>
+            <a:r>
+              <a:rPr lang="fr-FR" dirty="0" err="1"/>
+              <a:t>tool</a:t>
+            </a:r>
+            <a:r>
+              <a:rPr lang="fr-FR" dirty="0"/>
+              <a:t> </a:t>
+            </a:r>
+            <a:r>
+              <a:rPr lang="fr-FR" dirty="0" err="1"/>
+              <a:t>install</a:t>
+            </a:r>
+            <a:r>
+              <a:rPr lang="fr-FR" dirty="0"/>
+              <a:t> </a:t>
+            </a:r>
+            <a:r>
+              <a:rPr lang="fr-FR" dirty="0" err="1"/>
+              <a:t>Cake.Tool</a:t>
+            </a:r>
+            <a:endParaRPr lang="fr-FR" dirty="0"/>
+          </a:p>
+          <a:p>
+            <a:pPr lvl="1"/>
+            <a:r>
+              <a:rPr lang="fr-FR" dirty="0"/>
+              <a:t>Pour exécuter le script cake</a:t>
+            </a:r>
+            <a:br>
+              <a:rPr lang="fr-FR" dirty="0"/>
+            </a:br>
+            <a:r>
+              <a:rPr lang="fr-FR" dirty="0" err="1"/>
+              <a:t>dotnet</a:t>
+            </a:r>
+            <a:r>
+              <a:rPr lang="fr-FR" dirty="0"/>
+              <a:t> cake</a:t>
             </a:r>
           </a:p>
         </p:txBody>
@@ -9990,7 +9562,7 @@
     </p:spTree>
     <p:extLst>
       <p:ext uri="{BB962C8B-B14F-4D97-AF65-F5344CB8AC3E}">
-        <p14:creationId xmlns:p14="http://schemas.microsoft.com/office/powerpoint/2010/main" val="2778564781"/>
+        <p14:creationId xmlns:p14="http://schemas.microsoft.com/office/powerpoint/2010/main" val="4258509708"/>
       </p:ext>
     </p:extLst>
   </p:cSld>
@@ -10069,208 +9641,6 @@
           <a:p>
             <a:r>
               <a:rPr lang="fr-FR" dirty="0"/>
-              <a:t>Cake .NET Tool</a:t>
-            </a:r>
-          </a:p>
-          <a:p>
-            <a:pPr lvl="1"/>
-            <a:r>
-              <a:rPr lang="fr-FR" dirty="0"/>
-              <a:t>Permet d’exécuter des scripts Cake</a:t>
-            </a:r>
-          </a:p>
-          <a:p>
-            <a:pPr lvl="1"/>
-            <a:r>
-              <a:rPr lang="fr-FR" dirty="0"/>
-              <a:t>Outil .NET </a:t>
-            </a:r>
-            <a:r>
-              <a:rPr lang="fr-FR" dirty="0" err="1"/>
-              <a:t>Core</a:t>
-            </a:r>
-            <a:endParaRPr lang="fr-FR" dirty="0"/>
-          </a:p>
-          <a:p>
-            <a:pPr lvl="1"/>
-            <a:r>
-              <a:rPr lang="fr-FR" dirty="0"/>
-              <a:t>Avoir un </a:t>
-            </a:r>
-            <a:r>
-              <a:rPr lang="fr-FR" dirty="0" err="1"/>
-              <a:t>manifest</a:t>
-            </a:r>
-            <a:r>
-              <a:rPr lang="fr-FR" dirty="0"/>
-              <a:t> des outils </a:t>
-            </a:r>
-            <a:r>
-              <a:rPr lang="fr-FR" dirty="0" err="1"/>
-              <a:t>dotnet</a:t>
-            </a:r>
-            <a:r>
-              <a:rPr lang="fr-FR" dirty="0"/>
-              <a:t> dans votre référentiel</a:t>
-            </a:r>
-            <a:br>
-              <a:rPr lang="fr-FR" dirty="0"/>
-            </a:br>
-            <a:r>
-              <a:rPr lang="fr-FR" dirty="0" err="1"/>
-              <a:t>dotnet</a:t>
-            </a:r>
-            <a:r>
-              <a:rPr lang="fr-FR" dirty="0"/>
-              <a:t> new </a:t>
-            </a:r>
-            <a:r>
-              <a:rPr lang="fr-FR" dirty="0" err="1"/>
-              <a:t>tool-manifest</a:t>
-            </a:r>
-            <a:endParaRPr lang="fr-FR" dirty="0"/>
-          </a:p>
-          <a:p>
-            <a:pPr lvl="1"/>
-            <a:r>
-              <a:rPr lang="fr-FR" dirty="0"/>
-              <a:t>Installez cake en tant qu’outil local</a:t>
-            </a:r>
-            <a:br>
-              <a:rPr lang="fr-FR" dirty="0"/>
-            </a:br>
-            <a:r>
-              <a:rPr lang="fr-FR" dirty="0" err="1"/>
-              <a:t>dotnet</a:t>
-            </a:r>
-            <a:r>
-              <a:rPr lang="fr-FR" dirty="0"/>
-              <a:t> </a:t>
-            </a:r>
-            <a:r>
-              <a:rPr lang="fr-FR" dirty="0" err="1"/>
-              <a:t>tool</a:t>
-            </a:r>
-            <a:r>
-              <a:rPr lang="fr-FR" dirty="0"/>
-              <a:t> </a:t>
-            </a:r>
-            <a:r>
-              <a:rPr lang="fr-FR" dirty="0" err="1"/>
-              <a:t>install</a:t>
-            </a:r>
-            <a:r>
-              <a:rPr lang="fr-FR" dirty="0"/>
-              <a:t> </a:t>
-            </a:r>
-            <a:r>
-              <a:rPr lang="fr-FR" dirty="0" err="1"/>
-              <a:t>Cake.Tool</a:t>
-            </a:r>
-            <a:endParaRPr lang="fr-FR" dirty="0"/>
-          </a:p>
-          <a:p>
-            <a:pPr lvl="1"/>
-            <a:r>
-              <a:rPr lang="fr-FR" dirty="0"/>
-              <a:t>Pour exécuter le script cake</a:t>
-            </a:r>
-            <a:br>
-              <a:rPr lang="fr-FR" dirty="0"/>
-            </a:br>
-            <a:r>
-              <a:rPr lang="fr-FR" dirty="0" err="1"/>
-              <a:t>dotnet</a:t>
-            </a:r>
-            <a:r>
-              <a:rPr lang="fr-FR" dirty="0"/>
-              <a:t> cake</a:t>
-            </a:r>
-          </a:p>
-        </p:txBody>
-      </p:sp>
-    </p:spTree>
-    <p:extLst>
-      <p:ext uri="{BB962C8B-B14F-4D97-AF65-F5344CB8AC3E}">
-        <p14:creationId xmlns:p14="http://schemas.microsoft.com/office/powerpoint/2010/main" val="4258509708"/>
-      </p:ext>
-    </p:extLst>
-  </p:cSld>
-  <p:clrMapOvr>
-    <a:masterClrMapping/>
-  </p:clrMapOvr>
-</p:sld>
-</file>
-
-<file path=ppt/slides/slide7.xml><?xml version="1.0" encoding="utf-8"?>
-<p:sld xmlns:a="http://schemas.openxmlformats.org/drawingml/2006/main" xmlns:r="http://schemas.openxmlformats.org/officeDocument/2006/relationships" xmlns:p="http://schemas.openxmlformats.org/presentationml/2006/main">
-  <p:cSld>
-    <p:spTree>
-      <p:nvGrpSpPr>
-        <p:cNvPr id="1" name=""/>
-        <p:cNvGrpSpPr/>
-        <p:nvPr/>
-      </p:nvGrpSpPr>
-      <p:grpSpPr>
-        <a:xfrm>
-          <a:off x="0" y="0"/>
-          <a:ext cx="0" cy="0"/>
-          <a:chOff x="0" y="0"/>
-          <a:chExt cx="0" cy="0"/>
-        </a:xfrm>
-      </p:grpSpPr>
-      <p:sp>
-        <p:nvSpPr>
-          <p:cNvPr id="2" name="Title 1">
-            <a:extLst>
-              <a:ext uri="{FF2B5EF4-FFF2-40B4-BE49-F238E27FC236}">
-                <a16:creationId xmlns:a16="http://schemas.microsoft.com/office/drawing/2014/main" id="{C8A9E740-F103-F6AC-8B44-190ED38F8BCB}"/>
-              </a:ext>
-            </a:extLst>
-          </p:cNvPr>
-          <p:cNvSpPr>
-            <a:spLocks noGrp="1"/>
-          </p:cNvSpPr>
-          <p:nvPr>
-            <p:ph type="title"/>
-          </p:nvPr>
-        </p:nvSpPr>
-        <p:spPr/>
-        <p:txBody>
-          <a:bodyPr/>
-          <a:lstStyle/>
-          <a:p>
-            <a:r>
-              <a:rPr lang="fr-FR" dirty="0" err="1"/>
-              <a:t>Runners</a:t>
-            </a:r>
-            <a:endParaRPr lang="fr-FR" dirty="0"/>
-          </a:p>
-        </p:txBody>
-      </p:sp>
-      <p:sp>
-        <p:nvSpPr>
-          <p:cNvPr id="3" name="Content Placeholder 2">
-            <a:extLst>
-              <a:ext uri="{FF2B5EF4-FFF2-40B4-BE49-F238E27FC236}">
-                <a16:creationId xmlns:a16="http://schemas.microsoft.com/office/drawing/2014/main" id="{00390660-181F-29F3-F8FD-9828893BC4C8}"/>
-              </a:ext>
-            </a:extLst>
-          </p:cNvPr>
-          <p:cNvSpPr>
-            <a:spLocks noGrp="1"/>
-          </p:cNvSpPr>
-          <p:nvPr>
-            <p:ph idx="1"/>
-          </p:nvPr>
-        </p:nvSpPr>
-        <p:spPr/>
-        <p:txBody>
-          <a:bodyPr/>
-          <a:lstStyle/>
-          <a:p>
-            <a:r>
-              <a:rPr lang="fr-FR" dirty="0"/>
               <a:t>Cake </a:t>
             </a:r>
             <a:r>
@@ -10363,7 +9733,7 @@
 </p:sld>
 </file>
 
-<file path=ppt/slides/slide8.xml><?xml version="1.0" encoding="utf-8"?>
+<file path=ppt/slides/slide7.xml><?xml version="1.0" encoding="utf-8"?>
 <p:sld xmlns:a="http://schemas.openxmlformats.org/drawingml/2006/main" xmlns:r="http://schemas.openxmlformats.org/officeDocument/2006/relationships" xmlns:p="http://schemas.openxmlformats.org/presentationml/2006/main">
   <p:cSld>
     <p:spTree>
@@ -10594,6 +9964,142 @@
     <p:extLst>
       <p:ext uri="{BB962C8B-B14F-4D97-AF65-F5344CB8AC3E}">
         <p14:creationId xmlns:p14="http://schemas.microsoft.com/office/powerpoint/2010/main" val="2009713413"/>
+      </p:ext>
+    </p:extLst>
+  </p:cSld>
+  <p:clrMapOvr>
+    <a:masterClrMapping/>
+  </p:clrMapOvr>
+</p:sld>
+</file>
+
+<file path=ppt/slides/slide8.xml><?xml version="1.0" encoding="utf-8"?>
+<p:sld xmlns:a="http://schemas.openxmlformats.org/drawingml/2006/main" xmlns:r="http://schemas.openxmlformats.org/officeDocument/2006/relationships" xmlns:p="http://schemas.openxmlformats.org/presentationml/2006/main">
+  <p:cSld>
+    <p:spTree>
+      <p:nvGrpSpPr>
+        <p:cNvPr id="1" name=""/>
+        <p:cNvGrpSpPr/>
+        <p:nvPr/>
+      </p:nvGrpSpPr>
+      <p:grpSpPr>
+        <a:xfrm>
+          <a:off x="0" y="0"/>
+          <a:ext cx="0" cy="0"/>
+          <a:chOff x="0" y="0"/>
+          <a:chExt cx="0" cy="0"/>
+        </a:xfrm>
+      </p:grpSpPr>
+      <p:sp>
+        <p:nvSpPr>
+          <p:cNvPr id="2" name="Title 1">
+            <a:extLst>
+              <a:ext uri="{FF2B5EF4-FFF2-40B4-BE49-F238E27FC236}">
+                <a16:creationId xmlns:a16="http://schemas.microsoft.com/office/drawing/2014/main" id="{B2E5D9D6-B2BA-6186-CD27-E04D7FB9F377}"/>
+              </a:ext>
+            </a:extLst>
+          </p:cNvPr>
+          <p:cNvSpPr>
+            <a:spLocks noGrp="1"/>
+          </p:cNvSpPr>
+          <p:nvPr>
+            <p:ph type="title"/>
+          </p:nvPr>
+        </p:nvSpPr>
+        <p:spPr/>
+        <p:txBody>
+          <a:bodyPr/>
+          <a:lstStyle/>
+          <a:p>
+            <a:r>
+              <a:rPr lang="fr-FR" dirty="0"/>
+              <a:t>Extensions - </a:t>
+            </a:r>
+            <a:r>
+              <a:rPr lang="fr-FR" dirty="0" err="1"/>
+              <a:t>Addins</a:t>
+            </a:r>
+            <a:endParaRPr lang="fr-FR" dirty="0"/>
+          </a:p>
+        </p:txBody>
+      </p:sp>
+      <p:sp>
+        <p:nvSpPr>
+          <p:cNvPr id="3" name="Content Placeholder 2">
+            <a:extLst>
+              <a:ext uri="{FF2B5EF4-FFF2-40B4-BE49-F238E27FC236}">
+                <a16:creationId xmlns:a16="http://schemas.microsoft.com/office/drawing/2014/main" id="{6B340F20-857D-0861-E2A8-80312692E75A}"/>
+              </a:ext>
+            </a:extLst>
+          </p:cNvPr>
+          <p:cNvSpPr>
+            <a:spLocks noGrp="1"/>
+          </p:cNvSpPr>
+          <p:nvPr>
+            <p:ph idx="1"/>
+          </p:nvPr>
+        </p:nvSpPr>
+        <p:spPr/>
+        <p:txBody>
+          <a:bodyPr/>
+          <a:lstStyle/>
+          <a:p>
+            <a:r>
+              <a:rPr lang="fr-FR" dirty="0"/>
+              <a:t>Les compléments peuvent fournir des alias supplémentaires à une </a:t>
+            </a:r>
+            <a:r>
+              <a:rPr lang="fr-FR" dirty="0" err="1"/>
+              <a:t>build</a:t>
+            </a:r>
+            <a:r>
+              <a:rPr lang="fr-FR" dirty="0"/>
+              <a:t> Cake. Ce sont des </a:t>
+            </a:r>
+            <a:r>
+              <a:rPr lang="fr-FR" dirty="0" err="1"/>
+              <a:t>assemblys</a:t>
+            </a:r>
+            <a:r>
+              <a:rPr lang="fr-FR" dirty="0"/>
+              <a:t> .NET livrés sous forme de packages </a:t>
+            </a:r>
+            <a:r>
+              <a:rPr lang="fr-FR" dirty="0" err="1"/>
+              <a:t>NuGet</a:t>
+            </a:r>
+            <a:r>
+              <a:rPr lang="fr-FR" dirty="0"/>
+              <a:t>.</a:t>
+            </a:r>
+          </a:p>
+          <a:p>
+            <a:pPr lvl="1"/>
+            <a:r>
+              <a:rPr lang="fr-FR" dirty="0"/>
+              <a:t>Écrire des compléments personnalisés</a:t>
+            </a:r>
+          </a:p>
+          <a:p>
+            <a:pPr lvl="1"/>
+            <a:r>
+              <a:rPr lang="fr-FR" dirty="0"/>
+              <a:t>Importation d'espaces de noms</a:t>
+            </a:r>
+          </a:p>
+          <a:p>
+            <a:pPr lvl="1"/>
+            <a:r>
+              <a:rPr lang="fr-FR" dirty="0"/>
+              <a:t>Utilisation du complément</a:t>
+            </a:r>
+          </a:p>
+        </p:txBody>
+      </p:sp>
+    </p:spTree>
+    <p:extLst>
+      <p:ext uri="{BB962C8B-B14F-4D97-AF65-F5344CB8AC3E}">
+        <p14:creationId xmlns:p14="http://schemas.microsoft.com/office/powerpoint/2010/main" val="3345407838"/>
       </p:ext>
     </p:extLst>
   </p:cSld>
@@ -10643,11 +10149,11 @@
           <a:p>
             <a:r>
               <a:rPr lang="fr-FR" dirty="0"/>
-              <a:t>Extensions - </a:t>
+              <a:t>Extensions - Write custom </a:t>
             </a:r>
             <a:r>
               <a:rPr lang="fr-FR" dirty="0" err="1"/>
-              <a:t>Addins</a:t>
+              <a:t>addins</a:t>
             </a:r>
             <a:endParaRPr lang="fr-FR" dirty="0"/>
           </a:p>
@@ -10676,23 +10182,22 @@
           <a:p>
             <a:r>
               <a:rPr lang="fr-FR" dirty="0"/>
-              <a:t>Les compléments peuvent fournir des alias supplémentaires à une </a:t>
+              <a:t>Écrire des compléments personnalisés</a:t>
+            </a:r>
+          </a:p>
+          <a:p>
+            <a:pPr lvl="1"/>
+            <a:r>
+              <a:rPr lang="fr-FR" dirty="0"/>
+              <a:t>Créer un nouveau projet de bibliothèque de classes et ajoutez une référence au package </a:t>
             </a:r>
             <a:r>
               <a:rPr lang="fr-FR" dirty="0" err="1"/>
-              <a:t>build</a:t>
+              <a:t>Cake.Core</a:t>
             </a:r>
             <a:r>
               <a:rPr lang="fr-FR" dirty="0"/>
-              <a:t> Cake. Ce sont des </a:t>
-            </a:r>
-            <a:r>
-              <a:rPr lang="fr-FR" dirty="0" err="1"/>
-              <a:t>assemblys</a:t>
-            </a:r>
-            <a:r>
-              <a:rPr lang="fr-FR" dirty="0"/>
-              <a:t> .NET livrés sous forme de packages </a:t>
+              <a:t> </a:t>
             </a:r>
             <a:r>
               <a:rPr lang="fr-FR" dirty="0" err="1"/>
@@ -10700,36 +10205,358 @@
             </a:r>
             <a:r>
               <a:rPr lang="fr-FR" dirty="0"/>
-              <a:t>.</a:t>
-            </a:r>
+              <a:t> via le gestionnaire de packages : </a:t>
+            </a:r>
+            <a:r>
+              <a:rPr lang="fr-FR" b="0" dirty="0">
+                <a:solidFill>
+                  <a:srgbClr val="000000"/>
+                </a:solidFill>
+                <a:effectLst/>
+                <a:latin typeface="Consolas" panose="020B0609020204030204" pitchFamily="49" charset="0"/>
+              </a:rPr>
+              <a:t>Install-Package </a:t>
+            </a:r>
+            <a:r>
+              <a:rPr lang="fr-FR" b="0" dirty="0" err="1">
+                <a:solidFill>
+                  <a:srgbClr val="000000"/>
+                </a:solidFill>
+                <a:effectLst/>
+                <a:latin typeface="Consolas" panose="020B0609020204030204" pitchFamily="49" charset="0"/>
+              </a:rPr>
+              <a:t>Cake.Core</a:t>
+            </a:r>
+            <a:endParaRPr lang="fr-FR" b="0" dirty="0">
+              <a:solidFill>
+                <a:srgbClr val="000000"/>
+              </a:solidFill>
+              <a:effectLst/>
+              <a:latin typeface="Consolas" panose="020B0609020204030204" pitchFamily="49" charset="0"/>
+            </a:endParaRPr>
           </a:p>
           <a:p>
             <a:pPr lvl="1"/>
             <a:r>
               <a:rPr lang="fr-FR" dirty="0"/>
-              <a:t>Écrire des compléments personnalisés</a:t>
-            </a:r>
+              <a:t>Ajoutez la méthode d'alias que vous souhaitez exposer à votre script Cake. Doit être marquée avec l’attribut </a:t>
+            </a:r>
+            <a:r>
+              <a:rPr lang="fr-FR" dirty="0" err="1"/>
+              <a:t>CakeMethodAlias</a:t>
+            </a:r>
+            <a:endParaRPr lang="fr-FR" dirty="0"/>
+          </a:p>
+          <a:p>
+            <a:pPr marL="0" indent="0">
+              <a:buNone/>
+            </a:pPr>
+            <a:r>
+              <a:rPr lang="en-US" sz="2000" b="0" dirty="0">
+                <a:solidFill>
+                  <a:srgbClr val="222222"/>
+                </a:solidFill>
+                <a:effectLst/>
+                <a:latin typeface="Consolas" panose="020B0609020204030204" pitchFamily="49" charset="0"/>
+              </a:rPr>
+              <a:t>[</a:t>
+            </a:r>
+            <a:r>
+              <a:rPr lang="en-US" sz="2000" b="0" dirty="0" err="1">
+                <a:solidFill>
+                  <a:srgbClr val="267F99"/>
+                </a:solidFill>
+                <a:effectLst/>
+                <a:latin typeface="Consolas" panose="020B0609020204030204" pitchFamily="49" charset="0"/>
+              </a:rPr>
+              <a:t>CakePropertyAlias</a:t>
+            </a:r>
+            <a:r>
+              <a:rPr lang="en-US" sz="2000" b="0" dirty="0">
+                <a:solidFill>
+                  <a:srgbClr val="222222"/>
+                </a:solidFill>
+                <a:effectLst/>
+                <a:latin typeface="Consolas" panose="020B0609020204030204" pitchFamily="49" charset="0"/>
+              </a:rPr>
+              <a:t>]</a:t>
+            </a:r>
+            <a:endParaRPr lang="en-US" sz="2000" b="0" dirty="0">
+              <a:solidFill>
+                <a:srgbClr val="000000"/>
+              </a:solidFill>
+              <a:effectLst/>
+              <a:latin typeface="Consolas" panose="020B0609020204030204" pitchFamily="49" charset="0"/>
+            </a:endParaRPr>
+          </a:p>
+          <a:p>
+            <a:pPr marL="0" indent="0">
+              <a:buNone/>
+            </a:pPr>
+            <a:r>
+              <a:rPr lang="en-US" sz="2000" b="0" dirty="0">
+                <a:solidFill>
+                  <a:srgbClr val="0000FF"/>
+                </a:solidFill>
+                <a:effectLst/>
+                <a:latin typeface="Consolas" panose="020B0609020204030204" pitchFamily="49" charset="0"/>
+              </a:rPr>
+              <a:t>public</a:t>
+            </a:r>
+            <a:r>
+              <a:rPr lang="en-US" sz="2000" b="0" dirty="0">
+                <a:solidFill>
+                  <a:srgbClr val="000000"/>
+                </a:solidFill>
+                <a:effectLst/>
+                <a:latin typeface="Consolas" panose="020B0609020204030204" pitchFamily="49" charset="0"/>
+              </a:rPr>
+              <a:t> </a:t>
+            </a:r>
+            <a:r>
+              <a:rPr lang="en-US" sz="2000" b="0" dirty="0">
+                <a:solidFill>
+                  <a:srgbClr val="0000FF"/>
+                </a:solidFill>
+                <a:effectLst/>
+                <a:latin typeface="Consolas" panose="020B0609020204030204" pitchFamily="49" charset="0"/>
+              </a:rPr>
+              <a:t>static</a:t>
+            </a:r>
+            <a:r>
+              <a:rPr lang="en-US" sz="2000" b="0" dirty="0">
+                <a:solidFill>
+                  <a:srgbClr val="000000"/>
+                </a:solidFill>
+                <a:effectLst/>
+                <a:latin typeface="Consolas" panose="020B0609020204030204" pitchFamily="49" charset="0"/>
+              </a:rPr>
+              <a:t> </a:t>
+            </a:r>
+            <a:r>
+              <a:rPr lang="en-US" sz="2000" b="0" dirty="0">
+                <a:solidFill>
+                  <a:srgbClr val="0000FF"/>
+                </a:solidFill>
+                <a:effectLst/>
+                <a:latin typeface="Consolas" panose="020B0609020204030204" pitchFamily="49" charset="0"/>
+              </a:rPr>
+              <a:t>int</a:t>
+            </a:r>
+            <a:r>
+              <a:rPr lang="en-US" sz="2000" b="0" dirty="0">
+                <a:solidFill>
+                  <a:srgbClr val="000000"/>
+                </a:solidFill>
+                <a:effectLst/>
+                <a:latin typeface="Consolas" panose="020B0609020204030204" pitchFamily="49" charset="0"/>
+              </a:rPr>
+              <a:t> </a:t>
+            </a:r>
+            <a:r>
+              <a:rPr lang="en-US" sz="2000" b="0" dirty="0" err="1">
+                <a:solidFill>
+                  <a:srgbClr val="795E26"/>
+                </a:solidFill>
+                <a:effectLst/>
+                <a:latin typeface="Consolas" panose="020B0609020204030204" pitchFamily="49" charset="0"/>
+              </a:rPr>
+              <a:t>TheAnswerToLife</a:t>
+            </a:r>
+            <a:r>
+              <a:rPr lang="en-US" sz="2000" b="0" dirty="0">
+                <a:solidFill>
+                  <a:srgbClr val="222222"/>
+                </a:solidFill>
+                <a:effectLst/>
+                <a:latin typeface="Consolas" panose="020B0609020204030204" pitchFamily="49" charset="0"/>
+              </a:rPr>
+              <a:t>(</a:t>
+            </a:r>
+            <a:r>
+              <a:rPr lang="en-US" sz="2000" b="0" dirty="0">
+                <a:solidFill>
+                  <a:srgbClr val="0000FF"/>
+                </a:solidFill>
+                <a:effectLst/>
+                <a:latin typeface="Consolas" panose="020B0609020204030204" pitchFamily="49" charset="0"/>
+              </a:rPr>
+              <a:t>this</a:t>
+            </a:r>
+            <a:r>
+              <a:rPr lang="en-US" sz="2000" b="0" dirty="0">
+                <a:solidFill>
+                  <a:srgbClr val="000000"/>
+                </a:solidFill>
+                <a:effectLst/>
+                <a:latin typeface="Consolas" panose="020B0609020204030204" pitchFamily="49" charset="0"/>
+              </a:rPr>
+              <a:t> </a:t>
+            </a:r>
+            <a:r>
+              <a:rPr lang="en-US" sz="2000" b="0" dirty="0" err="1">
+                <a:solidFill>
+                  <a:srgbClr val="267F99"/>
+                </a:solidFill>
+                <a:effectLst/>
+                <a:latin typeface="Consolas" panose="020B0609020204030204" pitchFamily="49" charset="0"/>
+              </a:rPr>
+              <a:t>ICakeContext</a:t>
+            </a:r>
+            <a:r>
+              <a:rPr lang="en-US" sz="2000" b="0" dirty="0">
+                <a:solidFill>
+                  <a:srgbClr val="000000"/>
+                </a:solidFill>
+                <a:effectLst/>
+                <a:latin typeface="Consolas" panose="020B0609020204030204" pitchFamily="49" charset="0"/>
+              </a:rPr>
+              <a:t> </a:t>
+            </a:r>
+            <a:r>
+              <a:rPr lang="en-US" sz="2000" b="0" dirty="0">
+                <a:solidFill>
+                  <a:srgbClr val="001080"/>
+                </a:solidFill>
+                <a:effectLst/>
+                <a:latin typeface="Consolas" panose="020B0609020204030204" pitchFamily="49" charset="0"/>
+              </a:rPr>
+              <a:t>context</a:t>
+            </a:r>
+            <a:r>
+              <a:rPr lang="en-US" sz="2000" b="0" dirty="0">
+                <a:solidFill>
+                  <a:srgbClr val="222222"/>
+                </a:solidFill>
+                <a:effectLst/>
+                <a:latin typeface="Consolas" panose="020B0609020204030204" pitchFamily="49" charset="0"/>
+              </a:rPr>
+              <a:t>)</a:t>
+            </a:r>
+            <a:endParaRPr lang="en-US" sz="2000" b="0" dirty="0">
+              <a:solidFill>
+                <a:srgbClr val="000000"/>
+              </a:solidFill>
+              <a:effectLst/>
+              <a:latin typeface="Consolas" panose="020B0609020204030204" pitchFamily="49" charset="0"/>
+            </a:endParaRPr>
+          </a:p>
+          <a:p>
+            <a:pPr marL="0" indent="0">
+              <a:buNone/>
+            </a:pPr>
+            <a:r>
+              <a:rPr lang="en-US" sz="2000" b="0" dirty="0">
+                <a:solidFill>
+                  <a:srgbClr val="222222"/>
+                </a:solidFill>
+                <a:effectLst/>
+                <a:latin typeface="Consolas" panose="020B0609020204030204" pitchFamily="49" charset="0"/>
+              </a:rPr>
+              <a:t>{</a:t>
+            </a:r>
+            <a:endParaRPr lang="en-US" sz="2000" b="0" dirty="0">
+              <a:solidFill>
+                <a:srgbClr val="000000"/>
+              </a:solidFill>
+              <a:effectLst/>
+              <a:latin typeface="Consolas" panose="020B0609020204030204" pitchFamily="49" charset="0"/>
+            </a:endParaRPr>
+          </a:p>
+          <a:p>
+            <a:pPr marL="0" indent="0">
+              <a:buNone/>
+            </a:pPr>
+            <a:r>
+              <a:rPr lang="en-US" sz="2000" b="0" dirty="0">
+                <a:solidFill>
+                  <a:srgbClr val="000000"/>
+                </a:solidFill>
+                <a:effectLst/>
+                <a:latin typeface="Consolas" panose="020B0609020204030204" pitchFamily="49" charset="0"/>
+              </a:rPr>
+              <a:t>    </a:t>
+            </a:r>
+            <a:r>
+              <a:rPr lang="en-US" sz="2000" b="0" dirty="0">
+                <a:solidFill>
+                  <a:srgbClr val="AF00DB"/>
+                </a:solidFill>
+                <a:effectLst/>
+                <a:latin typeface="Consolas" panose="020B0609020204030204" pitchFamily="49" charset="0"/>
+              </a:rPr>
+              <a:t>return</a:t>
+            </a:r>
+            <a:r>
+              <a:rPr lang="en-US" sz="2000" b="0" dirty="0">
+                <a:solidFill>
+                  <a:srgbClr val="000000"/>
+                </a:solidFill>
+                <a:effectLst/>
+                <a:latin typeface="Consolas" panose="020B0609020204030204" pitchFamily="49" charset="0"/>
+              </a:rPr>
+              <a:t> </a:t>
+            </a:r>
+            <a:r>
+              <a:rPr lang="en-US" sz="2000" b="0" dirty="0">
+                <a:solidFill>
+                  <a:srgbClr val="098658"/>
+                </a:solidFill>
+                <a:effectLst/>
+                <a:latin typeface="Consolas" panose="020B0609020204030204" pitchFamily="49" charset="0"/>
+              </a:rPr>
+              <a:t>42</a:t>
+            </a:r>
+            <a:r>
+              <a:rPr lang="en-US" sz="2000" b="0" dirty="0">
+                <a:solidFill>
+                  <a:srgbClr val="222222"/>
+                </a:solidFill>
+                <a:effectLst/>
+                <a:latin typeface="Consolas" panose="020B0609020204030204" pitchFamily="49" charset="0"/>
+              </a:rPr>
+              <a:t>;</a:t>
+            </a:r>
+            <a:endParaRPr lang="en-US" sz="2000" b="0" dirty="0">
+              <a:solidFill>
+                <a:srgbClr val="000000"/>
+              </a:solidFill>
+              <a:effectLst/>
+              <a:latin typeface="Consolas" panose="020B0609020204030204" pitchFamily="49" charset="0"/>
+            </a:endParaRPr>
+          </a:p>
+          <a:p>
+            <a:pPr marL="0" indent="0">
+              <a:buNone/>
+            </a:pPr>
+            <a:r>
+              <a:rPr lang="en-US" sz="2000" b="0" dirty="0">
+                <a:solidFill>
+                  <a:srgbClr val="222222"/>
+                </a:solidFill>
+                <a:effectLst/>
+                <a:latin typeface="Consolas" panose="020B0609020204030204" pitchFamily="49" charset="0"/>
+              </a:rPr>
+              <a:t>}</a:t>
+            </a:r>
+            <a:endParaRPr lang="en-US" sz="2000" b="0" dirty="0">
+              <a:solidFill>
+                <a:srgbClr val="000000"/>
+              </a:solidFill>
+              <a:effectLst/>
+              <a:latin typeface="Consolas" panose="020B0609020204030204" pitchFamily="49" charset="0"/>
+            </a:endParaRPr>
           </a:p>
           <a:p>
             <a:pPr lvl="1"/>
-            <a:r>
-              <a:rPr lang="fr-FR" dirty="0"/>
-              <a:t>Importation d'espaces de noms</a:t>
-            </a:r>
-          </a:p>
-          <a:p>
-            <a:pPr lvl="1"/>
-            <a:r>
-              <a:rPr lang="fr-FR" dirty="0"/>
-              <a:t>Utilisation du complément</a:t>
-            </a:r>
+            <a:endParaRPr lang="fr-FR" dirty="0"/>
           </a:p>
         </p:txBody>
       </p:sp>
     </p:spTree>
     <p:extLst>
       <p:ext uri="{BB962C8B-B14F-4D97-AF65-F5344CB8AC3E}">
-        <p14:creationId xmlns:p14="http://schemas.microsoft.com/office/powerpoint/2010/main" val="3345407838"/>
+        <p14:creationId xmlns:p14="http://schemas.microsoft.com/office/powerpoint/2010/main" val="3730043413"/>
       </p:ext>
     </p:extLst>
   </p:cSld>

--- a/JEDI/Jedi Novembre 2022.pptx
+++ b/JEDI/Jedi Novembre 2022.pptx
@@ -5,25 +5,26 @@
     <p:sldMasterId id="2147483648" r:id="rId1"/>
   </p:sldMasterIdLst>
   <p:notesMasterIdLst>
-    <p:notesMasterId r:id="rId18"/>
+    <p:notesMasterId r:id="rId19"/>
   </p:notesMasterIdLst>
   <p:sldIdLst>
     <p:sldId id="256" r:id="rId2"/>
-    <p:sldId id="284" r:id="rId3"/>
-    <p:sldId id="325" r:id="rId4"/>
-    <p:sldId id="326" r:id="rId5"/>
-    <p:sldId id="329" r:id="rId6"/>
-    <p:sldId id="334" r:id="rId7"/>
-    <p:sldId id="330" r:id="rId8"/>
-    <p:sldId id="331" r:id="rId9"/>
-    <p:sldId id="335" r:id="rId10"/>
-    <p:sldId id="336" r:id="rId11"/>
-    <p:sldId id="337" r:id="rId12"/>
-    <p:sldId id="332" r:id="rId13"/>
-    <p:sldId id="287" r:id="rId14"/>
-    <p:sldId id="317" r:id="rId15"/>
-    <p:sldId id="309" r:id="rId16"/>
-    <p:sldId id="324" r:id="rId17"/>
+    <p:sldId id="338" r:id="rId3"/>
+    <p:sldId id="284" r:id="rId4"/>
+    <p:sldId id="325" r:id="rId5"/>
+    <p:sldId id="326" r:id="rId6"/>
+    <p:sldId id="329" r:id="rId7"/>
+    <p:sldId id="334" r:id="rId8"/>
+    <p:sldId id="330" r:id="rId9"/>
+    <p:sldId id="331" r:id="rId10"/>
+    <p:sldId id="335" r:id="rId11"/>
+    <p:sldId id="336" r:id="rId12"/>
+    <p:sldId id="337" r:id="rId13"/>
+    <p:sldId id="332" r:id="rId14"/>
+    <p:sldId id="287" r:id="rId15"/>
+    <p:sldId id="317" r:id="rId16"/>
+    <p:sldId id="309" r:id="rId17"/>
+    <p:sldId id="324" r:id="rId18"/>
   </p:sldIdLst>
   <p:sldSz cx="12192000" cy="6858000"/>
   <p:notesSz cx="6808788" cy="9940925"/>
@@ -667,7 +668,7 @@
           <a:p>
             <a:fld id="{4598F146-7604-4A0A-9163-4165E53DBBD7}" type="slidenum">
               <a:rPr lang="fr-FR" smtClean="0"/>
-              <a:t>2</a:t>
+              <a:t>3</a:t>
             </a:fld>
             <a:endParaRPr lang="fr-FR"/>
           </a:p>
@@ -751,7 +752,7 @@
           <a:p>
             <a:fld id="{4598F146-7604-4A0A-9163-4165E53DBBD7}" type="slidenum">
               <a:rPr lang="fr-FR" smtClean="0"/>
-              <a:t>14</a:t>
+              <a:t>15</a:t>
             </a:fld>
             <a:endParaRPr lang="fr-FR"/>
           </a:p>
@@ -1423,7 +1424,7 @@
           <a:p>
             <a:fld id="{4598F146-7604-4A0A-9163-4165E53DBBD7}" type="slidenum">
               <a:rPr lang="fr-FR" smtClean="0"/>
-              <a:t>3</a:t>
+              <a:t>4</a:t>
             </a:fld>
             <a:endParaRPr lang="fr-FR"/>
           </a:p>
@@ -1642,7 +1643,7 @@
           <a:p>
             <a:fld id="{4598F146-7604-4A0A-9163-4165E53DBBD7}" type="slidenum">
               <a:rPr lang="fr-FR" smtClean="0"/>
-              <a:t>4</a:t>
+              <a:t>5</a:t>
             </a:fld>
             <a:endParaRPr lang="fr-FR"/>
           </a:p>
@@ -2267,7 +2268,7 @@
           <a:p>
             <a:fld id="{4598F146-7604-4A0A-9163-4165E53DBBD7}" type="slidenum">
               <a:rPr lang="fr-FR" smtClean="0"/>
-              <a:t>5</a:t>
+              <a:t>6</a:t>
             </a:fld>
             <a:endParaRPr lang="fr-FR"/>
           </a:p>
@@ -2755,7 +2756,7 @@
           <a:p>
             <a:fld id="{4598F146-7604-4A0A-9163-4165E53DBBD7}" type="slidenum">
               <a:rPr lang="fr-FR" smtClean="0"/>
-              <a:t>6</a:t>
+              <a:t>7</a:t>
             </a:fld>
             <a:endParaRPr lang="fr-FR"/>
           </a:p>
@@ -4466,7 +4467,7 @@
           <a:p>
             <a:fld id="{4598F146-7604-4A0A-9163-4165E53DBBD7}" type="slidenum">
               <a:rPr lang="fr-FR" smtClean="0"/>
-              <a:t>7</a:t>
+              <a:t>8</a:t>
             </a:fld>
             <a:endParaRPr lang="fr-FR"/>
           </a:p>
@@ -4733,7 +4734,7 @@
           <a:p>
             <a:fld id="{4598F146-7604-4A0A-9163-4165E53DBBD7}" type="slidenum">
               <a:rPr lang="fr-FR" smtClean="0"/>
-              <a:t>9</a:t>
+              <a:t>10</a:t>
             </a:fld>
             <a:endParaRPr lang="fr-FR"/>
           </a:p>
@@ -4890,7 +4891,7 @@
           <a:p>
             <a:fld id="{4598F146-7604-4A0A-9163-4165E53DBBD7}" type="slidenum">
               <a:rPr lang="fr-FR" smtClean="0"/>
-              <a:t>10</a:t>
+              <a:t>11</a:t>
             </a:fld>
             <a:endParaRPr lang="fr-FR"/>
           </a:p>
@@ -5641,7 +5642,7 @@
           <a:p>
             <a:fld id="{4598F146-7604-4A0A-9163-4165E53DBBD7}" type="slidenum">
               <a:rPr lang="fr-FR" smtClean="0"/>
-              <a:t>12</a:t>
+              <a:t>13</a:t>
             </a:fld>
             <a:endParaRPr lang="fr-FR"/>
           </a:p>
@@ -6777,19 +6778,11 @@
           <a:p>
             <a:r>
               <a:rPr lang="fr-FR" dirty="0"/>
-              <a:t>Extensions - </a:t>
+              <a:t>Extensions - Write custom </a:t>
             </a:r>
             <a:r>
               <a:rPr lang="fr-FR" dirty="0" err="1"/>
-              <a:t>Importing</a:t>
-            </a:r>
-            <a:r>
-              <a:rPr lang="fr-FR" dirty="0"/>
-              <a:t> </a:t>
-            </a:r>
-            <a:r>
-              <a:rPr lang="fr-FR" dirty="0" err="1"/>
-              <a:t>Namespaces</a:t>
+              <a:t>addins</a:t>
             </a:r>
             <a:endParaRPr lang="fr-FR" dirty="0"/>
           </a:p>
@@ -6811,27 +6804,77 @@
             <p:ph idx="1"/>
           </p:nvPr>
         </p:nvSpPr>
-        <p:spPr>
-          <a:xfrm>
-            <a:off x="838200" y="2092325"/>
-            <a:ext cx="10515600" cy="4351338"/>
-          </a:xfrm>
-        </p:spPr>
+        <p:spPr/>
         <p:txBody>
           <a:bodyPr/>
           <a:lstStyle/>
           <a:p>
             <a:r>
               <a:rPr lang="fr-FR" dirty="0"/>
-              <a:t>Importation d'espaces de noms</a:t>
+              <a:t>Écrire des compléments personnalisés</a:t>
             </a:r>
           </a:p>
           <a:p>
             <a:pPr lvl="1"/>
             <a:r>
               <a:rPr lang="fr-FR" dirty="0"/>
-              <a:t>Cake prend en charge l’importation automatique d’espaces de noms avec des attributs</a:t>
-            </a:r>
+              <a:t>Créer un nouveau projet de bibliothèque de classes et ajoutez une référence au package </a:t>
+            </a:r>
+            <a:r>
+              <a:rPr lang="fr-FR" dirty="0" err="1"/>
+              <a:t>Cake.Core</a:t>
+            </a:r>
+            <a:r>
+              <a:rPr lang="fr-FR" dirty="0"/>
+              <a:t> </a:t>
+            </a:r>
+            <a:r>
+              <a:rPr lang="fr-FR" dirty="0" err="1"/>
+              <a:t>NuGet</a:t>
+            </a:r>
+            <a:r>
+              <a:rPr lang="fr-FR" dirty="0"/>
+              <a:t> via le gestionnaire de packages : </a:t>
+            </a:r>
+            <a:r>
+              <a:rPr lang="fr-FR" b="0" dirty="0">
+                <a:solidFill>
+                  <a:srgbClr val="000000"/>
+                </a:solidFill>
+                <a:effectLst/>
+                <a:latin typeface="Consolas" panose="020B0609020204030204" pitchFamily="49" charset="0"/>
+              </a:rPr>
+              <a:t>Install-Package </a:t>
+            </a:r>
+            <a:r>
+              <a:rPr lang="fr-FR" b="0" dirty="0" err="1">
+                <a:solidFill>
+                  <a:srgbClr val="000000"/>
+                </a:solidFill>
+                <a:effectLst/>
+                <a:latin typeface="Consolas" panose="020B0609020204030204" pitchFamily="49" charset="0"/>
+              </a:rPr>
+              <a:t>Cake.Core</a:t>
+            </a:r>
+            <a:endParaRPr lang="fr-FR" b="0" dirty="0">
+              <a:solidFill>
+                <a:srgbClr val="000000"/>
+              </a:solidFill>
+              <a:effectLst/>
+              <a:latin typeface="Consolas" panose="020B0609020204030204" pitchFamily="49" charset="0"/>
+            </a:endParaRPr>
+          </a:p>
+          <a:p>
+            <a:pPr lvl="1"/>
+            <a:r>
+              <a:rPr lang="fr-FR" dirty="0"/>
+              <a:t>Ajoutez la méthode d'alias que vous souhaitez exposer à votre script Cake. Doit être marquée avec l’attribut </a:t>
+            </a:r>
+            <a:r>
+              <a:rPr lang="fr-FR" dirty="0" err="1"/>
+              <a:t>CakeMethodAlias</a:t>
+            </a:r>
+            <a:endParaRPr lang="fr-FR" dirty="0"/>
           </a:p>
           <a:p>
             <a:pPr marL="0" indent="0">
@@ -6840,32 +6883,32 @@
             <a:r>
               <a:rPr lang="en-US" sz="2000" b="0" dirty="0">
                 <a:solidFill>
-                  <a:srgbClr val="008000"/>
-                </a:solidFill>
-                <a:effectLst/>
-                <a:latin typeface="Consolas" panose="020B0609020204030204" pitchFamily="49" charset="0"/>
-              </a:rPr>
-              <a:t>// Imports the </a:t>
+                  <a:srgbClr val="222222"/>
+                </a:solidFill>
+                <a:effectLst/>
+                <a:latin typeface="Consolas" panose="020B0609020204030204" pitchFamily="49" charset="0"/>
+              </a:rPr>
+              <a:t>[</a:t>
             </a:r>
             <a:r>
               <a:rPr lang="en-US" sz="2000" b="0" dirty="0" err="1">
                 <a:solidFill>
-                  <a:srgbClr val="008000"/>
-                </a:solidFill>
-                <a:effectLst/>
-                <a:latin typeface="Consolas" panose="020B0609020204030204" pitchFamily="49" charset="0"/>
-              </a:rPr>
-              <a:t>Cake.Common.IO.Paths</a:t>
+                  <a:srgbClr val="267F99"/>
+                </a:solidFill>
+                <a:effectLst/>
+                <a:latin typeface="Consolas" panose="020B0609020204030204" pitchFamily="49" charset="0"/>
+              </a:rPr>
+              <a:t>CakePropertyAlias</a:t>
             </a:r>
             <a:r>
               <a:rPr lang="en-US" sz="2000" b="0" dirty="0">
                 <a:solidFill>
-                  <a:srgbClr val="008000"/>
-                </a:solidFill>
-                <a:effectLst/>
-                <a:latin typeface="Consolas" panose="020B0609020204030204" pitchFamily="49" charset="0"/>
-              </a:rPr>
-              <a:t> namespace into the Cake script for any alias method used in the class.</a:t>
+                  <a:srgbClr val="222222"/>
+                </a:solidFill>
+                <a:effectLst/>
+                <a:latin typeface="Consolas" panose="020B0609020204030204" pitchFamily="49" charset="0"/>
+              </a:rPr>
+              <a:t>]</a:t>
             </a:r>
             <a:endParaRPr lang="en-US" sz="2000" b="0" dirty="0">
               <a:solidFill>
@@ -6882,12 +6925,102 @@
             <a:r>
               <a:rPr lang="en-US" sz="2000" b="0" dirty="0">
                 <a:solidFill>
+                  <a:srgbClr val="0000FF"/>
+                </a:solidFill>
+                <a:effectLst/>
+                <a:latin typeface="Consolas" panose="020B0609020204030204" pitchFamily="49" charset="0"/>
+              </a:rPr>
+              <a:t>public</a:t>
+            </a:r>
+            <a:r>
+              <a:rPr lang="en-US" sz="2000" b="0" dirty="0">
+                <a:solidFill>
+                  <a:srgbClr val="000000"/>
+                </a:solidFill>
+                <a:effectLst/>
+                <a:latin typeface="Consolas" panose="020B0609020204030204" pitchFamily="49" charset="0"/>
+              </a:rPr>
+              <a:t> </a:t>
+            </a:r>
+            <a:r>
+              <a:rPr lang="en-US" sz="2000" b="0" dirty="0">
+                <a:solidFill>
+                  <a:srgbClr val="0000FF"/>
+                </a:solidFill>
+                <a:effectLst/>
+                <a:latin typeface="Consolas" panose="020B0609020204030204" pitchFamily="49" charset="0"/>
+              </a:rPr>
+              <a:t>static</a:t>
+            </a:r>
+            <a:r>
+              <a:rPr lang="en-US" sz="2000" b="0" dirty="0">
+                <a:solidFill>
+                  <a:srgbClr val="000000"/>
+                </a:solidFill>
+                <a:effectLst/>
+                <a:latin typeface="Consolas" panose="020B0609020204030204" pitchFamily="49" charset="0"/>
+              </a:rPr>
+              <a:t> </a:t>
+            </a:r>
+            <a:r>
+              <a:rPr lang="en-US" sz="2000" b="0" dirty="0">
+                <a:solidFill>
+                  <a:srgbClr val="0000FF"/>
+                </a:solidFill>
+                <a:effectLst/>
+                <a:latin typeface="Consolas" panose="020B0609020204030204" pitchFamily="49" charset="0"/>
+              </a:rPr>
+              <a:t>int</a:t>
+            </a:r>
+            <a:r>
+              <a:rPr lang="en-US" sz="2000" b="0" dirty="0">
+                <a:solidFill>
+                  <a:srgbClr val="000000"/>
+                </a:solidFill>
+                <a:effectLst/>
+                <a:latin typeface="Consolas" panose="020B0609020204030204" pitchFamily="49" charset="0"/>
+              </a:rPr>
+              <a:t> </a:t>
+            </a:r>
+            <a:r>
+              <a:rPr lang="en-US" sz="2000" b="0" dirty="0" err="1">
+                <a:solidFill>
+                  <a:srgbClr val="795E26"/>
+                </a:solidFill>
+                <a:effectLst/>
+                <a:latin typeface="Consolas" panose="020B0609020204030204" pitchFamily="49" charset="0"/>
+              </a:rPr>
+              <a:t>TheAnswerToLife</a:t>
+            </a:r>
+            <a:r>
+              <a:rPr lang="en-US" sz="2000" b="0" dirty="0">
+                <a:solidFill>
                   <a:srgbClr val="222222"/>
                 </a:solidFill>
                 <a:effectLst/>
                 <a:latin typeface="Consolas" panose="020B0609020204030204" pitchFamily="49" charset="0"/>
               </a:rPr>
-              <a:t>[</a:t>
+              <a:t>(</a:t>
+            </a:r>
+            <a:r>
+              <a:rPr lang="en-US" sz="2000" b="0" dirty="0">
+                <a:solidFill>
+                  <a:srgbClr val="0000FF"/>
+                </a:solidFill>
+                <a:effectLst/>
+                <a:latin typeface="Consolas" panose="020B0609020204030204" pitchFamily="49" charset="0"/>
+              </a:rPr>
+              <a:t>this</a:t>
+            </a:r>
+            <a:r>
+              <a:rPr lang="en-US" sz="2000" b="0" dirty="0">
+                <a:solidFill>
+                  <a:srgbClr val="000000"/>
+                </a:solidFill>
+                <a:effectLst/>
+                <a:latin typeface="Consolas" panose="020B0609020204030204" pitchFamily="49" charset="0"/>
+              </a:rPr>
+              <a:t> </a:t>
             </a:r>
             <a:r>
               <a:rPr lang="en-US" sz="2000" b="0" dirty="0" err="1">
@@ -6897,57 +7030,37 @@
                 <a:effectLst/>
                 <a:latin typeface="Consolas" panose="020B0609020204030204" pitchFamily="49" charset="0"/>
               </a:rPr>
-              <a:t>CakeNamespaceImport</a:t>
+              <a:t>ICakeContext</a:t>
             </a:r>
             <a:r>
               <a:rPr lang="en-US" sz="2000" b="0" dirty="0">
                 <a:solidFill>
+                  <a:srgbClr val="000000"/>
+                </a:solidFill>
+                <a:effectLst/>
+                <a:latin typeface="Consolas" panose="020B0609020204030204" pitchFamily="49" charset="0"/>
+              </a:rPr>
+              <a:t> </a:t>
+            </a:r>
+            <a:r>
+              <a:rPr lang="en-US" sz="2000" b="0" dirty="0">
+                <a:solidFill>
+                  <a:srgbClr val="001080"/>
+                </a:solidFill>
+                <a:effectLst/>
+                <a:latin typeface="Consolas" panose="020B0609020204030204" pitchFamily="49" charset="0"/>
+              </a:rPr>
+              <a:t>context</a:t>
+            </a:r>
+            <a:r>
+              <a:rPr lang="en-US" sz="2000" b="0" dirty="0">
+                <a:solidFill>
                   <a:srgbClr val="222222"/>
                 </a:solidFill>
                 <a:effectLst/>
                 <a:latin typeface="Consolas" panose="020B0609020204030204" pitchFamily="49" charset="0"/>
               </a:rPr>
-              <a:t>(</a:t>
-            </a:r>
-            <a:r>
-              <a:rPr lang="en-US" sz="2000" b="0" dirty="0">
-                <a:solidFill>
-                  <a:srgbClr val="A31515"/>
-                </a:solidFill>
-                <a:effectLst/>
-                <a:latin typeface="Consolas" panose="020B0609020204030204" pitchFamily="49" charset="0"/>
-              </a:rPr>
-              <a:t>"</a:t>
-            </a:r>
-            <a:r>
-              <a:rPr lang="en-US" sz="2000" b="0" dirty="0" err="1">
-                <a:solidFill>
-                  <a:srgbClr val="A31515"/>
-                </a:solidFill>
-                <a:effectLst/>
-                <a:latin typeface="Consolas" panose="020B0609020204030204" pitchFamily="49" charset="0"/>
-              </a:rPr>
-              <a:t>Cake.Common.IO.Paths</a:t>
-            </a:r>
-            <a:r>
-              <a:rPr lang="en-US" sz="2000" b="0" dirty="0">
-                <a:solidFill>
-                  <a:srgbClr val="A31515"/>
-                </a:solidFill>
-                <a:effectLst/>
-                <a:latin typeface="Consolas" panose="020B0609020204030204" pitchFamily="49" charset="0"/>
-              </a:rPr>
-              <a:t>"</a:t>
-            </a:r>
-            <a:r>
-              <a:rPr lang="en-US" sz="2000" b="0" dirty="0">
-                <a:solidFill>
-                  <a:srgbClr val="222222"/>
-                </a:solidFill>
-                <a:effectLst/>
-                <a:latin typeface="Consolas" panose="020B0609020204030204" pitchFamily="49" charset="0"/>
-              </a:rPr>
-              <a:t>)]</a:t>
+              <a:t>)</a:t>
             </a:r>
             <a:endParaRPr lang="en-US" sz="2000" b="0" dirty="0">
               <a:solidFill>
@@ -6964,72 +7077,12 @@
             <a:r>
               <a:rPr lang="en-US" sz="2000" b="0" dirty="0">
                 <a:solidFill>
-                  <a:srgbClr val="0000FF"/>
-                </a:solidFill>
-                <a:effectLst/>
-                <a:latin typeface="Consolas" panose="020B0609020204030204" pitchFamily="49" charset="0"/>
-              </a:rPr>
-              <a:t>public</a:t>
-            </a:r>
-            <a:r>
-              <a:rPr lang="en-US" sz="2000" b="0" dirty="0">
-                <a:solidFill>
-                  <a:srgbClr val="000000"/>
-                </a:solidFill>
-                <a:effectLst/>
-                <a:latin typeface="Consolas" panose="020B0609020204030204" pitchFamily="49" charset="0"/>
-              </a:rPr>
-              <a:t> </a:t>
-            </a:r>
-            <a:r>
-              <a:rPr lang="en-US" sz="2000" b="0" dirty="0">
-                <a:solidFill>
-                  <a:srgbClr val="0000FF"/>
-                </a:solidFill>
-                <a:effectLst/>
-                <a:latin typeface="Consolas" panose="020B0609020204030204" pitchFamily="49" charset="0"/>
-              </a:rPr>
-              <a:t>static</a:t>
-            </a:r>
-            <a:r>
-              <a:rPr lang="en-US" sz="2000" b="0" dirty="0">
-                <a:solidFill>
-                  <a:srgbClr val="000000"/>
-                </a:solidFill>
-                <a:effectLst/>
-                <a:latin typeface="Consolas" panose="020B0609020204030204" pitchFamily="49" charset="0"/>
-              </a:rPr>
-              <a:t> </a:t>
-            </a:r>
-            <a:r>
-              <a:rPr lang="en-US" sz="2000" b="0" dirty="0">
-                <a:solidFill>
-                  <a:srgbClr val="0000FF"/>
-                </a:solidFill>
-                <a:effectLst/>
-                <a:latin typeface="Consolas" panose="020B0609020204030204" pitchFamily="49" charset="0"/>
-              </a:rPr>
-              <a:t>class</a:t>
-            </a:r>
-            <a:r>
-              <a:rPr lang="en-US" sz="2000" b="0" dirty="0">
-                <a:solidFill>
-                  <a:srgbClr val="000000"/>
-                </a:solidFill>
-                <a:effectLst/>
-                <a:latin typeface="Consolas" panose="020B0609020204030204" pitchFamily="49" charset="0"/>
-              </a:rPr>
-              <a:t> </a:t>
-            </a:r>
-            <a:r>
-              <a:rPr lang="en-US" sz="2000" b="0" dirty="0" err="1">
-                <a:solidFill>
-                  <a:srgbClr val="267F99"/>
-                </a:solidFill>
-                <a:effectLst/>
-                <a:latin typeface="Consolas" panose="020B0609020204030204" pitchFamily="49" charset="0"/>
-              </a:rPr>
-              <a:t>DirectoryAliases</a:t>
+                  <a:srgbClr val="222222"/>
+                </a:solidFill>
+                <a:effectLst/>
+                <a:latin typeface="Consolas" panose="020B0609020204030204" pitchFamily="49" charset="0"/>
+              </a:rPr>
+              <a:t>{</a:t>
             </a:r>
             <a:endParaRPr lang="en-US" sz="2000" b="0" dirty="0">
               <a:solidFill>
@@ -7046,32 +7099,52 @@
             <a:r>
               <a:rPr lang="en-US" sz="2000" b="0" dirty="0">
                 <a:solidFill>
+                  <a:srgbClr val="000000"/>
+                </a:solidFill>
+                <a:effectLst/>
+                <a:latin typeface="Consolas" panose="020B0609020204030204" pitchFamily="49" charset="0"/>
+              </a:rPr>
+              <a:t>    </a:t>
+            </a:r>
+            <a:r>
+              <a:rPr lang="en-US" sz="2000" b="0" dirty="0">
+                <a:solidFill>
+                  <a:srgbClr val="AF00DB"/>
+                </a:solidFill>
+                <a:effectLst/>
+                <a:latin typeface="Consolas" panose="020B0609020204030204" pitchFamily="49" charset="0"/>
+              </a:rPr>
+              <a:t>return</a:t>
+            </a:r>
+            <a:r>
+              <a:rPr lang="en-US" sz="2000" b="0" dirty="0">
+                <a:solidFill>
+                  <a:srgbClr val="000000"/>
+                </a:solidFill>
+                <a:effectLst/>
+                <a:latin typeface="Consolas" panose="020B0609020204030204" pitchFamily="49" charset="0"/>
+              </a:rPr>
+              <a:t> </a:t>
+            </a:r>
+            <a:r>
+              <a:rPr lang="en-US" sz="2000" b="0" dirty="0">
+                <a:solidFill>
+                  <a:srgbClr val="098658"/>
+                </a:solidFill>
+                <a:effectLst/>
+                <a:latin typeface="Consolas" panose="020B0609020204030204" pitchFamily="49" charset="0"/>
+              </a:rPr>
+              <a:t>42</a:t>
+            </a:r>
+            <a:r>
+              <a:rPr lang="en-US" sz="2000" b="0" dirty="0">
+                <a:solidFill>
                   <a:srgbClr val="222222"/>
                 </a:solidFill>
                 <a:effectLst/>
                 <a:latin typeface="Consolas" panose="020B0609020204030204" pitchFamily="49" charset="0"/>
               </a:rPr>
-              <a:t>{</a:t>
-            </a:r>
-            <a:r>
-              <a:rPr lang="en-US" sz="2000" b="0" dirty="0">
-                <a:solidFill>
-                  <a:srgbClr val="000000"/>
-                </a:solidFill>
-                <a:effectLst/>
-                <a:latin typeface="Consolas" panose="020B0609020204030204" pitchFamily="49" charset="0"/>
-              </a:rPr>
-              <a:t>...</a:t>
-            </a:r>
-            <a:r>
-              <a:rPr lang="en-US" sz="2000" b="0" dirty="0">
-                <a:solidFill>
-                  <a:srgbClr val="222222"/>
-                </a:solidFill>
-                <a:effectLst/>
-                <a:latin typeface="Consolas" panose="020B0609020204030204" pitchFamily="49" charset="0"/>
-              </a:rPr>
-              <a:t>}</a:t>
+              <a:t>;</a:t>
             </a:r>
             <a:endParaRPr lang="en-US" sz="2000" b="0" dirty="0">
               <a:solidFill>
@@ -7085,6 +7158,26 @@
             <a:pPr marL="0" indent="0">
               <a:buNone/>
             </a:pPr>
+            <a:r>
+              <a:rPr lang="en-US" sz="2000" b="0" dirty="0">
+                <a:solidFill>
+                  <a:srgbClr val="222222"/>
+                </a:solidFill>
+                <a:effectLst/>
+                <a:latin typeface="Consolas" panose="020B0609020204030204" pitchFamily="49" charset="0"/>
+              </a:rPr>
+              <a:t>}</a:t>
+            </a:r>
+            <a:endParaRPr lang="en-US" sz="2000" b="0" dirty="0">
+              <a:solidFill>
+                <a:srgbClr val="000000"/>
+              </a:solidFill>
+              <a:effectLst/>
+              <a:latin typeface="Consolas" panose="020B0609020204030204" pitchFamily="49" charset="0"/>
+            </a:endParaRPr>
+          </a:p>
+          <a:p>
+            <a:pPr lvl="1"/>
             <a:endParaRPr lang="fr-FR" dirty="0"/>
           </a:p>
         </p:txBody>
@@ -7092,7 +7185,7 @@
     </p:spTree>
     <p:extLst>
       <p:ext uri="{BB962C8B-B14F-4D97-AF65-F5344CB8AC3E}">
-        <p14:creationId xmlns:p14="http://schemas.microsoft.com/office/powerpoint/2010/main" val="3751706799"/>
+        <p14:creationId xmlns:p14="http://schemas.microsoft.com/office/powerpoint/2010/main" val="3730043413"/>
       </p:ext>
     </p:extLst>
   </p:cSld>
@@ -7146,15 +7239,15 @@
             </a:r>
             <a:r>
               <a:rPr lang="fr-FR" dirty="0" err="1"/>
-              <a:t>Using</a:t>
+              <a:t>Importing</a:t>
             </a:r>
             <a:r>
               <a:rPr lang="fr-FR" dirty="0"/>
-              <a:t> the </a:t>
+              <a:t> </a:t>
             </a:r>
             <a:r>
               <a:rPr lang="fr-FR" dirty="0" err="1"/>
-              <a:t>addin</a:t>
+              <a:t>Namespaces</a:t>
             </a:r>
             <a:endParaRPr lang="fr-FR" dirty="0"/>
           </a:p>
@@ -7176,29 +7269,26 @@
             <p:ph idx="1"/>
           </p:nvPr>
         </p:nvSpPr>
-        <p:spPr/>
+        <p:spPr>
+          <a:xfrm>
+            <a:off x="838200" y="2092325"/>
+            <a:ext cx="10515600" cy="4351338"/>
+          </a:xfrm>
+        </p:spPr>
         <p:txBody>
           <a:bodyPr/>
           <a:lstStyle/>
           <a:p>
             <a:r>
               <a:rPr lang="fr-FR" dirty="0"/>
-              <a:t>Utilisation du complément</a:t>
+              <a:t>Importation d'espaces de noms</a:t>
             </a:r>
           </a:p>
           <a:p>
             <a:pPr lvl="1"/>
             <a:r>
               <a:rPr lang="fr-FR" dirty="0"/>
-              <a:t>Compilez l'</a:t>
-            </a:r>
-            <a:r>
-              <a:rPr lang="fr-FR" dirty="0" err="1"/>
-              <a:t>assembly</a:t>
-            </a:r>
-            <a:r>
-              <a:rPr lang="fr-FR" dirty="0"/>
-              <a:t> et ajoutez-y une référence dans le script de construction via la directive #r.</a:t>
+              <a:t>Cake prend en charge l’importation automatique d’espaces de noms avec des attributs</a:t>
             </a:r>
           </a:p>
           <a:p>
@@ -7206,129 +7296,34 @@
               <a:buNone/>
             </a:pPr>
             <a:r>
-              <a:rPr lang="fr-FR" sz="2000" b="0" dirty="0">
-                <a:solidFill>
-                  <a:srgbClr val="222222"/>
-                </a:solidFill>
-                <a:effectLst/>
-                <a:latin typeface="Consolas" panose="020B0609020204030204" pitchFamily="49" charset="0"/>
-              </a:rPr>
-              <a:t>#</a:t>
-            </a:r>
-            <a:r>
-              <a:rPr lang="fr-FR" sz="2000" b="0" dirty="0">
-                <a:solidFill>
-                  <a:srgbClr val="808080"/>
-                </a:solidFill>
-                <a:effectLst/>
-                <a:latin typeface="Consolas" panose="020B0609020204030204" pitchFamily="49" charset="0"/>
-              </a:rPr>
-              <a:t>r</a:t>
-            </a:r>
-            <a:r>
-              <a:rPr lang="fr-FR" sz="2000" b="0" dirty="0">
-                <a:solidFill>
-                  <a:srgbClr val="0000FF"/>
-                </a:solidFill>
-                <a:effectLst/>
-                <a:latin typeface="Consolas" panose="020B0609020204030204" pitchFamily="49" charset="0"/>
-              </a:rPr>
-              <a:t> </a:t>
-            </a:r>
-            <a:r>
-              <a:rPr lang="fr-FR" sz="2000" b="0" dirty="0">
-                <a:solidFill>
-                  <a:srgbClr val="A31515"/>
-                </a:solidFill>
-                <a:effectLst/>
-                <a:latin typeface="Consolas" panose="020B0609020204030204" pitchFamily="49" charset="0"/>
-              </a:rPr>
-              <a:t>"</a:t>
-            </a:r>
-            <a:r>
-              <a:rPr lang="fr-FR" sz="2000" b="0" dirty="0" err="1">
-                <a:solidFill>
-                  <a:srgbClr val="A31515"/>
-                </a:solidFill>
-                <a:effectLst/>
-                <a:latin typeface="Consolas" panose="020B0609020204030204" pitchFamily="49" charset="0"/>
-              </a:rPr>
-              <a:t>tools</a:t>
-            </a:r>
-            <a:r>
-              <a:rPr lang="fr-FR" sz="2000" b="0" dirty="0">
-                <a:solidFill>
-                  <a:srgbClr val="A31515"/>
-                </a:solidFill>
-                <a:effectLst/>
-                <a:latin typeface="Consolas" panose="020B0609020204030204" pitchFamily="49" charset="0"/>
-              </a:rPr>
-              <a:t>/MyCakeExtension.dll« </a:t>
-            </a:r>
-          </a:p>
-          <a:p>
-            <a:pPr marL="0" indent="0">
-              <a:buNone/>
-            </a:pPr>
-            <a:r>
               <a:rPr lang="en-US" sz="2000" b="0" dirty="0">
                 <a:solidFill>
-                  <a:srgbClr val="795E26"/>
-                </a:solidFill>
-                <a:effectLst/>
-                <a:latin typeface="Consolas" panose="020B0609020204030204" pitchFamily="49" charset="0"/>
-              </a:rPr>
-              <a:t>Task</a:t>
+                  <a:srgbClr val="008000"/>
+                </a:solidFill>
+                <a:effectLst/>
+                <a:latin typeface="Consolas" panose="020B0609020204030204" pitchFamily="49" charset="0"/>
+              </a:rPr>
+              <a:t>// Imports the </a:t>
+            </a:r>
+            <a:r>
+              <a:rPr lang="en-US" sz="2000" b="0" dirty="0" err="1">
+                <a:solidFill>
+                  <a:srgbClr val="008000"/>
+                </a:solidFill>
+                <a:effectLst/>
+                <a:latin typeface="Consolas" panose="020B0609020204030204" pitchFamily="49" charset="0"/>
+              </a:rPr>
+              <a:t>Cake.Common.IO.Paths</a:t>
             </a:r>
             <a:r>
               <a:rPr lang="en-US" sz="2000" b="0" dirty="0">
                 <a:solidFill>
-                  <a:srgbClr val="222222"/>
-                </a:solidFill>
-                <a:effectLst/>
-                <a:latin typeface="Consolas" panose="020B0609020204030204" pitchFamily="49" charset="0"/>
-              </a:rPr>
-              <a:t>(</a:t>
-            </a:r>
-            <a:r>
-              <a:rPr lang="en-US" sz="2000" b="0" dirty="0">
-                <a:solidFill>
-                  <a:srgbClr val="A31515"/>
-                </a:solidFill>
-                <a:effectLst/>
-                <a:latin typeface="Consolas" panose="020B0609020204030204" pitchFamily="49" charset="0"/>
-              </a:rPr>
-              <a:t>"</a:t>
-            </a:r>
-            <a:r>
-              <a:rPr lang="en-US" sz="2000" b="0" dirty="0" err="1">
-                <a:solidFill>
-                  <a:srgbClr val="A31515"/>
-                </a:solidFill>
-                <a:effectLst/>
-                <a:latin typeface="Consolas" panose="020B0609020204030204" pitchFamily="49" charset="0"/>
-              </a:rPr>
-              <a:t>GetSomeAnswers</a:t>
-            </a:r>
-            <a:r>
-              <a:rPr lang="en-US" sz="2000" b="0" dirty="0">
-                <a:solidFill>
-                  <a:srgbClr val="A31515"/>
-                </a:solidFill>
-                <a:effectLst/>
-                <a:latin typeface="Consolas" panose="020B0609020204030204" pitchFamily="49" charset="0"/>
-              </a:rPr>
-              <a:t>"</a:t>
-            </a:r>
-            <a:r>
-              <a:rPr lang="en-US" sz="2000" b="0" dirty="0">
-                <a:solidFill>
-                  <a:srgbClr val="222222"/>
-                </a:solidFill>
-                <a:effectLst/>
-                <a:latin typeface="Consolas" panose="020B0609020204030204" pitchFamily="49" charset="0"/>
-              </a:rPr>
-              <a:t>)</a:t>
+                  <a:srgbClr val="008000"/>
+                </a:solidFill>
+                <a:effectLst/>
+                <a:latin typeface="Consolas" panose="020B0609020204030204" pitchFamily="49" charset="0"/>
+              </a:rPr>
+              <a:t> namespace into the Cake script for any alias method used in the class.</a:t>
             </a:r>
             <a:endParaRPr lang="en-US" sz="2000" b="0" dirty="0">
               <a:solidFill>
@@ -7345,12 +7340,22 @@
             <a:r>
               <a:rPr lang="en-US" sz="2000" b="0" dirty="0">
                 <a:solidFill>
-                  <a:srgbClr val="000000"/>
-                </a:solidFill>
-                <a:effectLst/>
-                <a:latin typeface="Consolas" panose="020B0609020204030204" pitchFamily="49" charset="0"/>
-              </a:rPr>
-              <a:t>    </a:t>
+                  <a:srgbClr val="222222"/>
+                </a:solidFill>
+                <a:effectLst/>
+                <a:latin typeface="Consolas" panose="020B0609020204030204" pitchFamily="49" charset="0"/>
+              </a:rPr>
+              <a:t>[</a:t>
+            </a:r>
+            <a:r>
+              <a:rPr lang="en-US" sz="2000" b="0" dirty="0" err="1">
+                <a:solidFill>
+                  <a:srgbClr val="267F99"/>
+                </a:solidFill>
+                <a:effectLst/>
+                <a:latin typeface="Consolas" panose="020B0609020204030204" pitchFamily="49" charset="0"/>
+              </a:rPr>
+              <a:t>CakeNamespaceImport</a:t>
             </a:r>
             <a:r>
               <a:rPr lang="en-US" sz="2000" b="0" dirty="0">
@@ -7360,52 +7365,47 @@
                 <a:effectLst/>
                 <a:latin typeface="Consolas" panose="020B0609020204030204" pitchFamily="49" charset="0"/>
               </a:rPr>
-              <a:t>.</a:t>
+              <a:t>(</a:t>
             </a:r>
             <a:r>
               <a:rPr lang="en-US" sz="2000" b="0" dirty="0">
                 <a:solidFill>
-                  <a:srgbClr val="795E26"/>
-                </a:solidFill>
-                <a:effectLst/>
-                <a:latin typeface="Consolas" panose="020B0609020204030204" pitchFamily="49" charset="0"/>
-              </a:rPr>
-              <a:t>Does</a:t>
+                  <a:srgbClr val="A31515"/>
+                </a:solidFill>
+                <a:effectLst/>
+                <a:latin typeface="Consolas" panose="020B0609020204030204" pitchFamily="49" charset="0"/>
+              </a:rPr>
+              <a:t>"</a:t>
+            </a:r>
+            <a:r>
+              <a:rPr lang="en-US" sz="2000" b="0" dirty="0" err="1">
+                <a:solidFill>
+                  <a:srgbClr val="A31515"/>
+                </a:solidFill>
+                <a:effectLst/>
+                <a:latin typeface="Consolas" panose="020B0609020204030204" pitchFamily="49" charset="0"/>
+              </a:rPr>
+              <a:t>Cake.Common.IO.Paths</a:t>
             </a:r>
             <a:r>
               <a:rPr lang="en-US" sz="2000" b="0" dirty="0">
                 <a:solidFill>
+                  <a:srgbClr val="A31515"/>
+                </a:solidFill>
+                <a:effectLst/>
+                <a:latin typeface="Consolas" panose="020B0609020204030204" pitchFamily="49" charset="0"/>
+              </a:rPr>
+              <a:t>"</a:t>
+            </a:r>
+            <a:r>
+              <a:rPr lang="en-US" sz="2000" b="0" dirty="0">
+                <a:solidFill>
                   <a:srgbClr val="222222"/>
                 </a:solidFill>
                 <a:effectLst/>
                 <a:latin typeface="Consolas" panose="020B0609020204030204" pitchFamily="49" charset="0"/>
               </a:rPr>
-              <a:t>(()</a:t>
-            </a:r>
-            <a:r>
-              <a:rPr lang="en-US" sz="2000" b="0" dirty="0">
-                <a:solidFill>
-                  <a:srgbClr val="000000"/>
-                </a:solidFill>
-                <a:effectLst/>
-                <a:latin typeface="Consolas" panose="020B0609020204030204" pitchFamily="49" charset="0"/>
-              </a:rPr>
-              <a:t> =&gt;</a:t>
-            </a:r>
-          </a:p>
-          <a:p>
-            <a:pPr marL="0" indent="0">
-              <a:buNone/>
-            </a:pPr>
-            <a:r>
-              <a:rPr lang="en-US" sz="2000" b="0" dirty="0">
-                <a:solidFill>
-                  <a:srgbClr val="222222"/>
-                </a:solidFill>
-                <a:effectLst/>
-                <a:latin typeface="Consolas" panose="020B0609020204030204" pitchFamily="49" charset="0"/>
-              </a:rPr>
-              <a:t>{</a:t>
+              <a:t>)]</a:t>
             </a:r>
             <a:endParaRPr lang="en-US" sz="2000" b="0" dirty="0">
               <a:solidFill>
@@ -7422,22 +7422,72 @@
             <a:r>
               <a:rPr lang="en-US" sz="2000" b="0" dirty="0">
                 <a:solidFill>
-                  <a:srgbClr val="222222"/>
-                </a:solidFill>
-                <a:effectLst/>
-                <a:latin typeface="Consolas" panose="020B0609020204030204" pitchFamily="49" charset="0"/>
-              </a:rPr>
-              <a:t>    </a:t>
+                  <a:srgbClr val="0000FF"/>
+                </a:solidFill>
+                <a:effectLst/>
+                <a:latin typeface="Consolas" panose="020B0609020204030204" pitchFamily="49" charset="0"/>
+              </a:rPr>
+              <a:t>public</a:t>
             </a:r>
             <a:r>
               <a:rPr lang="en-US" sz="2000" b="0" dirty="0">
                 <a:solidFill>
-                  <a:srgbClr val="008000"/>
-                </a:solidFill>
-                <a:effectLst/>
-                <a:latin typeface="Consolas" panose="020B0609020204030204" pitchFamily="49" charset="0"/>
-              </a:rPr>
-              <a:t>// Write the values to the console.</a:t>
+                  <a:srgbClr val="000000"/>
+                </a:solidFill>
+                <a:effectLst/>
+                <a:latin typeface="Consolas" panose="020B0609020204030204" pitchFamily="49" charset="0"/>
+              </a:rPr>
+              <a:t> </a:t>
+            </a:r>
+            <a:r>
+              <a:rPr lang="en-US" sz="2000" b="0" dirty="0">
+                <a:solidFill>
+                  <a:srgbClr val="0000FF"/>
+                </a:solidFill>
+                <a:effectLst/>
+                <a:latin typeface="Consolas" panose="020B0609020204030204" pitchFamily="49" charset="0"/>
+              </a:rPr>
+              <a:t>static</a:t>
+            </a:r>
+            <a:r>
+              <a:rPr lang="en-US" sz="2000" b="0" dirty="0">
+                <a:solidFill>
+                  <a:srgbClr val="000000"/>
+                </a:solidFill>
+                <a:effectLst/>
+                <a:latin typeface="Consolas" panose="020B0609020204030204" pitchFamily="49" charset="0"/>
+              </a:rPr>
+              <a:t> </a:t>
+            </a:r>
+            <a:r>
+              <a:rPr lang="en-US" sz="2000" b="0" dirty="0">
+                <a:solidFill>
+                  <a:srgbClr val="0000FF"/>
+                </a:solidFill>
+                <a:effectLst/>
+                <a:latin typeface="Consolas" panose="020B0609020204030204" pitchFamily="49" charset="0"/>
+              </a:rPr>
+              <a:t>class</a:t>
+            </a:r>
+            <a:r>
+              <a:rPr lang="en-US" sz="2000" b="0" dirty="0">
+                <a:solidFill>
+                  <a:srgbClr val="000000"/>
+                </a:solidFill>
+                <a:effectLst/>
+                <a:latin typeface="Consolas" panose="020B0609020204030204" pitchFamily="49" charset="0"/>
+              </a:rPr>
+              <a:t> </a:t>
+            </a:r>
+            <a:r>
+              <a:rPr lang="en-US" sz="2000" b="0" dirty="0" err="1">
+                <a:solidFill>
+                  <a:srgbClr val="267F99"/>
+                </a:solidFill>
+                <a:effectLst/>
+                <a:latin typeface="Consolas" panose="020B0609020204030204" pitchFamily="49" charset="0"/>
+              </a:rPr>
+              <a:t>DirectoryAliases</a:t>
             </a:r>
             <a:endParaRPr lang="en-US" sz="2000" b="0" dirty="0">
               <a:solidFill>
@@ -7454,22 +7504,22 @@
             <a:r>
               <a:rPr lang="en-US" sz="2000" b="0" dirty="0">
                 <a:solidFill>
-                  <a:srgbClr val="000000"/>
-                </a:solidFill>
-                <a:effectLst/>
-                <a:latin typeface="Consolas" panose="020B0609020204030204" pitchFamily="49" charset="0"/>
-              </a:rPr>
-              <a:t>    </a:t>
+                  <a:srgbClr val="222222"/>
+                </a:solidFill>
+                <a:effectLst/>
+                <a:latin typeface="Consolas" panose="020B0609020204030204" pitchFamily="49" charset="0"/>
+              </a:rPr>
+              <a:t>{</a:t>
             </a:r>
             <a:r>
               <a:rPr lang="en-US" sz="2000" b="0" dirty="0">
                 <a:solidFill>
-                  <a:srgbClr val="795E26"/>
-                </a:solidFill>
-                <a:effectLst/>
-                <a:latin typeface="Consolas" panose="020B0609020204030204" pitchFamily="49" charset="0"/>
-              </a:rPr>
-              <a:t>Information</a:t>
+                  <a:srgbClr val="000000"/>
+                </a:solidFill>
+                <a:effectLst/>
+                <a:latin typeface="Consolas" panose="020B0609020204030204" pitchFamily="49" charset="0"/>
+              </a:rPr>
+              <a:t>...</a:t>
             </a:r>
             <a:r>
               <a:rPr lang="en-US" sz="2000" b="0" dirty="0">
@@ -7479,57 +7529,7 @@
                 <a:effectLst/>
                 <a:latin typeface="Consolas" panose="020B0609020204030204" pitchFamily="49" charset="0"/>
               </a:rPr>
-              <a:t>(</a:t>
-            </a:r>
-            <a:r>
-              <a:rPr lang="en-US" sz="2000" b="0" dirty="0">
-                <a:solidFill>
-                  <a:srgbClr val="A31515"/>
-                </a:solidFill>
-                <a:effectLst/>
-                <a:latin typeface="Consolas" panose="020B0609020204030204" pitchFamily="49" charset="0"/>
-              </a:rPr>
-              <a:t>"The answer to life: {0}"</a:t>
-            </a:r>
-            <a:r>
-              <a:rPr lang="en-US" sz="2000" b="0" dirty="0">
-                <a:solidFill>
-                  <a:srgbClr val="222222"/>
-                </a:solidFill>
-                <a:effectLst/>
-                <a:latin typeface="Consolas" panose="020B0609020204030204" pitchFamily="49" charset="0"/>
-              </a:rPr>
-              <a:t>,</a:t>
-            </a:r>
-            <a:r>
-              <a:rPr lang="en-US" sz="2000" b="0" dirty="0">
-                <a:solidFill>
-                  <a:srgbClr val="000000"/>
-                </a:solidFill>
-                <a:effectLst/>
-                <a:latin typeface="Consolas" panose="020B0609020204030204" pitchFamily="49" charset="0"/>
-              </a:rPr>
-              <a:t> </a:t>
-            </a:r>
-            <a:r>
-              <a:rPr lang="en-US" sz="2000" b="0" dirty="0" err="1">
-                <a:solidFill>
-                  <a:srgbClr val="001080"/>
-                </a:solidFill>
-                <a:effectLst/>
-                <a:latin typeface="Consolas" panose="020B0609020204030204" pitchFamily="49" charset="0"/>
-              </a:rPr>
-              <a:t>TheAnswerToLife</a:t>
-            </a:r>
-            <a:r>
-              <a:rPr lang="en-US" sz="2000" b="0" dirty="0">
-                <a:solidFill>
-                  <a:srgbClr val="222222"/>
-                </a:solidFill>
-                <a:effectLst/>
-                <a:latin typeface="Consolas" panose="020B0609020204030204" pitchFamily="49" charset="0"/>
-              </a:rPr>
-              <a:t>);</a:t>
+              <a:t>}</a:t>
             </a:r>
             <a:endParaRPr lang="en-US" sz="2000" b="0" dirty="0">
               <a:solidFill>
@@ -7543,40 +7543,6 @@
             <a:pPr marL="0" indent="0">
               <a:buNone/>
             </a:pPr>
-            <a:r>
-              <a:rPr lang="en-US" sz="2000" b="0" dirty="0">
-                <a:solidFill>
-                  <a:srgbClr val="222222"/>
-                </a:solidFill>
-                <a:effectLst/>
-                <a:latin typeface="Consolas" panose="020B0609020204030204" pitchFamily="49" charset="0"/>
-              </a:rPr>
-              <a:t>});</a:t>
-            </a:r>
-            <a:endParaRPr lang="en-US" sz="2000" b="0" dirty="0">
-              <a:solidFill>
-                <a:srgbClr val="000000"/>
-              </a:solidFill>
-              <a:effectLst/>
-              <a:latin typeface="Consolas" panose="020B0609020204030204" pitchFamily="49" charset="0"/>
-            </a:endParaRPr>
-          </a:p>
-          <a:p>
-            <a:pPr marL="0" indent="0">
-              <a:buNone/>
-            </a:pPr>
-            <a:endParaRPr lang="fr-FR" b="0" dirty="0">
-              <a:solidFill>
-                <a:srgbClr val="000000"/>
-              </a:solidFill>
-              <a:effectLst/>
-              <a:latin typeface="Consolas" panose="020B0609020204030204" pitchFamily="49" charset="0"/>
-            </a:endParaRPr>
-          </a:p>
-          <a:p>
-            <a:pPr marL="0" indent="0">
-              <a:buNone/>
-            </a:pPr>
             <a:endParaRPr lang="fr-FR" dirty="0"/>
           </a:p>
         </p:txBody>
@@ -7584,7 +7550,7 @@
     </p:spTree>
     <p:extLst>
       <p:ext uri="{BB962C8B-B14F-4D97-AF65-F5344CB8AC3E}">
-        <p14:creationId xmlns:p14="http://schemas.microsoft.com/office/powerpoint/2010/main" val="4191851695"/>
+        <p14:creationId xmlns:p14="http://schemas.microsoft.com/office/powerpoint/2010/main" val="3751706799"/>
       </p:ext>
     </p:extLst>
   </p:cSld>
@@ -7634,8 +7600,21 @@
           <a:p>
             <a:r>
               <a:rPr lang="fr-FR" dirty="0"/>
-              <a:t>Extensions</a:t>
-            </a:r>
+              <a:t>Extensions - </a:t>
+            </a:r>
+            <a:r>
+              <a:rPr lang="fr-FR" dirty="0" err="1"/>
+              <a:t>Using</a:t>
+            </a:r>
+            <a:r>
+              <a:rPr lang="fr-FR" dirty="0"/>
+              <a:t> the </a:t>
+            </a:r>
+            <a:r>
+              <a:rPr lang="fr-FR" dirty="0" err="1"/>
+              <a:t>addin</a:t>
+            </a:r>
+            <a:endParaRPr lang="fr-FR" dirty="0"/>
           </a:p>
         </p:txBody>
       </p:sp>
@@ -7662,6 +7641,485 @@
           <a:p>
             <a:r>
               <a:rPr lang="fr-FR" dirty="0"/>
+              <a:t>Utilisation du complément</a:t>
+            </a:r>
+          </a:p>
+          <a:p>
+            <a:pPr lvl="1"/>
+            <a:r>
+              <a:rPr lang="fr-FR" dirty="0"/>
+              <a:t>Compilez l'</a:t>
+            </a:r>
+            <a:r>
+              <a:rPr lang="fr-FR" dirty="0" err="1"/>
+              <a:t>assembly</a:t>
+            </a:r>
+            <a:r>
+              <a:rPr lang="fr-FR" dirty="0"/>
+              <a:t> et ajoutez-y une référence dans le script de construction via la directive #r.</a:t>
+            </a:r>
+          </a:p>
+          <a:p>
+            <a:pPr marL="0" indent="0">
+              <a:buNone/>
+            </a:pPr>
+            <a:r>
+              <a:rPr lang="fr-FR" sz="2000" b="0" dirty="0">
+                <a:solidFill>
+                  <a:srgbClr val="222222"/>
+                </a:solidFill>
+                <a:effectLst/>
+                <a:latin typeface="Consolas" panose="020B0609020204030204" pitchFamily="49" charset="0"/>
+              </a:rPr>
+              <a:t>#</a:t>
+            </a:r>
+            <a:r>
+              <a:rPr lang="fr-FR" sz="2000" b="0" dirty="0">
+                <a:solidFill>
+                  <a:srgbClr val="808080"/>
+                </a:solidFill>
+                <a:effectLst/>
+                <a:latin typeface="Consolas" panose="020B0609020204030204" pitchFamily="49" charset="0"/>
+              </a:rPr>
+              <a:t>r</a:t>
+            </a:r>
+            <a:r>
+              <a:rPr lang="fr-FR" sz="2000" b="0" dirty="0">
+                <a:solidFill>
+                  <a:srgbClr val="0000FF"/>
+                </a:solidFill>
+                <a:effectLst/>
+                <a:latin typeface="Consolas" panose="020B0609020204030204" pitchFamily="49" charset="0"/>
+              </a:rPr>
+              <a:t> </a:t>
+            </a:r>
+            <a:r>
+              <a:rPr lang="fr-FR" sz="2000" b="0" dirty="0">
+                <a:solidFill>
+                  <a:srgbClr val="A31515"/>
+                </a:solidFill>
+                <a:effectLst/>
+                <a:latin typeface="Consolas" panose="020B0609020204030204" pitchFamily="49" charset="0"/>
+              </a:rPr>
+              <a:t>"</a:t>
+            </a:r>
+            <a:r>
+              <a:rPr lang="fr-FR" sz="2000" b="0" dirty="0" err="1">
+                <a:solidFill>
+                  <a:srgbClr val="A31515"/>
+                </a:solidFill>
+                <a:effectLst/>
+                <a:latin typeface="Consolas" panose="020B0609020204030204" pitchFamily="49" charset="0"/>
+              </a:rPr>
+              <a:t>tools</a:t>
+            </a:r>
+            <a:r>
+              <a:rPr lang="fr-FR" sz="2000" b="0" dirty="0">
+                <a:solidFill>
+                  <a:srgbClr val="A31515"/>
+                </a:solidFill>
+                <a:effectLst/>
+                <a:latin typeface="Consolas" panose="020B0609020204030204" pitchFamily="49" charset="0"/>
+              </a:rPr>
+              <a:t>/MyCakeExtension.dll« </a:t>
+            </a:r>
+          </a:p>
+          <a:p>
+            <a:pPr marL="0" indent="0">
+              <a:buNone/>
+            </a:pPr>
+            <a:r>
+              <a:rPr lang="en-US" sz="2000" b="0" dirty="0">
+                <a:solidFill>
+                  <a:srgbClr val="795E26"/>
+                </a:solidFill>
+                <a:effectLst/>
+                <a:latin typeface="Consolas" panose="020B0609020204030204" pitchFamily="49" charset="0"/>
+              </a:rPr>
+              <a:t>Task</a:t>
+            </a:r>
+            <a:r>
+              <a:rPr lang="en-US" sz="2000" b="0" dirty="0">
+                <a:solidFill>
+                  <a:srgbClr val="222222"/>
+                </a:solidFill>
+                <a:effectLst/>
+                <a:latin typeface="Consolas" panose="020B0609020204030204" pitchFamily="49" charset="0"/>
+              </a:rPr>
+              <a:t>(</a:t>
+            </a:r>
+            <a:r>
+              <a:rPr lang="en-US" sz="2000" b="0" dirty="0">
+                <a:solidFill>
+                  <a:srgbClr val="A31515"/>
+                </a:solidFill>
+                <a:effectLst/>
+                <a:latin typeface="Consolas" panose="020B0609020204030204" pitchFamily="49" charset="0"/>
+              </a:rPr>
+              <a:t>"</a:t>
+            </a:r>
+            <a:r>
+              <a:rPr lang="en-US" sz="2000" b="0" dirty="0" err="1">
+                <a:solidFill>
+                  <a:srgbClr val="A31515"/>
+                </a:solidFill>
+                <a:effectLst/>
+                <a:latin typeface="Consolas" panose="020B0609020204030204" pitchFamily="49" charset="0"/>
+              </a:rPr>
+              <a:t>GetSomeAnswers</a:t>
+            </a:r>
+            <a:r>
+              <a:rPr lang="en-US" sz="2000" b="0" dirty="0">
+                <a:solidFill>
+                  <a:srgbClr val="A31515"/>
+                </a:solidFill>
+                <a:effectLst/>
+                <a:latin typeface="Consolas" panose="020B0609020204030204" pitchFamily="49" charset="0"/>
+              </a:rPr>
+              <a:t>"</a:t>
+            </a:r>
+            <a:r>
+              <a:rPr lang="en-US" sz="2000" b="0" dirty="0">
+                <a:solidFill>
+                  <a:srgbClr val="222222"/>
+                </a:solidFill>
+                <a:effectLst/>
+                <a:latin typeface="Consolas" panose="020B0609020204030204" pitchFamily="49" charset="0"/>
+              </a:rPr>
+              <a:t>)</a:t>
+            </a:r>
+            <a:endParaRPr lang="en-US" sz="2000" b="0" dirty="0">
+              <a:solidFill>
+                <a:srgbClr val="000000"/>
+              </a:solidFill>
+              <a:effectLst/>
+              <a:latin typeface="Consolas" panose="020B0609020204030204" pitchFamily="49" charset="0"/>
+            </a:endParaRPr>
+          </a:p>
+          <a:p>
+            <a:pPr marL="0" indent="0">
+              <a:buNone/>
+            </a:pPr>
+            <a:r>
+              <a:rPr lang="en-US" sz="2000" b="0" dirty="0">
+                <a:solidFill>
+                  <a:srgbClr val="000000"/>
+                </a:solidFill>
+                <a:effectLst/>
+                <a:latin typeface="Consolas" panose="020B0609020204030204" pitchFamily="49" charset="0"/>
+              </a:rPr>
+              <a:t>    </a:t>
+            </a:r>
+            <a:r>
+              <a:rPr lang="en-US" sz="2000" b="0" dirty="0">
+                <a:solidFill>
+                  <a:srgbClr val="222222"/>
+                </a:solidFill>
+                <a:effectLst/>
+                <a:latin typeface="Consolas" panose="020B0609020204030204" pitchFamily="49" charset="0"/>
+              </a:rPr>
+              <a:t>.</a:t>
+            </a:r>
+            <a:r>
+              <a:rPr lang="en-US" sz="2000" b="0" dirty="0">
+                <a:solidFill>
+                  <a:srgbClr val="795E26"/>
+                </a:solidFill>
+                <a:effectLst/>
+                <a:latin typeface="Consolas" panose="020B0609020204030204" pitchFamily="49" charset="0"/>
+              </a:rPr>
+              <a:t>Does</a:t>
+            </a:r>
+            <a:r>
+              <a:rPr lang="en-US" sz="2000" b="0" dirty="0">
+                <a:solidFill>
+                  <a:srgbClr val="222222"/>
+                </a:solidFill>
+                <a:effectLst/>
+                <a:latin typeface="Consolas" panose="020B0609020204030204" pitchFamily="49" charset="0"/>
+              </a:rPr>
+              <a:t>(()</a:t>
+            </a:r>
+            <a:r>
+              <a:rPr lang="en-US" sz="2000" b="0" dirty="0">
+                <a:solidFill>
+                  <a:srgbClr val="000000"/>
+                </a:solidFill>
+                <a:effectLst/>
+                <a:latin typeface="Consolas" panose="020B0609020204030204" pitchFamily="49" charset="0"/>
+              </a:rPr>
+              <a:t> =&gt;</a:t>
+            </a:r>
+          </a:p>
+          <a:p>
+            <a:pPr marL="0" indent="0">
+              <a:buNone/>
+            </a:pPr>
+            <a:r>
+              <a:rPr lang="en-US" sz="2000" b="0" dirty="0">
+                <a:solidFill>
+                  <a:srgbClr val="222222"/>
+                </a:solidFill>
+                <a:effectLst/>
+                <a:latin typeface="Consolas" panose="020B0609020204030204" pitchFamily="49" charset="0"/>
+              </a:rPr>
+              <a:t>{</a:t>
+            </a:r>
+            <a:endParaRPr lang="en-US" sz="2000" b="0" dirty="0">
+              <a:solidFill>
+                <a:srgbClr val="000000"/>
+              </a:solidFill>
+              <a:effectLst/>
+              <a:latin typeface="Consolas" panose="020B0609020204030204" pitchFamily="49" charset="0"/>
+            </a:endParaRPr>
+          </a:p>
+          <a:p>
+            <a:pPr marL="0" indent="0">
+              <a:buNone/>
+            </a:pPr>
+            <a:r>
+              <a:rPr lang="en-US" sz="2000" b="0" dirty="0">
+                <a:solidFill>
+                  <a:srgbClr val="222222"/>
+                </a:solidFill>
+                <a:effectLst/>
+                <a:latin typeface="Consolas" panose="020B0609020204030204" pitchFamily="49" charset="0"/>
+              </a:rPr>
+              <a:t>    </a:t>
+            </a:r>
+            <a:r>
+              <a:rPr lang="en-US" sz="2000" b="0" dirty="0">
+                <a:solidFill>
+                  <a:srgbClr val="008000"/>
+                </a:solidFill>
+                <a:effectLst/>
+                <a:latin typeface="Consolas" panose="020B0609020204030204" pitchFamily="49" charset="0"/>
+              </a:rPr>
+              <a:t>// Write the values to the console.</a:t>
+            </a:r>
+            <a:endParaRPr lang="en-US" sz="2000" b="0" dirty="0">
+              <a:solidFill>
+                <a:srgbClr val="000000"/>
+              </a:solidFill>
+              <a:effectLst/>
+              <a:latin typeface="Consolas" panose="020B0609020204030204" pitchFamily="49" charset="0"/>
+            </a:endParaRPr>
+          </a:p>
+          <a:p>
+            <a:pPr marL="0" indent="0">
+              <a:buNone/>
+            </a:pPr>
+            <a:r>
+              <a:rPr lang="en-US" sz="2000" b="0" dirty="0">
+                <a:solidFill>
+                  <a:srgbClr val="000000"/>
+                </a:solidFill>
+                <a:effectLst/>
+                <a:latin typeface="Consolas" panose="020B0609020204030204" pitchFamily="49" charset="0"/>
+              </a:rPr>
+              <a:t>    </a:t>
+            </a:r>
+            <a:r>
+              <a:rPr lang="en-US" sz="2000" b="0" dirty="0">
+                <a:solidFill>
+                  <a:srgbClr val="795E26"/>
+                </a:solidFill>
+                <a:effectLst/>
+                <a:latin typeface="Consolas" panose="020B0609020204030204" pitchFamily="49" charset="0"/>
+              </a:rPr>
+              <a:t>Information</a:t>
+            </a:r>
+            <a:r>
+              <a:rPr lang="en-US" sz="2000" b="0" dirty="0">
+                <a:solidFill>
+                  <a:srgbClr val="222222"/>
+                </a:solidFill>
+                <a:effectLst/>
+                <a:latin typeface="Consolas" panose="020B0609020204030204" pitchFamily="49" charset="0"/>
+              </a:rPr>
+              <a:t>(</a:t>
+            </a:r>
+            <a:r>
+              <a:rPr lang="en-US" sz="2000" b="0" dirty="0">
+                <a:solidFill>
+                  <a:srgbClr val="A31515"/>
+                </a:solidFill>
+                <a:effectLst/>
+                <a:latin typeface="Consolas" panose="020B0609020204030204" pitchFamily="49" charset="0"/>
+              </a:rPr>
+              <a:t>"The answer to life: {0}"</a:t>
+            </a:r>
+            <a:r>
+              <a:rPr lang="en-US" sz="2000" b="0" dirty="0">
+                <a:solidFill>
+                  <a:srgbClr val="222222"/>
+                </a:solidFill>
+                <a:effectLst/>
+                <a:latin typeface="Consolas" panose="020B0609020204030204" pitchFamily="49" charset="0"/>
+              </a:rPr>
+              <a:t>,</a:t>
+            </a:r>
+            <a:r>
+              <a:rPr lang="en-US" sz="2000" b="0" dirty="0">
+                <a:solidFill>
+                  <a:srgbClr val="000000"/>
+                </a:solidFill>
+                <a:effectLst/>
+                <a:latin typeface="Consolas" panose="020B0609020204030204" pitchFamily="49" charset="0"/>
+              </a:rPr>
+              <a:t> </a:t>
+            </a:r>
+            <a:r>
+              <a:rPr lang="en-US" sz="2000" b="0" dirty="0" err="1">
+                <a:solidFill>
+                  <a:srgbClr val="001080"/>
+                </a:solidFill>
+                <a:effectLst/>
+                <a:latin typeface="Consolas" panose="020B0609020204030204" pitchFamily="49" charset="0"/>
+              </a:rPr>
+              <a:t>TheAnswerToLife</a:t>
+            </a:r>
+            <a:r>
+              <a:rPr lang="en-US" sz="2000" b="0" dirty="0">
+                <a:solidFill>
+                  <a:srgbClr val="222222"/>
+                </a:solidFill>
+                <a:effectLst/>
+                <a:latin typeface="Consolas" panose="020B0609020204030204" pitchFamily="49" charset="0"/>
+              </a:rPr>
+              <a:t>);</a:t>
+            </a:r>
+            <a:endParaRPr lang="en-US" sz="2000" b="0" dirty="0">
+              <a:solidFill>
+                <a:srgbClr val="000000"/>
+              </a:solidFill>
+              <a:effectLst/>
+              <a:latin typeface="Consolas" panose="020B0609020204030204" pitchFamily="49" charset="0"/>
+            </a:endParaRPr>
+          </a:p>
+          <a:p>
+            <a:pPr marL="0" indent="0">
+              <a:buNone/>
+            </a:pPr>
+            <a:r>
+              <a:rPr lang="en-US" sz="2000" b="0" dirty="0">
+                <a:solidFill>
+                  <a:srgbClr val="222222"/>
+                </a:solidFill>
+                <a:effectLst/>
+                <a:latin typeface="Consolas" panose="020B0609020204030204" pitchFamily="49" charset="0"/>
+              </a:rPr>
+              <a:t>});</a:t>
+            </a:r>
+            <a:endParaRPr lang="en-US" sz="2000" b="0" dirty="0">
+              <a:solidFill>
+                <a:srgbClr val="000000"/>
+              </a:solidFill>
+              <a:effectLst/>
+              <a:latin typeface="Consolas" panose="020B0609020204030204" pitchFamily="49" charset="0"/>
+            </a:endParaRPr>
+          </a:p>
+          <a:p>
+            <a:pPr marL="0" indent="0">
+              <a:buNone/>
+            </a:pPr>
+            <a:endParaRPr lang="fr-FR" b="0" dirty="0">
+              <a:solidFill>
+                <a:srgbClr val="000000"/>
+              </a:solidFill>
+              <a:effectLst/>
+              <a:latin typeface="Consolas" panose="020B0609020204030204" pitchFamily="49" charset="0"/>
+            </a:endParaRPr>
+          </a:p>
+          <a:p>
+            <a:pPr marL="0" indent="0">
+              <a:buNone/>
+            </a:pPr>
+            <a:endParaRPr lang="fr-FR" dirty="0"/>
+          </a:p>
+        </p:txBody>
+      </p:sp>
+    </p:spTree>
+    <p:extLst>
+      <p:ext uri="{BB962C8B-B14F-4D97-AF65-F5344CB8AC3E}">
+        <p14:creationId xmlns:p14="http://schemas.microsoft.com/office/powerpoint/2010/main" val="4191851695"/>
+      </p:ext>
+    </p:extLst>
+  </p:cSld>
+  <p:clrMapOvr>
+    <a:masterClrMapping/>
+  </p:clrMapOvr>
+</p:sld>
+</file>
+
+<file path=ppt/slides/slide13.xml><?xml version="1.0" encoding="utf-8"?>
+<p:sld xmlns:a="http://schemas.openxmlformats.org/drawingml/2006/main" xmlns:r="http://schemas.openxmlformats.org/officeDocument/2006/relationships" xmlns:p="http://schemas.openxmlformats.org/presentationml/2006/main">
+  <p:cSld>
+    <p:spTree>
+      <p:nvGrpSpPr>
+        <p:cNvPr id="1" name=""/>
+        <p:cNvGrpSpPr/>
+        <p:nvPr/>
+      </p:nvGrpSpPr>
+      <p:grpSpPr>
+        <a:xfrm>
+          <a:off x="0" y="0"/>
+          <a:ext cx="0" cy="0"/>
+          <a:chOff x="0" y="0"/>
+          <a:chExt cx="0" cy="0"/>
+        </a:xfrm>
+      </p:grpSpPr>
+      <p:sp>
+        <p:nvSpPr>
+          <p:cNvPr id="2" name="Title 1">
+            <a:extLst>
+              <a:ext uri="{FF2B5EF4-FFF2-40B4-BE49-F238E27FC236}">
+                <a16:creationId xmlns:a16="http://schemas.microsoft.com/office/drawing/2014/main" id="{B2E5D9D6-B2BA-6186-CD27-E04D7FB9F377}"/>
+              </a:ext>
+            </a:extLst>
+          </p:cNvPr>
+          <p:cNvSpPr>
+            <a:spLocks noGrp="1"/>
+          </p:cNvSpPr>
+          <p:nvPr>
+            <p:ph type="title"/>
+          </p:nvPr>
+        </p:nvSpPr>
+        <p:spPr/>
+        <p:txBody>
+          <a:bodyPr/>
+          <a:lstStyle/>
+          <a:p>
+            <a:r>
+              <a:rPr lang="fr-FR" dirty="0"/>
+              <a:t>Extensions</a:t>
+            </a:r>
+          </a:p>
+        </p:txBody>
+      </p:sp>
+      <p:sp>
+        <p:nvSpPr>
+          <p:cNvPr id="3" name="Content Placeholder 2">
+            <a:extLst>
+              <a:ext uri="{FF2B5EF4-FFF2-40B4-BE49-F238E27FC236}">
+                <a16:creationId xmlns:a16="http://schemas.microsoft.com/office/drawing/2014/main" id="{6B340F20-857D-0861-E2A8-80312692E75A}"/>
+              </a:ext>
+            </a:extLst>
+          </p:cNvPr>
+          <p:cNvSpPr>
+            <a:spLocks noGrp="1"/>
+          </p:cNvSpPr>
+          <p:nvPr>
+            <p:ph idx="1"/>
+          </p:nvPr>
+        </p:nvSpPr>
+        <p:spPr/>
+        <p:txBody>
+          <a:bodyPr/>
+          <a:lstStyle/>
+          <a:p>
+            <a:r>
+              <a:rPr lang="fr-FR" dirty="0"/>
               <a:t>Modules</a:t>
             </a:r>
           </a:p>
@@ -7719,7 +8177,7 @@
 </p:sld>
 </file>
 
-<file path=ppt/slides/slide13.xml><?xml version="1.0" encoding="utf-8"?>
+<file path=ppt/slides/slide14.xml><?xml version="1.0" encoding="utf-8"?>
 <p:sld xmlns:a="http://schemas.openxmlformats.org/drawingml/2006/main" xmlns:r="http://schemas.openxmlformats.org/officeDocument/2006/relationships" xmlns:p="http://schemas.openxmlformats.org/presentationml/2006/main">
   <p:cSld>
     <p:spTree>
@@ -7808,7 +8266,7 @@
 </p:sld>
 </file>
 
-<file path=ppt/slides/slide14.xml><?xml version="1.0" encoding="utf-8"?>
+<file path=ppt/slides/slide15.xml><?xml version="1.0" encoding="utf-8"?>
 <p:sld xmlns:a="http://schemas.openxmlformats.org/drawingml/2006/main" xmlns:r="http://schemas.openxmlformats.org/officeDocument/2006/relationships" xmlns:p="http://schemas.openxmlformats.org/presentationml/2006/main">
   <p:cSld>
     <p:spTree>
@@ -7885,7 +8343,7 @@
 </p:sld>
 </file>
 
-<file path=ppt/slides/slide15.xml><?xml version="1.0" encoding="utf-8"?>
+<file path=ppt/slides/slide16.xml><?xml version="1.0" encoding="utf-8"?>
 <p:sld xmlns:a="http://schemas.openxmlformats.org/drawingml/2006/main" xmlns:r="http://schemas.openxmlformats.org/officeDocument/2006/relationships" xmlns:p="http://schemas.openxmlformats.org/presentationml/2006/main">
   <p:cSld>
     <p:spTree>
@@ -8272,7 +8730,7 @@
 </p:sld>
 </file>
 
-<file path=ppt/slides/slide16.xml><?xml version="1.0" encoding="utf-8"?>
+<file path=ppt/slides/slide17.xml><?xml version="1.0" encoding="utf-8"?>
 <p:sld xmlns:a="http://schemas.openxmlformats.org/drawingml/2006/main" xmlns:r="http://schemas.openxmlformats.org/officeDocument/2006/relationships" xmlns:p="http://schemas.openxmlformats.org/presentationml/2006/main">
   <p:cSld>
     <p:spTree>
@@ -8517,6 +8975,359 @@
 </file>
 
 <file path=ppt/slides/slide2.xml><?xml version="1.0" encoding="utf-8"?>
+<p:sld xmlns:a="http://schemas.openxmlformats.org/drawingml/2006/main" xmlns:r="http://schemas.openxmlformats.org/officeDocument/2006/relationships" xmlns:p="http://schemas.openxmlformats.org/presentationml/2006/main">
+  <p:cSld>
+    <p:spTree>
+      <p:nvGrpSpPr>
+        <p:cNvPr id="1" name=""/>
+        <p:cNvGrpSpPr/>
+        <p:nvPr/>
+      </p:nvGrpSpPr>
+      <p:grpSpPr>
+        <a:xfrm>
+          <a:off x="0" y="0"/>
+          <a:ext cx="0" cy="0"/>
+          <a:chOff x="0" y="0"/>
+          <a:chExt cx="0" cy="0"/>
+        </a:xfrm>
+      </p:grpSpPr>
+      <p:sp>
+        <p:nvSpPr>
+          <p:cNvPr id="2" name="Title 1">
+            <a:extLst>
+              <a:ext uri="{FF2B5EF4-FFF2-40B4-BE49-F238E27FC236}">
+                <a16:creationId xmlns:a16="http://schemas.microsoft.com/office/drawing/2014/main" id="{60D9B8DF-09FA-A0C3-E560-20BE225958FB}"/>
+              </a:ext>
+            </a:extLst>
+          </p:cNvPr>
+          <p:cNvSpPr>
+            <a:spLocks noGrp="1"/>
+          </p:cNvSpPr>
+          <p:nvPr>
+            <p:ph type="title"/>
+          </p:nvPr>
+        </p:nvSpPr>
+        <p:spPr/>
+        <p:txBody>
+          <a:bodyPr/>
+          <a:lstStyle/>
+          <a:p>
+            <a:r>
+              <a:rPr lang="fr-FR" dirty="0"/>
+              <a:t>Comment faire un bon </a:t>
+            </a:r>
+            <a:r>
+              <a:rPr lang="fr-FR" dirty="0" err="1"/>
+              <a:t>Gateau</a:t>
+            </a:r>
+            <a:r>
+              <a:rPr lang="fr-FR" dirty="0"/>
+              <a:t> ?</a:t>
+            </a:r>
+          </a:p>
+        </p:txBody>
+      </p:sp>
+      <p:sp>
+        <p:nvSpPr>
+          <p:cNvPr id="3" name="Content Placeholder 2">
+            <a:extLst>
+              <a:ext uri="{FF2B5EF4-FFF2-40B4-BE49-F238E27FC236}">
+                <a16:creationId xmlns:a16="http://schemas.microsoft.com/office/drawing/2014/main" id="{8A261103-D18B-5DB3-F6B3-B27E142CCA89}"/>
+              </a:ext>
+            </a:extLst>
+          </p:cNvPr>
+          <p:cNvSpPr>
+            <a:spLocks noGrp="1"/>
+          </p:cNvSpPr>
+          <p:nvPr>
+            <p:ph idx="1"/>
+          </p:nvPr>
+        </p:nvSpPr>
+        <p:spPr/>
+        <p:txBody>
+          <a:bodyPr/>
+          <a:lstStyle/>
+          <a:p>
+            <a:pPr algn="ctr"/>
+            <a:r>
+              <a:rPr lang="fr-FR" sz="1100" dirty="0"/>
+              <a:t>4 œufs</a:t>
+            </a:r>
+          </a:p>
+          <a:p>
+            <a:pPr algn="ctr"/>
+            <a:r>
+              <a:rPr lang="fr-FR" sz="1100" dirty="0"/>
+              <a:t>250g de Farine</a:t>
+            </a:r>
+          </a:p>
+          <a:p>
+            <a:pPr algn="ctr"/>
+            <a:r>
+              <a:rPr lang="fr-FR" sz="1100" dirty="0"/>
+              <a:t>250g de Sucre</a:t>
+            </a:r>
+          </a:p>
+          <a:p>
+            <a:pPr algn="ctr"/>
+            <a:r>
+              <a:rPr lang="fr-FR" sz="1100" dirty="0"/>
+              <a:t>250g de Beurre</a:t>
+            </a:r>
+          </a:p>
+          <a:p>
+            <a:pPr algn="ctr"/>
+            <a:r>
+              <a:rPr lang="fr-FR" sz="1100" dirty="0"/>
+              <a:t>10 g de sucre vanillé</a:t>
+            </a:r>
+          </a:p>
+          <a:p>
+            <a:pPr algn="ctr"/>
+            <a:r>
+              <a:rPr lang="fr-FR" sz="1100" dirty="0"/>
+              <a:t>2 c à c Levure Chimique</a:t>
+            </a:r>
+          </a:p>
+          <a:p>
+            <a:pPr algn="l">
+              <a:buFont typeface="+mj-lt"/>
+              <a:buAutoNum type="arabicPeriod"/>
+            </a:pPr>
+            <a:r>
+              <a:rPr lang="fr-FR" sz="1100" b="0" i="0" dirty="0">
+                <a:solidFill>
+                  <a:srgbClr val="303030"/>
+                </a:solidFill>
+                <a:effectLst/>
+                <a:latin typeface="Raleway" pitchFamily="2" charset="0"/>
+              </a:rPr>
+              <a:t>Pesez les ingrédients. </a:t>
+            </a:r>
+          </a:p>
+          <a:p>
+            <a:pPr algn="l">
+              <a:buFont typeface="+mj-lt"/>
+              <a:buAutoNum type="arabicPeriod"/>
+            </a:pPr>
+            <a:r>
+              <a:rPr lang="fr-FR" sz="1100" b="0" i="0" dirty="0">
+                <a:solidFill>
+                  <a:srgbClr val="303030"/>
+                </a:solidFill>
+                <a:effectLst/>
+                <a:latin typeface="Raleway" pitchFamily="2" charset="0"/>
+              </a:rPr>
+              <a:t>Adaptez le poids de chaque ingrédient qui doit être le même que celui des </a:t>
+            </a:r>
+            <a:r>
+              <a:rPr lang="fr-FR" sz="1100" b="0" i="0" dirty="0" err="1">
+                <a:solidFill>
+                  <a:srgbClr val="303030"/>
+                </a:solidFill>
+                <a:effectLst/>
+                <a:latin typeface="Raleway" pitchFamily="2" charset="0"/>
+              </a:rPr>
+              <a:t>oeufs</a:t>
+            </a:r>
+            <a:r>
+              <a:rPr lang="fr-FR" sz="1100" b="0" i="0" dirty="0">
+                <a:solidFill>
+                  <a:srgbClr val="303030"/>
+                </a:solidFill>
+                <a:effectLst/>
+                <a:latin typeface="Raleway" pitchFamily="2" charset="0"/>
+              </a:rPr>
+              <a:t>. </a:t>
+            </a:r>
+          </a:p>
+          <a:p>
+            <a:pPr algn="l">
+              <a:buFont typeface="+mj-lt"/>
+              <a:buAutoNum type="arabicPeriod"/>
+            </a:pPr>
+            <a:r>
+              <a:rPr lang="fr-FR" sz="1100" b="0" i="0" dirty="0">
+                <a:solidFill>
+                  <a:srgbClr val="303030"/>
+                </a:solidFill>
+                <a:effectLst/>
+                <a:latin typeface="Raleway" pitchFamily="2" charset="0"/>
+              </a:rPr>
+              <a:t>En général, 4 </a:t>
+            </a:r>
+            <a:r>
+              <a:rPr lang="fr-FR" sz="1100" b="0" i="0" dirty="0" err="1">
+                <a:solidFill>
+                  <a:srgbClr val="303030"/>
+                </a:solidFill>
+                <a:effectLst/>
+                <a:latin typeface="Raleway" pitchFamily="2" charset="0"/>
+              </a:rPr>
+              <a:t>oeufs</a:t>
+            </a:r>
+            <a:r>
+              <a:rPr lang="fr-FR" sz="1100" b="0" i="0" dirty="0">
+                <a:solidFill>
+                  <a:srgbClr val="303030"/>
+                </a:solidFill>
+                <a:effectLst/>
+                <a:latin typeface="Raleway" pitchFamily="2" charset="0"/>
+              </a:rPr>
+              <a:t> représentent plus ou moins 250 g.</a:t>
+            </a:r>
+          </a:p>
+          <a:p>
+            <a:pPr algn="l">
+              <a:buFont typeface="+mj-lt"/>
+              <a:buAutoNum type="arabicPeriod"/>
+            </a:pPr>
+            <a:r>
+              <a:rPr lang="fr-FR" sz="1100" b="0" i="0" dirty="0">
+                <a:solidFill>
+                  <a:srgbClr val="303030"/>
+                </a:solidFill>
+                <a:effectLst/>
+                <a:latin typeface="Raleway" pitchFamily="2" charset="0"/>
+              </a:rPr>
+              <a:t>Préchauffez votre four à 180°C. Faites </a:t>
+            </a:r>
+            <a:r>
+              <a:rPr lang="fr-FR" sz="1100" b="0" i="0" u="none" strike="noStrike" dirty="0">
+                <a:solidFill>
+                  <a:srgbClr val="F6303E"/>
+                </a:solidFill>
+                <a:effectLst/>
+                <a:latin typeface="Raleway" pitchFamily="2" charset="0"/>
+                <a:hlinkClick r:id="rId2"/>
+              </a:rPr>
+              <a:t>fondre</a:t>
+            </a:r>
+            <a:r>
+              <a:rPr lang="fr-FR" sz="1100" b="0" i="0" dirty="0">
+                <a:solidFill>
+                  <a:srgbClr val="303030"/>
+                </a:solidFill>
+                <a:effectLst/>
+                <a:latin typeface="Raleway" pitchFamily="2" charset="0"/>
+              </a:rPr>
+              <a:t> le beurre 30 secondes au micro-ondes.</a:t>
+            </a:r>
+          </a:p>
+          <a:p>
+            <a:pPr algn="l">
+              <a:buFont typeface="+mj-lt"/>
+              <a:buAutoNum type="arabicPeriod"/>
+            </a:pPr>
+            <a:r>
+              <a:rPr lang="fr-FR" sz="1100" b="0" i="0" dirty="0">
+                <a:solidFill>
+                  <a:srgbClr val="303030"/>
+                </a:solidFill>
+                <a:effectLst/>
+                <a:latin typeface="Raleway" pitchFamily="2" charset="0"/>
+              </a:rPr>
+              <a:t>Mélangez le beurre avec les sucres (fin et vanillé). Incorporez-y petit à petit les </a:t>
+            </a:r>
+            <a:r>
+              <a:rPr lang="fr-FR" sz="1100" b="0" i="0" dirty="0" err="1">
+                <a:solidFill>
+                  <a:srgbClr val="303030"/>
+                </a:solidFill>
+                <a:effectLst/>
+                <a:latin typeface="Raleway" pitchFamily="2" charset="0"/>
+              </a:rPr>
+              <a:t>oeufs</a:t>
+            </a:r>
+            <a:r>
+              <a:rPr lang="fr-FR" sz="1100" b="0" i="0" dirty="0">
+                <a:solidFill>
+                  <a:srgbClr val="303030"/>
+                </a:solidFill>
+                <a:effectLst/>
+                <a:latin typeface="Raleway" pitchFamily="2" charset="0"/>
+              </a:rPr>
+              <a:t>.</a:t>
+            </a:r>
+          </a:p>
+          <a:p>
+            <a:pPr algn="l">
+              <a:buFont typeface="+mj-lt"/>
+              <a:buAutoNum type="arabicPeriod"/>
+            </a:pPr>
+            <a:r>
+              <a:rPr lang="fr-FR" sz="1100" b="0" i="0" dirty="0">
+                <a:solidFill>
+                  <a:srgbClr val="303030"/>
+                </a:solidFill>
+                <a:effectLst/>
+                <a:latin typeface="Raleway" pitchFamily="2" charset="0"/>
+              </a:rPr>
+              <a:t>Une fois ce mélange effectué, ajoutez petit à petit la farine. Attention : faites-le par petite quantité pour éviter les grumeaux.</a:t>
+            </a:r>
+          </a:p>
+          <a:p>
+            <a:pPr algn="l">
+              <a:buFont typeface="+mj-lt"/>
+              <a:buAutoNum type="arabicPeriod"/>
+            </a:pPr>
+            <a:r>
+              <a:rPr lang="fr-FR" sz="1100" b="0" i="0" dirty="0">
+                <a:solidFill>
+                  <a:srgbClr val="303030"/>
+                </a:solidFill>
+                <a:effectLst/>
+                <a:latin typeface="Raleway" pitchFamily="2" charset="0"/>
+              </a:rPr>
+              <a:t>Après la farine, incorporez la levure en poudre. Mélangez jusqu'à l'obtention d'un mélange parfait.</a:t>
+            </a:r>
+          </a:p>
+          <a:p>
+            <a:pPr marL="0" indent="0" algn="l">
+              <a:buNone/>
+            </a:pPr>
+            <a:r>
+              <a:rPr lang="fr-FR" sz="1100" b="1" i="0" dirty="0">
+                <a:solidFill>
+                  <a:srgbClr val="303030"/>
+                </a:solidFill>
+                <a:effectLst/>
+                <a:latin typeface="Raleway" pitchFamily="2" charset="0"/>
+              </a:rPr>
+              <a:t>Pour finir</a:t>
+            </a:r>
+          </a:p>
+          <a:p>
+            <a:r>
+              <a:rPr lang="fr-FR" sz="1100" b="0" i="0" dirty="0">
+                <a:solidFill>
+                  <a:srgbClr val="303030"/>
+                </a:solidFill>
+                <a:effectLst/>
+                <a:latin typeface="Raleway" pitchFamily="2" charset="0"/>
+              </a:rPr>
+              <a:t>Beurrez votre moule, versez-y la pâte et mettez le tout au four. Commencez à surveiller après 40 minutes de cuisson. Tant que le cake ne noircit pas, vous pouvez le laisser au four. Après 60 minutes maximum, le cake est à coup sûr somptueux.</a:t>
+            </a:r>
+          </a:p>
+          <a:p>
+            <a:endParaRPr lang="fr-FR" sz="1100" dirty="0"/>
+          </a:p>
+        </p:txBody>
+      </p:sp>
+    </p:spTree>
+    <p:extLst>
+      <p:ext uri="{BB962C8B-B14F-4D97-AF65-F5344CB8AC3E}">
+        <p14:creationId xmlns:p14="http://schemas.microsoft.com/office/powerpoint/2010/main" val="734721527"/>
+      </p:ext>
+    </p:extLst>
+  </p:cSld>
+  <p:clrMapOvr>
+    <a:masterClrMapping/>
+  </p:clrMapOvr>
+</p:sld>
+</file>
+
+<file path=ppt/slides/slide3.xml><?xml version="1.0" encoding="utf-8"?>
 <p:sld xmlns:a="http://schemas.openxmlformats.org/drawingml/2006/main" xmlns:r="http://schemas.openxmlformats.org/officeDocument/2006/relationships" xmlns:p="http://schemas.openxmlformats.org/presentationml/2006/main">
   <p:cSld>
     <p:spTree>
@@ -9121,147 +9932,6 @@
 </p:sld>
 </file>
 
-<file path=ppt/slides/slide3.xml><?xml version="1.0" encoding="utf-8"?>
-<p:sld xmlns:a="http://schemas.openxmlformats.org/drawingml/2006/main" xmlns:r="http://schemas.openxmlformats.org/officeDocument/2006/relationships" xmlns:p="http://schemas.openxmlformats.org/presentationml/2006/main">
-  <p:cSld>
-    <p:spTree>
-      <p:nvGrpSpPr>
-        <p:cNvPr id="1" name=""/>
-        <p:cNvGrpSpPr/>
-        <p:nvPr/>
-      </p:nvGrpSpPr>
-      <p:grpSpPr>
-        <a:xfrm>
-          <a:off x="0" y="0"/>
-          <a:ext cx="0" cy="0"/>
-          <a:chOff x="0" y="0"/>
-          <a:chExt cx="0" cy="0"/>
-        </a:xfrm>
-      </p:grpSpPr>
-      <p:sp>
-        <p:nvSpPr>
-          <p:cNvPr id="2" name="Title 1">
-            <a:extLst>
-              <a:ext uri="{FF2B5EF4-FFF2-40B4-BE49-F238E27FC236}">
-                <a16:creationId xmlns:a16="http://schemas.microsoft.com/office/drawing/2014/main" id="{78A34FF2-8C78-4537-A6EB-FC740FC180DF}"/>
-              </a:ext>
-            </a:extLst>
-          </p:cNvPr>
-          <p:cNvSpPr>
-            <a:spLocks noGrp="1"/>
-          </p:cNvSpPr>
-          <p:nvPr>
-            <p:ph type="title"/>
-          </p:nvPr>
-        </p:nvSpPr>
-        <p:spPr/>
-        <p:txBody>
-          <a:bodyPr/>
-          <a:lstStyle/>
-          <a:p>
-            <a:r>
-              <a:rPr lang="fr-FR" dirty="0"/>
-              <a:t>Avantages</a:t>
-            </a:r>
-          </a:p>
-        </p:txBody>
-      </p:sp>
-      <p:sp>
-        <p:nvSpPr>
-          <p:cNvPr id="3" name="Content Placeholder 2">
-            <a:extLst>
-              <a:ext uri="{FF2B5EF4-FFF2-40B4-BE49-F238E27FC236}">
-                <a16:creationId xmlns:a16="http://schemas.microsoft.com/office/drawing/2014/main" id="{02568B25-79F3-4DA8-AD91-2C304C7EFBFF}"/>
-              </a:ext>
-            </a:extLst>
-          </p:cNvPr>
-          <p:cNvSpPr>
-            <a:spLocks noGrp="1"/>
-          </p:cNvSpPr>
-          <p:nvPr>
-            <p:ph idx="1"/>
-          </p:nvPr>
-        </p:nvSpPr>
-        <p:spPr/>
-        <p:txBody>
-          <a:bodyPr/>
-          <a:lstStyle/>
-          <a:p>
-            <a:r>
-              <a:rPr lang="fr-FR" dirty="0"/>
-              <a:t>Familier</a:t>
-            </a:r>
-          </a:p>
-          <a:p>
-            <a:r>
-              <a:rPr lang="fr-FR" dirty="0"/>
-              <a:t>Multi-plateformes et Multi-Runtimes</a:t>
-            </a:r>
-          </a:p>
-          <a:p>
-            <a:r>
-              <a:rPr lang="fr-FR" dirty="0"/>
-              <a:t>Intégration avec les IDE</a:t>
-            </a:r>
-          </a:p>
-          <a:p>
-            <a:r>
-              <a:rPr lang="fr-FR" dirty="0"/>
-              <a:t>Fiable</a:t>
-            </a:r>
-          </a:p>
-          <a:p>
-            <a:r>
-              <a:rPr lang="fr-FR" dirty="0"/>
-              <a:t>Prise en charge d’un grand nombre d’outils</a:t>
-            </a:r>
-          </a:p>
-          <a:p>
-            <a:r>
-              <a:rPr lang="fr-FR" dirty="0"/>
-              <a:t>Open source et soutenu par la communauté</a:t>
-            </a:r>
-          </a:p>
-          <a:p>
-            <a:pPr marL="0" indent="0" algn="r">
-              <a:buNone/>
-            </a:pPr>
-            <a:br>
-              <a:rPr lang="fr-FR" dirty="0"/>
-            </a:br>
-            <a:r>
-              <a:rPr lang="fr-FR" b="0" dirty="0">
-                <a:solidFill>
-                  <a:srgbClr val="A31515"/>
-                </a:solidFill>
-                <a:effectLst/>
-                <a:latin typeface="Consolas" panose="020B0609020204030204" pitchFamily="49" charset="0"/>
-              </a:rPr>
-              <a:t>github.com/cake-build/cake</a:t>
-            </a:r>
-            <a:endParaRPr lang="fr-FR" dirty="0"/>
-          </a:p>
-          <a:p>
-            <a:pPr marL="0" indent="0">
-              <a:buNone/>
-            </a:pPr>
-            <a:endParaRPr lang="fr-FR" dirty="0"/>
-          </a:p>
-        </p:txBody>
-      </p:sp>
-    </p:spTree>
-    <p:extLst>
-      <p:ext uri="{BB962C8B-B14F-4D97-AF65-F5344CB8AC3E}">
-        <p14:creationId xmlns:p14="http://schemas.microsoft.com/office/powerpoint/2010/main" val="500416392"/>
-      </p:ext>
-    </p:extLst>
-  </p:cSld>
-  <p:clrMapOvr>
-    <a:masterClrMapping/>
-  </p:clrMapOvr>
-</p:sld>
-</file>
-
 <file path=ppt/slides/slide4.xml><?xml version="1.0" encoding="utf-8"?>
 <p:sld xmlns:a="http://schemas.openxmlformats.org/drawingml/2006/main" xmlns:r="http://schemas.openxmlformats.org/officeDocument/2006/relationships" xmlns:p="http://schemas.openxmlformats.org/presentationml/2006/main">
   <p:cSld>
@@ -9302,7 +9972,7 @@
           <a:p>
             <a:r>
               <a:rPr lang="fr-FR" dirty="0"/>
-              <a:t>Cas d’usages</a:t>
+              <a:t>Avantages</a:t>
             </a:r>
           </a:p>
         </p:txBody>
@@ -9330,37 +10000,70 @@
           <a:p>
             <a:r>
               <a:rPr lang="fr-FR" dirty="0"/>
-              <a:t>Avoir un processus de </a:t>
-            </a:r>
-            <a:r>
-              <a:rPr lang="fr-FR" dirty="0" err="1"/>
-              <a:t>build</a:t>
-            </a:r>
+              <a:t>Familier</a:t>
+            </a:r>
+          </a:p>
+          <a:p>
             <a:r>
               <a:rPr lang="fr-FR" dirty="0"/>
-              <a:t> identique entre le poste de développement et l'environnement de CI utilisé</a:t>
+              <a:t>Multi-plateformes et Multi-Runtimes</a:t>
             </a:r>
           </a:p>
           <a:p>
             <a:r>
               <a:rPr lang="fr-FR" dirty="0"/>
-              <a:t>Non-Adhérence du processus de </a:t>
-            </a:r>
-            <a:r>
-              <a:rPr lang="fr-FR" dirty="0" err="1"/>
-              <a:t>build</a:t>
-            </a:r>
+              <a:t>Intégration avec les IDE</a:t>
+            </a:r>
+          </a:p>
+          <a:p>
             <a:r>
               <a:rPr lang="fr-FR" dirty="0"/>
-              <a:t> avec l'environnement de CI</a:t>
-            </a:r>
+              <a:t>Fiable</a:t>
+            </a:r>
+          </a:p>
+          <a:p>
+            <a:r>
+              <a:rPr lang="fr-FR" dirty="0"/>
+              <a:t>Prise en charge d’un grand nombre d’outils</a:t>
+            </a:r>
+          </a:p>
+          <a:p>
+            <a:r>
+              <a:rPr lang="fr-FR" dirty="0"/>
+              <a:t>Open source et soutenu par la communauté</a:t>
+            </a:r>
+          </a:p>
+          <a:p>
+            <a:pPr marL="0" indent="0" algn="r">
+              <a:buNone/>
+            </a:pPr>
+            <a:br>
+              <a:rPr lang="fr-FR" dirty="0"/>
+            </a:br>
+            <a:r>
+              <a:rPr lang="fr-FR" b="0" dirty="0">
+                <a:solidFill>
+                  <a:srgbClr val="A31515"/>
+                </a:solidFill>
+                <a:effectLst/>
+                <a:latin typeface="Consolas" panose="020B0609020204030204" pitchFamily="49" charset="0"/>
+              </a:rPr>
+              <a:t>github.com/cake-build/cake</a:t>
+            </a:r>
+            <a:endParaRPr lang="fr-FR" dirty="0"/>
+          </a:p>
+          <a:p>
+            <a:pPr marL="0" indent="0">
+              <a:buNone/>
+            </a:pPr>
+            <a:endParaRPr lang="fr-FR" dirty="0"/>
           </a:p>
         </p:txBody>
       </p:sp>
     </p:spTree>
     <p:extLst>
       <p:ext uri="{BB962C8B-B14F-4D97-AF65-F5344CB8AC3E}">
-        <p14:creationId xmlns:p14="http://schemas.microsoft.com/office/powerpoint/2010/main" val="2778564781"/>
+        <p14:creationId xmlns:p14="http://schemas.microsoft.com/office/powerpoint/2010/main" val="500416392"/>
       </p:ext>
     </p:extLst>
   </p:cSld>
@@ -9392,7 +10095,7 @@
           <p:cNvPr id="2" name="Title 1">
             <a:extLst>
               <a:ext uri="{FF2B5EF4-FFF2-40B4-BE49-F238E27FC236}">
-                <a16:creationId xmlns:a16="http://schemas.microsoft.com/office/drawing/2014/main" id="{C8A9E740-F103-F6AC-8B44-190ED38F8BCB}"/>
+                <a16:creationId xmlns:a16="http://schemas.microsoft.com/office/drawing/2014/main" id="{78A34FF2-8C78-4537-A6EB-FC740FC180DF}"/>
               </a:ext>
             </a:extLst>
           </p:cNvPr>
@@ -9409,10 +10112,9 @@
           <a:lstStyle/>
           <a:p>
             <a:r>
-              <a:rPr lang="fr-FR" dirty="0" err="1"/>
-              <a:t>Runners</a:t>
-            </a:r>
-            <a:endParaRPr lang="fr-FR" dirty="0"/>
+              <a:rPr lang="fr-FR" dirty="0"/>
+              <a:t>Cas d’usages</a:t>
+            </a:r>
           </a:p>
         </p:txBody>
       </p:sp>
@@ -9421,7 +10123,7 @@
           <p:cNvPr id="3" name="Content Placeholder 2">
             <a:extLst>
               <a:ext uri="{FF2B5EF4-FFF2-40B4-BE49-F238E27FC236}">
-                <a16:creationId xmlns:a16="http://schemas.microsoft.com/office/drawing/2014/main" id="{00390660-181F-29F3-F8FD-9828893BC4C8}"/>
+                <a16:creationId xmlns:a16="http://schemas.microsoft.com/office/drawing/2014/main" id="{02568B25-79F3-4DA8-AD91-2C304C7EFBFF}"/>
               </a:ext>
             </a:extLst>
           </p:cNvPr>
@@ -9439,122 +10141,29 @@
           <a:p>
             <a:r>
               <a:rPr lang="fr-FR" dirty="0"/>
-              <a:t>Cake .NET Tool</a:t>
-            </a:r>
-          </a:p>
-          <a:p>
-            <a:pPr lvl="1"/>
+              <a:t>Avoir un processus de </a:t>
+            </a:r>
+            <a:r>
+              <a:rPr lang="fr-FR" dirty="0" err="1"/>
+              <a:t>build</a:t>
+            </a:r>
             <a:r>
               <a:rPr lang="fr-FR" dirty="0"/>
-              <a:t>Permet d’exécuter des scripts Cake</a:t>
-            </a:r>
-          </a:p>
-          <a:p>
-            <a:pPr lvl="1"/>
+              <a:t> identique entre le poste de développement et l'environnement de CI utilisé</a:t>
+            </a:r>
+          </a:p>
+          <a:p>
             <a:r>
               <a:rPr lang="fr-FR" dirty="0"/>
-              <a:t>Outil .NET </a:t>
+              <a:t>Non-Adhérence du processus de </a:t>
             </a:r>
             <a:r>
               <a:rPr lang="fr-FR" dirty="0" err="1"/>
-              <a:t>Core</a:t>
-            </a:r>
-            <a:endParaRPr lang="fr-FR" dirty="0"/>
-          </a:p>
-          <a:p>
-            <a:pPr lvl="1"/>
+              <a:t>build</a:t>
+            </a:r>
             <a:r>
               <a:rPr lang="fr-FR" dirty="0"/>
-              <a:t>Avoir un </a:t>
-            </a:r>
-            <a:r>
-              <a:rPr lang="fr-FR" dirty="0" err="1"/>
-              <a:t>manifest</a:t>
-            </a:r>
-            <a:r>
-              <a:rPr lang="fr-FR" dirty="0"/>
-              <a:t> des outils </a:t>
-            </a:r>
-            <a:r>
-              <a:rPr lang="fr-FR" dirty="0" err="1"/>
-              <a:t>dotnet</a:t>
-            </a:r>
-            <a:r>
-              <a:rPr lang="fr-FR" dirty="0"/>
-              <a:t> dans votre référentiel</a:t>
-            </a:r>
-            <a:br>
-              <a:rPr lang="fr-FR" dirty="0"/>
-            </a:br>
-            <a:r>
-              <a:rPr lang="fr-FR" dirty="0" err="1"/>
-              <a:t>dotnet</a:t>
-            </a:r>
-            <a:r>
-              <a:rPr lang="fr-FR" dirty="0"/>
-              <a:t> new </a:t>
-            </a:r>
-            <a:r>
-              <a:rPr lang="fr-FR" dirty="0" err="1"/>
-              <a:t>tool-manifest</a:t>
-            </a:r>
-            <a:endParaRPr lang="fr-FR" dirty="0"/>
-          </a:p>
-          <a:p>
-            <a:pPr lvl="1"/>
-            <a:r>
-              <a:rPr lang="fr-FR" dirty="0"/>
-              <a:t>Installez cake en tant qu’outil local</a:t>
-            </a:r>
-            <a:br>
-              <a:rPr lang="fr-FR" dirty="0"/>
-            </a:br>
-            <a:r>
-              <a:rPr lang="fr-FR" dirty="0" err="1"/>
-              <a:t>dotnet</a:t>
-            </a:r>
-            <a:r>
-              <a:rPr lang="fr-FR" dirty="0"/>
-              <a:t> </a:t>
-            </a:r>
-            <a:r>
-              <a:rPr lang="fr-FR" dirty="0" err="1"/>
-              <a:t>tool</a:t>
-            </a:r>
-            <a:r>
-              <a:rPr lang="fr-FR" dirty="0"/>
-              <a:t> </a:t>
-            </a:r>
-            <a:r>
-              <a:rPr lang="fr-FR" dirty="0" err="1"/>
-              <a:t>install</a:t>
-            </a:r>
-            <a:r>
-              <a:rPr lang="fr-FR" dirty="0"/>
-              <a:t> </a:t>
-            </a:r>
-            <a:r>
-              <a:rPr lang="fr-FR" dirty="0" err="1"/>
-              <a:t>Cake.Tool</a:t>
-            </a:r>
-            <a:endParaRPr lang="fr-FR" dirty="0"/>
-          </a:p>
-          <a:p>
-            <a:pPr lvl="1"/>
-            <a:r>
-              <a:rPr lang="fr-FR" dirty="0"/>
-              <a:t>Pour exécuter le script cake</a:t>
-            </a:r>
-            <a:br>
-              <a:rPr lang="fr-FR" dirty="0"/>
-            </a:br>
-            <a:r>
-              <a:rPr lang="fr-FR" dirty="0" err="1"/>
-              <a:t>dotnet</a:t>
-            </a:r>
-            <a:r>
-              <a:rPr lang="fr-FR" dirty="0"/>
-              <a:t> cake</a:t>
+              <a:t> avec l'environnement de CI</a:t>
             </a:r>
           </a:p>
         </p:txBody>
@@ -9562,7 +10171,7 @@
     </p:spTree>
     <p:extLst>
       <p:ext uri="{BB962C8B-B14F-4D97-AF65-F5344CB8AC3E}">
-        <p14:creationId xmlns:p14="http://schemas.microsoft.com/office/powerpoint/2010/main" val="4258509708"/>
+        <p14:creationId xmlns:p14="http://schemas.microsoft.com/office/powerpoint/2010/main" val="2778564781"/>
       </p:ext>
     </p:extLst>
   </p:cSld>
@@ -9641,6 +10250,208 @@
           <a:p>
             <a:r>
               <a:rPr lang="fr-FR" dirty="0"/>
+              <a:t>Cake .NET Tool</a:t>
+            </a:r>
+          </a:p>
+          <a:p>
+            <a:pPr lvl="1"/>
+            <a:r>
+              <a:rPr lang="fr-FR" dirty="0"/>
+              <a:t>Permet d’exécuter des scripts Cake</a:t>
+            </a:r>
+          </a:p>
+          <a:p>
+            <a:pPr lvl="1"/>
+            <a:r>
+              <a:rPr lang="fr-FR" dirty="0"/>
+              <a:t>Outil .NET </a:t>
+            </a:r>
+            <a:r>
+              <a:rPr lang="fr-FR" dirty="0" err="1"/>
+              <a:t>Core</a:t>
+            </a:r>
+            <a:endParaRPr lang="fr-FR" dirty="0"/>
+          </a:p>
+          <a:p>
+            <a:pPr lvl="1"/>
+            <a:r>
+              <a:rPr lang="fr-FR" dirty="0"/>
+              <a:t>Avoir un </a:t>
+            </a:r>
+            <a:r>
+              <a:rPr lang="fr-FR" dirty="0" err="1"/>
+              <a:t>manifest</a:t>
+            </a:r>
+            <a:r>
+              <a:rPr lang="fr-FR" dirty="0"/>
+              <a:t> des outils </a:t>
+            </a:r>
+            <a:r>
+              <a:rPr lang="fr-FR" dirty="0" err="1"/>
+              <a:t>dotnet</a:t>
+            </a:r>
+            <a:r>
+              <a:rPr lang="fr-FR" dirty="0"/>
+              <a:t> dans votre référentiel</a:t>
+            </a:r>
+            <a:br>
+              <a:rPr lang="fr-FR" dirty="0"/>
+            </a:br>
+            <a:r>
+              <a:rPr lang="fr-FR" dirty="0" err="1"/>
+              <a:t>dotnet</a:t>
+            </a:r>
+            <a:r>
+              <a:rPr lang="fr-FR" dirty="0"/>
+              <a:t> new </a:t>
+            </a:r>
+            <a:r>
+              <a:rPr lang="fr-FR" dirty="0" err="1"/>
+              <a:t>tool-manifest</a:t>
+            </a:r>
+            <a:endParaRPr lang="fr-FR" dirty="0"/>
+          </a:p>
+          <a:p>
+            <a:pPr lvl="1"/>
+            <a:r>
+              <a:rPr lang="fr-FR" dirty="0"/>
+              <a:t>Installez cake en tant qu’outil local</a:t>
+            </a:r>
+            <a:br>
+              <a:rPr lang="fr-FR" dirty="0"/>
+            </a:br>
+            <a:r>
+              <a:rPr lang="fr-FR" dirty="0" err="1"/>
+              <a:t>dotnet</a:t>
+            </a:r>
+            <a:r>
+              <a:rPr lang="fr-FR" dirty="0"/>
+              <a:t> </a:t>
+            </a:r>
+            <a:r>
+              <a:rPr lang="fr-FR" dirty="0" err="1"/>
+              <a:t>tool</a:t>
+            </a:r>
+            <a:r>
+              <a:rPr lang="fr-FR" dirty="0"/>
+              <a:t> </a:t>
+            </a:r>
+            <a:r>
+              <a:rPr lang="fr-FR" dirty="0" err="1"/>
+              <a:t>install</a:t>
+            </a:r>
+            <a:r>
+              <a:rPr lang="fr-FR" dirty="0"/>
+              <a:t> </a:t>
+            </a:r>
+            <a:r>
+              <a:rPr lang="fr-FR" dirty="0" err="1"/>
+              <a:t>Cake.Tool</a:t>
+            </a:r>
+            <a:endParaRPr lang="fr-FR" dirty="0"/>
+          </a:p>
+          <a:p>
+            <a:pPr lvl="1"/>
+            <a:r>
+              <a:rPr lang="fr-FR" dirty="0"/>
+              <a:t>Pour exécuter le script cake</a:t>
+            </a:r>
+            <a:br>
+              <a:rPr lang="fr-FR" dirty="0"/>
+            </a:br>
+            <a:r>
+              <a:rPr lang="fr-FR" dirty="0" err="1"/>
+              <a:t>dotnet</a:t>
+            </a:r>
+            <a:r>
+              <a:rPr lang="fr-FR" dirty="0"/>
+              <a:t> cake</a:t>
+            </a:r>
+          </a:p>
+        </p:txBody>
+      </p:sp>
+    </p:spTree>
+    <p:extLst>
+      <p:ext uri="{BB962C8B-B14F-4D97-AF65-F5344CB8AC3E}">
+        <p14:creationId xmlns:p14="http://schemas.microsoft.com/office/powerpoint/2010/main" val="4258509708"/>
+      </p:ext>
+    </p:extLst>
+  </p:cSld>
+  <p:clrMapOvr>
+    <a:masterClrMapping/>
+  </p:clrMapOvr>
+</p:sld>
+</file>
+
+<file path=ppt/slides/slide7.xml><?xml version="1.0" encoding="utf-8"?>
+<p:sld xmlns:a="http://schemas.openxmlformats.org/drawingml/2006/main" xmlns:r="http://schemas.openxmlformats.org/officeDocument/2006/relationships" xmlns:p="http://schemas.openxmlformats.org/presentationml/2006/main">
+  <p:cSld>
+    <p:spTree>
+      <p:nvGrpSpPr>
+        <p:cNvPr id="1" name=""/>
+        <p:cNvGrpSpPr/>
+        <p:nvPr/>
+      </p:nvGrpSpPr>
+      <p:grpSpPr>
+        <a:xfrm>
+          <a:off x="0" y="0"/>
+          <a:ext cx="0" cy="0"/>
+          <a:chOff x="0" y="0"/>
+          <a:chExt cx="0" cy="0"/>
+        </a:xfrm>
+      </p:grpSpPr>
+      <p:sp>
+        <p:nvSpPr>
+          <p:cNvPr id="2" name="Title 1">
+            <a:extLst>
+              <a:ext uri="{FF2B5EF4-FFF2-40B4-BE49-F238E27FC236}">
+                <a16:creationId xmlns:a16="http://schemas.microsoft.com/office/drawing/2014/main" id="{C8A9E740-F103-F6AC-8B44-190ED38F8BCB}"/>
+              </a:ext>
+            </a:extLst>
+          </p:cNvPr>
+          <p:cNvSpPr>
+            <a:spLocks noGrp="1"/>
+          </p:cNvSpPr>
+          <p:nvPr>
+            <p:ph type="title"/>
+          </p:nvPr>
+        </p:nvSpPr>
+        <p:spPr/>
+        <p:txBody>
+          <a:bodyPr/>
+          <a:lstStyle/>
+          <a:p>
+            <a:r>
+              <a:rPr lang="fr-FR" dirty="0" err="1"/>
+              <a:t>Runners</a:t>
+            </a:r>
+            <a:endParaRPr lang="fr-FR" dirty="0"/>
+          </a:p>
+        </p:txBody>
+      </p:sp>
+      <p:sp>
+        <p:nvSpPr>
+          <p:cNvPr id="3" name="Content Placeholder 2">
+            <a:extLst>
+              <a:ext uri="{FF2B5EF4-FFF2-40B4-BE49-F238E27FC236}">
+                <a16:creationId xmlns:a16="http://schemas.microsoft.com/office/drawing/2014/main" id="{00390660-181F-29F3-F8FD-9828893BC4C8}"/>
+              </a:ext>
+            </a:extLst>
+          </p:cNvPr>
+          <p:cNvSpPr>
+            <a:spLocks noGrp="1"/>
+          </p:cNvSpPr>
+          <p:nvPr>
+            <p:ph idx="1"/>
+          </p:nvPr>
+        </p:nvSpPr>
+        <p:spPr/>
+        <p:txBody>
+          <a:bodyPr/>
+          <a:lstStyle/>
+          <a:p>
+            <a:r>
+              <a:rPr lang="fr-FR" dirty="0"/>
               <a:t>Cake </a:t>
             </a:r>
             <a:r>
@@ -9733,7 +10544,7 @@
 </p:sld>
 </file>
 
-<file path=ppt/slides/slide7.xml><?xml version="1.0" encoding="utf-8"?>
+<file path=ppt/slides/slide8.xml><?xml version="1.0" encoding="utf-8"?>
 <p:sld xmlns:a="http://schemas.openxmlformats.org/drawingml/2006/main" xmlns:r="http://schemas.openxmlformats.org/officeDocument/2006/relationships" xmlns:p="http://schemas.openxmlformats.org/presentationml/2006/main">
   <p:cSld>
     <p:spTree>
@@ -9964,142 +10775,6 @@
     <p:extLst>
       <p:ext uri="{BB962C8B-B14F-4D97-AF65-F5344CB8AC3E}">
         <p14:creationId xmlns:p14="http://schemas.microsoft.com/office/powerpoint/2010/main" val="2009713413"/>
-      </p:ext>
-    </p:extLst>
-  </p:cSld>
-  <p:clrMapOvr>
-    <a:masterClrMapping/>
-  </p:clrMapOvr>
-</p:sld>
-</file>
-
-<file path=ppt/slides/slide8.xml><?xml version="1.0" encoding="utf-8"?>
-<p:sld xmlns:a="http://schemas.openxmlformats.org/drawingml/2006/main" xmlns:r="http://schemas.openxmlformats.org/officeDocument/2006/relationships" xmlns:p="http://schemas.openxmlformats.org/presentationml/2006/main">
-  <p:cSld>
-    <p:spTree>
-      <p:nvGrpSpPr>
-        <p:cNvPr id="1" name=""/>
-        <p:cNvGrpSpPr/>
-        <p:nvPr/>
-      </p:nvGrpSpPr>
-      <p:grpSpPr>
-        <a:xfrm>
-          <a:off x="0" y="0"/>
-          <a:ext cx="0" cy="0"/>
-          <a:chOff x="0" y="0"/>
-          <a:chExt cx="0" cy="0"/>
-        </a:xfrm>
-      </p:grpSpPr>
-      <p:sp>
-        <p:nvSpPr>
-          <p:cNvPr id="2" name="Title 1">
-            <a:extLst>
-              <a:ext uri="{FF2B5EF4-FFF2-40B4-BE49-F238E27FC236}">
-                <a16:creationId xmlns:a16="http://schemas.microsoft.com/office/drawing/2014/main" id="{B2E5D9D6-B2BA-6186-CD27-E04D7FB9F377}"/>
-              </a:ext>
-            </a:extLst>
-          </p:cNvPr>
-          <p:cNvSpPr>
-            <a:spLocks noGrp="1"/>
-          </p:cNvSpPr>
-          <p:nvPr>
-            <p:ph type="title"/>
-          </p:nvPr>
-        </p:nvSpPr>
-        <p:spPr/>
-        <p:txBody>
-          <a:bodyPr/>
-          <a:lstStyle/>
-          <a:p>
-            <a:r>
-              <a:rPr lang="fr-FR" dirty="0"/>
-              <a:t>Extensions - </a:t>
-            </a:r>
-            <a:r>
-              <a:rPr lang="fr-FR" dirty="0" err="1"/>
-              <a:t>Addins</a:t>
-            </a:r>
-            <a:endParaRPr lang="fr-FR" dirty="0"/>
-          </a:p>
-        </p:txBody>
-      </p:sp>
-      <p:sp>
-        <p:nvSpPr>
-          <p:cNvPr id="3" name="Content Placeholder 2">
-            <a:extLst>
-              <a:ext uri="{FF2B5EF4-FFF2-40B4-BE49-F238E27FC236}">
-                <a16:creationId xmlns:a16="http://schemas.microsoft.com/office/drawing/2014/main" id="{6B340F20-857D-0861-E2A8-80312692E75A}"/>
-              </a:ext>
-            </a:extLst>
-          </p:cNvPr>
-          <p:cNvSpPr>
-            <a:spLocks noGrp="1"/>
-          </p:cNvSpPr>
-          <p:nvPr>
-            <p:ph idx="1"/>
-          </p:nvPr>
-        </p:nvSpPr>
-        <p:spPr/>
-        <p:txBody>
-          <a:bodyPr/>
-          <a:lstStyle/>
-          <a:p>
-            <a:r>
-              <a:rPr lang="fr-FR" dirty="0"/>
-              <a:t>Les compléments peuvent fournir des alias supplémentaires à une </a:t>
-            </a:r>
-            <a:r>
-              <a:rPr lang="fr-FR" dirty="0" err="1"/>
-              <a:t>build</a:t>
-            </a:r>
-            <a:r>
-              <a:rPr lang="fr-FR" dirty="0"/>
-              <a:t> Cake. Ce sont des </a:t>
-            </a:r>
-            <a:r>
-              <a:rPr lang="fr-FR" dirty="0" err="1"/>
-              <a:t>assemblys</a:t>
-            </a:r>
-            <a:r>
-              <a:rPr lang="fr-FR" dirty="0"/>
-              <a:t> .NET livrés sous forme de packages </a:t>
-            </a:r>
-            <a:r>
-              <a:rPr lang="fr-FR" dirty="0" err="1"/>
-              <a:t>NuGet</a:t>
-            </a:r>
-            <a:r>
-              <a:rPr lang="fr-FR" dirty="0"/>
-              <a:t>.</a:t>
-            </a:r>
-          </a:p>
-          <a:p>
-            <a:pPr lvl="1"/>
-            <a:r>
-              <a:rPr lang="fr-FR" dirty="0"/>
-              <a:t>Écrire des compléments personnalisés</a:t>
-            </a:r>
-          </a:p>
-          <a:p>
-            <a:pPr lvl="1"/>
-            <a:r>
-              <a:rPr lang="fr-FR" dirty="0"/>
-              <a:t>Importation d'espaces de noms</a:t>
-            </a:r>
-          </a:p>
-          <a:p>
-            <a:pPr lvl="1"/>
-            <a:r>
-              <a:rPr lang="fr-FR" dirty="0"/>
-              <a:t>Utilisation du complément</a:t>
-            </a:r>
-          </a:p>
-        </p:txBody>
-      </p:sp>
-    </p:spTree>
-    <p:extLst>
-      <p:ext uri="{BB962C8B-B14F-4D97-AF65-F5344CB8AC3E}">
-        <p14:creationId xmlns:p14="http://schemas.microsoft.com/office/powerpoint/2010/main" val="3345407838"/>
       </p:ext>
     </p:extLst>
   </p:cSld>
@@ -10149,11 +10824,11 @@
           <a:p>
             <a:r>
               <a:rPr lang="fr-FR" dirty="0"/>
-              <a:t>Extensions - Write custom </a:t>
+              <a:t>Extensions - </a:t>
             </a:r>
             <a:r>
               <a:rPr lang="fr-FR" dirty="0" err="1"/>
-              <a:t>addins</a:t>
+              <a:t>Addins</a:t>
             </a:r>
             <a:endParaRPr lang="fr-FR" dirty="0"/>
           </a:p>
@@ -10182,22 +10857,23 @@
           <a:p>
             <a:r>
               <a:rPr lang="fr-FR" dirty="0"/>
-              <a:t>Écrire des compléments personnalisés</a:t>
-            </a:r>
-          </a:p>
-          <a:p>
-            <a:pPr lvl="1"/>
+              <a:t>Les compléments peuvent fournir des alias supplémentaires à une </a:t>
+            </a:r>
+            <a:r>
+              <a:rPr lang="fr-FR" dirty="0" err="1"/>
+              <a:t>build</a:t>
+            </a:r>
             <a:r>
               <a:rPr lang="fr-FR" dirty="0"/>
-              <a:t>Créer un nouveau projet de bibliothèque de classes et ajoutez une référence au package </a:t>
+              <a:t> Cake. Ce sont des </a:t>
             </a:r>
             <a:r>
               <a:rPr lang="fr-FR" dirty="0" err="1"/>
-              <a:t>Cake.Core</a:t>
+              <a:t>assemblys</a:t>
             </a:r>
             <a:r>
               <a:rPr lang="fr-FR" dirty="0"/>
-              <a:t> </a:t>
+              <a:t> .NET livrés sous forme de packages </a:t>
             </a:r>
             <a:r>
               <a:rPr lang="fr-FR" dirty="0" err="1"/>
@@ -10205,358 +10881,36 @@
             </a:r>
             <a:r>
               <a:rPr lang="fr-FR" dirty="0"/>
-              <a:t> via le gestionnaire de packages : </a:t>
-            </a:r>
-            <a:r>
-              <a:rPr lang="fr-FR" b="0" dirty="0">
-                <a:solidFill>
-                  <a:srgbClr val="000000"/>
-                </a:solidFill>
-                <a:effectLst/>
-                <a:latin typeface="Consolas" panose="020B0609020204030204" pitchFamily="49" charset="0"/>
-              </a:rPr>
-              <a:t>Install-Package </a:t>
-            </a:r>
-            <a:r>
-              <a:rPr lang="fr-FR" b="0" dirty="0" err="1">
-                <a:solidFill>
-                  <a:srgbClr val="000000"/>
-                </a:solidFill>
-                <a:effectLst/>
-                <a:latin typeface="Consolas" panose="020B0609020204030204" pitchFamily="49" charset="0"/>
-              </a:rPr>
-              <a:t>Cake.Core</a:t>
-            </a:r>
-            <a:endParaRPr lang="fr-FR" b="0" dirty="0">
-              <a:solidFill>
-                <a:srgbClr val="000000"/>
-              </a:solidFill>
-              <a:effectLst/>
-              <a:latin typeface="Consolas" panose="020B0609020204030204" pitchFamily="49" charset="0"/>
-            </a:endParaRPr>
+              <a:t>.</a:t>
+            </a:r>
           </a:p>
           <a:p>
             <a:pPr lvl="1"/>
             <a:r>
               <a:rPr lang="fr-FR" dirty="0"/>
-              <a:t>Ajoutez la méthode d'alias que vous souhaitez exposer à votre script Cake. Doit être marquée avec l’attribut </a:t>
-            </a:r>
-            <a:r>
-              <a:rPr lang="fr-FR" dirty="0" err="1"/>
-              <a:t>CakeMethodAlias</a:t>
-            </a:r>
-            <a:endParaRPr lang="fr-FR" dirty="0"/>
-          </a:p>
-          <a:p>
-            <a:pPr marL="0" indent="0">
-              <a:buNone/>
-            </a:pPr>
-            <a:r>
-              <a:rPr lang="en-US" sz="2000" b="0" dirty="0">
-                <a:solidFill>
-                  <a:srgbClr val="222222"/>
-                </a:solidFill>
-                <a:effectLst/>
-                <a:latin typeface="Consolas" panose="020B0609020204030204" pitchFamily="49" charset="0"/>
-              </a:rPr>
-              <a:t>[</a:t>
-            </a:r>
-            <a:r>
-              <a:rPr lang="en-US" sz="2000" b="0" dirty="0" err="1">
-                <a:solidFill>
-                  <a:srgbClr val="267F99"/>
-                </a:solidFill>
-                <a:effectLst/>
-                <a:latin typeface="Consolas" panose="020B0609020204030204" pitchFamily="49" charset="0"/>
-              </a:rPr>
-              <a:t>CakePropertyAlias</a:t>
-            </a:r>
-            <a:r>
-              <a:rPr lang="en-US" sz="2000" b="0" dirty="0">
-                <a:solidFill>
-                  <a:srgbClr val="222222"/>
-                </a:solidFill>
-                <a:effectLst/>
-                <a:latin typeface="Consolas" panose="020B0609020204030204" pitchFamily="49" charset="0"/>
-              </a:rPr>
-              <a:t>]</a:t>
-            </a:r>
-            <a:endParaRPr lang="en-US" sz="2000" b="0" dirty="0">
-              <a:solidFill>
-                <a:srgbClr val="000000"/>
-              </a:solidFill>
-              <a:effectLst/>
-              <a:latin typeface="Consolas" panose="020B0609020204030204" pitchFamily="49" charset="0"/>
-            </a:endParaRPr>
-          </a:p>
-          <a:p>
-            <a:pPr marL="0" indent="0">
-              <a:buNone/>
-            </a:pPr>
-            <a:r>
-              <a:rPr lang="en-US" sz="2000" b="0" dirty="0">
-                <a:solidFill>
-                  <a:srgbClr val="0000FF"/>
-                </a:solidFill>
-                <a:effectLst/>
-                <a:latin typeface="Consolas" panose="020B0609020204030204" pitchFamily="49" charset="0"/>
-              </a:rPr>
-              <a:t>public</a:t>
-            </a:r>
-            <a:r>
-              <a:rPr lang="en-US" sz="2000" b="0" dirty="0">
-                <a:solidFill>
-                  <a:srgbClr val="000000"/>
-                </a:solidFill>
-                <a:effectLst/>
-                <a:latin typeface="Consolas" panose="020B0609020204030204" pitchFamily="49" charset="0"/>
-              </a:rPr>
-              <a:t> </a:t>
-            </a:r>
-            <a:r>
-              <a:rPr lang="en-US" sz="2000" b="0" dirty="0">
-                <a:solidFill>
-                  <a:srgbClr val="0000FF"/>
-                </a:solidFill>
-                <a:effectLst/>
-                <a:latin typeface="Consolas" panose="020B0609020204030204" pitchFamily="49" charset="0"/>
-              </a:rPr>
-              <a:t>static</a:t>
-            </a:r>
-            <a:r>
-              <a:rPr lang="en-US" sz="2000" b="0" dirty="0">
-                <a:solidFill>
-                  <a:srgbClr val="000000"/>
-                </a:solidFill>
-                <a:effectLst/>
-                <a:latin typeface="Consolas" panose="020B0609020204030204" pitchFamily="49" charset="0"/>
-              </a:rPr>
-              <a:t> </a:t>
-            </a:r>
-            <a:r>
-              <a:rPr lang="en-US" sz="2000" b="0" dirty="0">
-                <a:solidFill>
-                  <a:srgbClr val="0000FF"/>
-                </a:solidFill>
-                <a:effectLst/>
-                <a:latin typeface="Consolas" panose="020B0609020204030204" pitchFamily="49" charset="0"/>
-              </a:rPr>
-              <a:t>int</a:t>
-            </a:r>
-            <a:r>
-              <a:rPr lang="en-US" sz="2000" b="0" dirty="0">
-                <a:solidFill>
-                  <a:srgbClr val="000000"/>
-                </a:solidFill>
-                <a:effectLst/>
-                <a:latin typeface="Consolas" panose="020B0609020204030204" pitchFamily="49" charset="0"/>
-              </a:rPr>
-              <a:t> </a:t>
-            </a:r>
-            <a:r>
-              <a:rPr lang="en-US" sz="2000" b="0" dirty="0" err="1">
-                <a:solidFill>
-                  <a:srgbClr val="795E26"/>
-                </a:solidFill>
-                <a:effectLst/>
-                <a:latin typeface="Consolas" panose="020B0609020204030204" pitchFamily="49" charset="0"/>
-              </a:rPr>
-              <a:t>TheAnswerToLife</a:t>
-            </a:r>
-            <a:r>
-              <a:rPr lang="en-US" sz="2000" b="0" dirty="0">
-                <a:solidFill>
-                  <a:srgbClr val="222222"/>
-                </a:solidFill>
-                <a:effectLst/>
-                <a:latin typeface="Consolas" panose="020B0609020204030204" pitchFamily="49" charset="0"/>
-              </a:rPr>
-              <a:t>(</a:t>
-            </a:r>
-            <a:r>
-              <a:rPr lang="en-US" sz="2000" b="0" dirty="0">
-                <a:solidFill>
-                  <a:srgbClr val="0000FF"/>
-                </a:solidFill>
-                <a:effectLst/>
-                <a:latin typeface="Consolas" panose="020B0609020204030204" pitchFamily="49" charset="0"/>
-              </a:rPr>
-              <a:t>this</a:t>
-            </a:r>
-            <a:r>
-              <a:rPr lang="en-US" sz="2000" b="0" dirty="0">
-                <a:solidFill>
-                  <a:srgbClr val="000000"/>
-                </a:solidFill>
-                <a:effectLst/>
-                <a:latin typeface="Consolas" panose="020B0609020204030204" pitchFamily="49" charset="0"/>
-              </a:rPr>
-              <a:t> </a:t>
-            </a:r>
-            <a:r>
-              <a:rPr lang="en-US" sz="2000" b="0" dirty="0" err="1">
-                <a:solidFill>
-                  <a:srgbClr val="267F99"/>
-                </a:solidFill>
-                <a:effectLst/>
-                <a:latin typeface="Consolas" panose="020B0609020204030204" pitchFamily="49" charset="0"/>
-              </a:rPr>
-              <a:t>ICakeContext</a:t>
-            </a:r>
-            <a:r>
-              <a:rPr lang="en-US" sz="2000" b="0" dirty="0">
-                <a:solidFill>
-                  <a:srgbClr val="000000"/>
-                </a:solidFill>
-                <a:effectLst/>
-                <a:latin typeface="Consolas" panose="020B0609020204030204" pitchFamily="49" charset="0"/>
-              </a:rPr>
-              <a:t> </a:t>
-            </a:r>
-            <a:r>
-              <a:rPr lang="en-US" sz="2000" b="0" dirty="0">
-                <a:solidFill>
-                  <a:srgbClr val="001080"/>
-                </a:solidFill>
-                <a:effectLst/>
-                <a:latin typeface="Consolas" panose="020B0609020204030204" pitchFamily="49" charset="0"/>
-              </a:rPr>
-              <a:t>context</a:t>
-            </a:r>
-            <a:r>
-              <a:rPr lang="en-US" sz="2000" b="0" dirty="0">
-                <a:solidFill>
-                  <a:srgbClr val="222222"/>
-                </a:solidFill>
-                <a:effectLst/>
-                <a:latin typeface="Consolas" panose="020B0609020204030204" pitchFamily="49" charset="0"/>
-              </a:rPr>
-              <a:t>)</a:t>
-            </a:r>
-            <a:endParaRPr lang="en-US" sz="2000" b="0" dirty="0">
-              <a:solidFill>
-                <a:srgbClr val="000000"/>
-              </a:solidFill>
-              <a:effectLst/>
-              <a:latin typeface="Consolas" panose="020B0609020204030204" pitchFamily="49" charset="0"/>
-            </a:endParaRPr>
-          </a:p>
-          <a:p>
-            <a:pPr marL="0" indent="0">
-              <a:buNone/>
-            </a:pPr>
-            <a:r>
-              <a:rPr lang="en-US" sz="2000" b="0" dirty="0">
-                <a:solidFill>
-                  <a:srgbClr val="222222"/>
-                </a:solidFill>
-                <a:effectLst/>
-                <a:latin typeface="Consolas" panose="020B0609020204030204" pitchFamily="49" charset="0"/>
-              </a:rPr>
-              <a:t>{</a:t>
-            </a:r>
-            <a:endParaRPr lang="en-US" sz="2000" b="0" dirty="0">
-              <a:solidFill>
-                <a:srgbClr val="000000"/>
-              </a:solidFill>
-              <a:effectLst/>
-              <a:latin typeface="Consolas" panose="020B0609020204030204" pitchFamily="49" charset="0"/>
-            </a:endParaRPr>
-          </a:p>
-          <a:p>
-            <a:pPr marL="0" indent="0">
-              <a:buNone/>
-            </a:pPr>
-            <a:r>
-              <a:rPr lang="en-US" sz="2000" b="0" dirty="0">
-                <a:solidFill>
-                  <a:srgbClr val="000000"/>
-                </a:solidFill>
-                <a:effectLst/>
-                <a:latin typeface="Consolas" panose="020B0609020204030204" pitchFamily="49" charset="0"/>
-              </a:rPr>
-              <a:t>    </a:t>
-            </a:r>
-            <a:r>
-              <a:rPr lang="en-US" sz="2000" b="0" dirty="0">
-                <a:solidFill>
-                  <a:srgbClr val="AF00DB"/>
-                </a:solidFill>
-                <a:effectLst/>
-                <a:latin typeface="Consolas" panose="020B0609020204030204" pitchFamily="49" charset="0"/>
-              </a:rPr>
-              <a:t>return</a:t>
-            </a:r>
-            <a:r>
-              <a:rPr lang="en-US" sz="2000" b="0" dirty="0">
-                <a:solidFill>
-                  <a:srgbClr val="000000"/>
-                </a:solidFill>
-                <a:effectLst/>
-                <a:latin typeface="Consolas" panose="020B0609020204030204" pitchFamily="49" charset="0"/>
-              </a:rPr>
-              <a:t> </a:t>
-            </a:r>
-            <a:r>
-              <a:rPr lang="en-US" sz="2000" b="0" dirty="0">
-                <a:solidFill>
-                  <a:srgbClr val="098658"/>
-                </a:solidFill>
-                <a:effectLst/>
-                <a:latin typeface="Consolas" panose="020B0609020204030204" pitchFamily="49" charset="0"/>
-              </a:rPr>
-              <a:t>42</a:t>
-            </a:r>
-            <a:r>
-              <a:rPr lang="en-US" sz="2000" b="0" dirty="0">
-                <a:solidFill>
-                  <a:srgbClr val="222222"/>
-                </a:solidFill>
-                <a:effectLst/>
-                <a:latin typeface="Consolas" panose="020B0609020204030204" pitchFamily="49" charset="0"/>
-              </a:rPr>
-              <a:t>;</a:t>
-            </a:r>
-            <a:endParaRPr lang="en-US" sz="2000" b="0" dirty="0">
-              <a:solidFill>
-                <a:srgbClr val="000000"/>
-              </a:solidFill>
-              <a:effectLst/>
-              <a:latin typeface="Consolas" panose="020B0609020204030204" pitchFamily="49" charset="0"/>
-            </a:endParaRPr>
-          </a:p>
-          <a:p>
-            <a:pPr marL="0" indent="0">
-              <a:buNone/>
-            </a:pPr>
-            <a:r>
-              <a:rPr lang="en-US" sz="2000" b="0" dirty="0">
-                <a:solidFill>
-                  <a:srgbClr val="222222"/>
-                </a:solidFill>
-                <a:effectLst/>
-                <a:latin typeface="Consolas" panose="020B0609020204030204" pitchFamily="49" charset="0"/>
-              </a:rPr>
-              <a:t>}</a:t>
-            </a:r>
-            <a:endParaRPr lang="en-US" sz="2000" b="0" dirty="0">
-              <a:solidFill>
-                <a:srgbClr val="000000"/>
-              </a:solidFill>
-              <a:effectLst/>
-              <a:latin typeface="Consolas" panose="020B0609020204030204" pitchFamily="49" charset="0"/>
-            </a:endParaRPr>
+              <a:t>Écrire des compléments personnalisés</a:t>
+            </a:r>
           </a:p>
           <a:p>
             <a:pPr lvl="1"/>
-            <a:endParaRPr lang="fr-FR" dirty="0"/>
+            <a:r>
+              <a:rPr lang="fr-FR" dirty="0"/>
+              <a:t>Importation d'espaces de noms</a:t>
+            </a:r>
+          </a:p>
+          <a:p>
+            <a:pPr lvl="1"/>
+            <a:r>
+              <a:rPr lang="fr-FR" dirty="0"/>
+              <a:t>Utilisation du complément</a:t>
+            </a:r>
           </a:p>
         </p:txBody>
       </p:sp>
     </p:spTree>
     <p:extLst>
       <p:ext uri="{BB962C8B-B14F-4D97-AF65-F5344CB8AC3E}">
-        <p14:creationId xmlns:p14="http://schemas.microsoft.com/office/powerpoint/2010/main" val="3730043413"/>
+        <p14:creationId xmlns:p14="http://schemas.microsoft.com/office/powerpoint/2010/main" val="3345407838"/>
       </p:ext>
     </p:extLst>
   </p:cSld>
